--- a/slides/Presentation for Auditors.pptx
+++ b/slides/Presentation for Auditors.pptx
@@ -7,7 +7,7 @@
   <p:sldIdLst>
     <p:sldId id="256" r:id="rId2"/>
     <p:sldId id="257" r:id="rId3"/>
-    <p:sldId id="261" r:id="rId4"/>
+    <p:sldId id="265" r:id="rId4"/>
     <p:sldId id="264" r:id="rId5"/>
     <p:sldId id="263" r:id="rId6"/>
     <p:sldId id="262" r:id="rId7"/>
@@ -7788,23 +7788,8 @@
             <a:pPr lvl="1"/>
             <a:r>
               <a:rPr lang="en-US" sz="2400" dirty="0"/>
-              <a:t>New tools and techniques</a:t>
-            </a:r>
-          </a:p>
-          <a:p>
-            <a:pPr lvl="1"/>
-            <a:r>
-              <a:rPr lang="en-US" sz="2400" dirty="0"/>
-              <a:t>Emerging trends</a:t>
-            </a:r>
-          </a:p>
-          <a:p>
-            <a:pPr lvl="1"/>
-            <a:r>
-              <a:rPr lang="en-US" dirty="0"/>
-              <a:t>Case studies</a:t>
-            </a:r>
-            <a:endParaRPr lang="en-US" sz="2400" dirty="0"/>
+              <a:t>Scenario-based discussion</a:t>
+            </a:r>
           </a:p>
           <a:p>
             <a:r>
@@ -7830,6 +7815,14 @@
 <file path=ppt/slides/slide3.xml><?xml version="1.0" encoding="utf-8"?>
 <p:sld xmlns:a="http://schemas.openxmlformats.org/drawingml/2006/main" xmlns:r="http://schemas.openxmlformats.org/officeDocument/2006/relationships" xmlns:p="http://schemas.openxmlformats.org/presentationml/2006/main">
   <p:cSld>
+    <p:bg>
+      <p:bgPr>
+        <a:solidFill>
+          <a:schemeClr val="bg1"/>
+        </a:solidFill>
+        <a:effectLst/>
+      </p:bgPr>
+    </p:bg>
     <p:spTree>
       <p:nvGrpSpPr>
         <p:cNvPr id="1" name=""/>
@@ -7844,12 +7837,129 @@
           <a:chExt cx="0" cy="0"/>
         </a:xfrm>
       </p:grpSpPr>
+      <p:cxnSp>
+        <p:nvCxnSpPr>
+          <p:cNvPr id="29" name="Straight Connector 28">
+            <a:extLst>
+              <a:ext uri="{FF2B5EF4-FFF2-40B4-BE49-F238E27FC236}">
+                <a16:creationId xmlns:a16="http://schemas.microsoft.com/office/drawing/2014/main" id="{99AE2756-0FC4-4155-83E7-58AAAB63E757}"/>
+              </a:ext>
+              <a:ext uri="{C183D7F6-B498-43B3-948B-1728B52AA6E4}">
+                <adec:decorative xmlns:adec="http://schemas.microsoft.com/office/drawing/2017/decorative" val="1"/>
+              </a:ext>
+            </a:extLst>
+          </p:cNvPr>
+          <p:cNvCxnSpPr>
+            <a:cxnSpLocks noGrp="1" noRot="1" noChangeAspect="1" noMove="1" noResize="1" noEditPoints="1" noAdjustHandles="1" noChangeArrowheads="1" noChangeShapeType="1"/>
+          </p:cNvCxnSpPr>
+          <p:nvPr>
+            <p:extLst>
+              <p:ext uri="{386F3935-93C4-4BCD-93E2-E3B085C9AB24}">
+                <p16:designElem xmlns:p16="http://schemas.microsoft.com/office/powerpoint/2015/main" val="1"/>
+              </p:ext>
+            </p:extLst>
+          </p:nvPr>
+        </p:nvCxnSpPr>
+        <p:spPr>
+          <a:xfrm>
+            <a:off x="4065689" y="477749"/>
+            <a:ext cx="0" cy="3657600"/>
+          </a:xfrm>
+          <a:prstGeom prst="line">
+            <a:avLst/>
+          </a:prstGeom>
+          <a:ln w="101600" cmpd="dbl">
+            <a:solidFill>
+              <a:srgbClr val="595959"/>
+            </a:solidFill>
+          </a:ln>
+        </p:spPr>
+        <p:style>
+          <a:lnRef idx="1">
+            <a:schemeClr val="accent1"/>
+          </a:lnRef>
+          <a:fillRef idx="0">
+            <a:schemeClr val="accent1"/>
+          </a:fillRef>
+          <a:effectRef idx="0">
+            <a:schemeClr val="accent1"/>
+          </a:effectRef>
+          <a:fontRef idx="minor">
+            <a:schemeClr val="tx1"/>
+          </a:fontRef>
+        </p:style>
+      </p:cxnSp>
+      <p:sp>
+        <p:nvSpPr>
+          <p:cNvPr id="31" name="Rectangle 30">
+            <a:extLst>
+              <a:ext uri="{FF2B5EF4-FFF2-40B4-BE49-F238E27FC236}">
+                <a16:creationId xmlns:a16="http://schemas.microsoft.com/office/drawing/2014/main" id="{247AB924-1B87-43FC-B7C7-B112D5C51A0E}"/>
+              </a:ext>
+              <a:ext uri="{C183D7F6-B498-43B3-948B-1728B52AA6E4}">
+                <adec:decorative xmlns:adec="http://schemas.microsoft.com/office/drawing/2017/decorative" val="1"/>
+              </a:ext>
+            </a:extLst>
+          </p:cNvPr>
+          <p:cNvSpPr>
+            <a:spLocks noGrp="1" noRot="1" noChangeAspect="1" noMove="1" noResize="1" noEditPoints="1" noAdjustHandles="1" noChangeArrowheads="1" noChangeShapeType="1" noTextEdit="1"/>
+          </p:cNvSpPr>
+          <p:nvPr>
+            <p:extLst>
+              <p:ext uri="{386F3935-93C4-4BCD-93E2-E3B085C9AB24}">
+                <p16:designElem xmlns:p16="http://schemas.microsoft.com/office/powerpoint/2015/main" val="1"/>
+              </p:ext>
+            </p:extLst>
+          </p:nvPr>
+        </p:nvSpPr>
+        <p:spPr bwMode="ltGray">
+          <a:xfrm>
+            <a:off x="378068" y="4633546"/>
+            <a:ext cx="11438793" cy="1844256"/>
+          </a:xfrm>
+          <a:prstGeom prst="rect">
+            <a:avLst/>
+          </a:prstGeom>
+          <a:solidFill>
+            <a:srgbClr val="404040"/>
+          </a:solidFill>
+          <a:ln w="127000" cap="sq" cmpd="thinThick">
+            <a:solidFill>
+              <a:srgbClr val="404040"/>
+            </a:solidFill>
+          </a:ln>
+        </p:spPr>
+        <p:style>
+          <a:lnRef idx="2">
+            <a:schemeClr val="accent1">
+              <a:shade val="50000"/>
+            </a:schemeClr>
+          </a:lnRef>
+          <a:fillRef idx="1">
+            <a:schemeClr val="accent1"/>
+          </a:fillRef>
+          <a:effectRef idx="0">
+            <a:schemeClr val="accent1"/>
+          </a:effectRef>
+          <a:fontRef idx="minor">
+            <a:schemeClr val="lt1"/>
+          </a:fontRef>
+        </p:style>
+        <p:txBody>
+          <a:bodyPr rtlCol="0" anchor="ctr"/>
+          <a:lstStyle/>
+          <a:p>
+            <a:pPr algn="ctr"/>
+            <a:endParaRPr lang="en-US"/>
+          </a:p>
+        </p:txBody>
+      </p:sp>
       <p:sp>
         <p:nvSpPr>
           <p:cNvPr id="2" name="Title 1">
             <a:extLst>
               <a:ext uri="{FF2B5EF4-FFF2-40B4-BE49-F238E27FC236}">
-                <a16:creationId xmlns:a16="http://schemas.microsoft.com/office/drawing/2014/main" id="{31639C6A-249F-4B19-9DE2-2FFAD8283E67}"/>
+                <a16:creationId xmlns:a16="http://schemas.microsoft.com/office/drawing/2014/main" id="{5F5A76E8-B1B0-4B49-84D4-AEE248B5117C}"/>
               </a:ext>
             </a:extLst>
           </p:cNvPr>
@@ -7860,38 +7970,302 @@
             <p:ph type="title"/>
           </p:nvPr>
         </p:nvSpPr>
-        <p:spPr/>
+        <p:spPr>
+          <a:xfrm>
+            <a:off x="527538" y="4756638"/>
+            <a:ext cx="11139854" cy="930447"/>
+          </a:xfrm>
+        </p:spPr>
         <p:txBody>
-          <a:bodyPr/>
+          <a:bodyPr vert="horz" lIns="91440" tIns="45720" rIns="91440" bIns="45720" rtlCol="0" anchor="b">
+            <a:normAutofit/>
+          </a:bodyPr>
           <a:lstStyle/>
           <a:p>
+            <a:pPr algn="ctr"/>
+            <a:r>
+              <a:rPr lang="en-US" sz="5400" kern="1200">
+                <a:solidFill>
+                  <a:srgbClr val="FFFFFF"/>
+                </a:solidFill>
+                <a:latin typeface="+mj-lt"/>
+                <a:ea typeface="+mj-ea"/>
+                <a:cs typeface="+mj-cs"/>
+              </a:rPr>
+              <a:t>Characteristics of an Audit</a:t>
+            </a:r>
+          </a:p>
+        </p:txBody>
+      </p:sp>
+      <p:pic>
+        <p:nvPicPr>
+          <p:cNvPr id="5" name="Picture 4" descr="A close up of a sign&#10;&#10;Description automatically generated">
+            <a:extLst>
+              <a:ext uri="{FF2B5EF4-FFF2-40B4-BE49-F238E27FC236}">
+                <a16:creationId xmlns:a16="http://schemas.microsoft.com/office/drawing/2014/main" id="{85B0A8E5-D922-444C-B41D-C4BB03E9A44A}"/>
+              </a:ext>
+            </a:extLst>
+          </p:cNvPr>
+          <p:cNvPicPr>
+            <a:picLocks noChangeAspect="1"/>
+          </p:cNvPicPr>
+          <p:nvPr/>
+        </p:nvPicPr>
+        <p:blipFill rotWithShape="1">
+          <a:blip r:embed="rId2">
+            <a:extLst>
+              <a:ext uri="{28A0092B-C50C-407E-A947-70E740481C1C}">
+                <a14:useLocalDpi xmlns:a14="http://schemas.microsoft.com/office/drawing/2010/main" val="0"/>
+              </a:ext>
+            </a:extLst>
+          </a:blip>
+          <a:srcRect l="11720" r="8484" b="-2"/>
+          <a:stretch/>
+        </p:blipFill>
+        <p:spPr>
+          <a:xfrm>
+            <a:off x="4580143" y="307730"/>
+            <a:ext cx="3205919" cy="3997637"/>
+          </a:xfrm>
+          <a:prstGeom prst="rect">
+            <a:avLst/>
+          </a:prstGeom>
+        </p:spPr>
+      </p:pic>
+      <p:pic>
+        <p:nvPicPr>
+          <p:cNvPr id="6" name="Picture 5" descr="A close up of a device&#10;&#10;Description automatically generated">
+            <a:extLst>
+              <a:ext uri="{FF2B5EF4-FFF2-40B4-BE49-F238E27FC236}">
+                <a16:creationId xmlns:a16="http://schemas.microsoft.com/office/drawing/2014/main" id="{E31E0412-3B5D-4740-A727-D5267457DD62}"/>
+              </a:ext>
+            </a:extLst>
+          </p:cNvPr>
+          <p:cNvPicPr>
+            <a:picLocks noChangeAspect="1"/>
+          </p:cNvPicPr>
+          <p:nvPr/>
+        </p:nvPicPr>
+        <p:blipFill rotWithShape="1">
+          <a:blip r:embed="rId3">
+            <a:extLst>
+              <a:ext uri="{28A0092B-C50C-407E-A947-70E740481C1C}">
+                <a14:useLocalDpi xmlns:a14="http://schemas.microsoft.com/office/drawing/2010/main" val="0"/>
+              </a:ext>
+            </a:extLst>
+          </a:blip>
+          <a:srcRect l="15674" r="13809" b="3"/>
+          <a:stretch/>
+        </p:blipFill>
+        <p:spPr>
+          <a:xfrm>
+            <a:off x="8383537" y="766493"/>
+            <a:ext cx="3433324" cy="3176790"/>
+          </a:xfrm>
+          <a:prstGeom prst="rect">
+            <a:avLst/>
+          </a:prstGeom>
+        </p:spPr>
+      </p:pic>
+      <p:cxnSp>
+        <p:nvCxnSpPr>
+          <p:cNvPr id="33" name="Straight Connector 32">
+            <a:extLst>
+              <a:ext uri="{FF2B5EF4-FFF2-40B4-BE49-F238E27FC236}">
+                <a16:creationId xmlns:a16="http://schemas.microsoft.com/office/drawing/2014/main" id="{818DC98F-4057-4645-B948-F604F39A9CFE}"/>
+              </a:ext>
+              <a:ext uri="{C183D7F6-B498-43B3-948B-1728B52AA6E4}">
+                <adec:decorative xmlns:adec="http://schemas.microsoft.com/office/drawing/2017/decorative" val="1"/>
+              </a:ext>
+            </a:extLst>
+          </p:cNvPr>
+          <p:cNvCxnSpPr>
+            <a:cxnSpLocks noGrp="1" noRot="1" noChangeAspect="1" noMove="1" noResize="1" noEditPoints="1" noAdjustHandles="1" noChangeArrowheads="1" noChangeShapeType="1"/>
+          </p:cNvCxnSpPr>
+          <p:nvPr>
+            <p:extLst>
+              <p:ext uri="{386F3935-93C4-4BCD-93E2-E3B085C9AB24}">
+                <p16:designElem xmlns:p16="http://schemas.microsoft.com/office/powerpoint/2015/main" val="1"/>
+              </p:ext>
+            </p:extLst>
+          </p:nvPr>
+        </p:nvCxnSpPr>
+        <p:spPr>
+          <a:xfrm>
+            <a:off x="8153400" y="477749"/>
+            <a:ext cx="0" cy="3657600"/>
+          </a:xfrm>
+          <a:prstGeom prst="line">
+            <a:avLst/>
+          </a:prstGeom>
+          <a:ln w="101600" cmpd="dbl">
+            <a:solidFill>
+              <a:srgbClr val="595959"/>
+            </a:solidFill>
+          </a:ln>
+        </p:spPr>
+        <p:style>
+          <a:lnRef idx="1">
+            <a:schemeClr val="accent1"/>
+          </a:lnRef>
+          <a:fillRef idx="0">
+            <a:schemeClr val="accent1"/>
+          </a:fillRef>
+          <a:effectRef idx="0">
+            <a:schemeClr val="accent1"/>
+          </a:effectRef>
+          <a:fontRef idx="minor">
+            <a:schemeClr val="tx1"/>
+          </a:fontRef>
+        </p:style>
+      </p:cxnSp>
+      <p:pic>
+        <p:nvPicPr>
+          <p:cNvPr id="4" name="Picture 3" descr="A person in a suit and tie&#10;&#10;Description automatically generated">
+            <a:extLst>
+              <a:ext uri="{FF2B5EF4-FFF2-40B4-BE49-F238E27FC236}">
+                <a16:creationId xmlns:a16="http://schemas.microsoft.com/office/drawing/2014/main" id="{B28555F6-60F2-43D2-B6E0-36E64E3C9408}"/>
+              </a:ext>
+            </a:extLst>
+          </p:cNvPr>
+          <p:cNvPicPr>
+            <a:picLocks noChangeAspect="1"/>
+          </p:cNvPicPr>
+          <p:nvPr/>
+        </p:nvPicPr>
+        <p:blipFill rotWithShape="1">
+          <a:blip r:embed="rId4">
+            <a:extLst>
+              <a:ext uri="{28A0092B-C50C-407E-A947-70E740481C1C}">
+                <a14:useLocalDpi xmlns:a14="http://schemas.microsoft.com/office/drawing/2010/main" val="0"/>
+              </a:ext>
+            </a:extLst>
+          </a:blip>
+          <a:srcRect l="4959" r="3424" b="-2"/>
+          <a:stretch/>
+        </p:blipFill>
+        <p:spPr>
+          <a:xfrm>
+            <a:off x="1015614" y="380198"/>
+            <a:ext cx="2323706" cy="3462631"/>
+          </a:xfrm>
+          <a:prstGeom prst="rect">
+            <a:avLst/>
+          </a:prstGeom>
+        </p:spPr>
+      </p:pic>
+      <p:cxnSp>
+        <p:nvCxnSpPr>
+          <p:cNvPr id="35" name="Straight Connector 34">
+            <a:extLst>
+              <a:ext uri="{FF2B5EF4-FFF2-40B4-BE49-F238E27FC236}">
+                <a16:creationId xmlns:a16="http://schemas.microsoft.com/office/drawing/2014/main" id="{DAD2B705-4A9B-408D-AA80-4F41045E09DE}"/>
+              </a:ext>
+              <a:ext uri="{C183D7F6-B498-43B3-948B-1728B52AA6E4}">
+                <adec:decorative xmlns:adec="http://schemas.microsoft.com/office/drawing/2017/decorative" val="1"/>
+              </a:ext>
+            </a:extLst>
+          </p:cNvPr>
+          <p:cNvCxnSpPr>
+            <a:cxnSpLocks noGrp="1" noRot="1" noChangeAspect="1" noMove="1" noResize="1" noEditPoints="1" noAdjustHandles="1" noChangeArrowheads="1" noChangeShapeType="1"/>
+          </p:cNvCxnSpPr>
+          <p:nvPr>
+            <p:extLst>
+              <p:ext uri="{386F3935-93C4-4BCD-93E2-E3B085C9AB24}">
+                <p16:designElem xmlns:p16="http://schemas.microsoft.com/office/powerpoint/2015/main" val="1"/>
+              </p:ext>
+            </p:extLst>
+          </p:nvPr>
+        </p:nvCxnSpPr>
+        <p:spPr>
+          <a:xfrm>
+            <a:off x="2209800" y="5738691"/>
+            <a:ext cx="7772400" cy="0"/>
+          </a:xfrm>
+          <a:prstGeom prst="line">
+            <a:avLst/>
+          </a:prstGeom>
+          <a:ln w="22225">
+            <a:solidFill>
+              <a:srgbClr val="D9D9D9"/>
+            </a:solidFill>
+          </a:ln>
+        </p:spPr>
+        <p:style>
+          <a:lnRef idx="1">
+            <a:schemeClr val="accent1"/>
+          </a:lnRef>
+          <a:fillRef idx="0">
+            <a:schemeClr val="accent1"/>
+          </a:fillRef>
+          <a:effectRef idx="0">
+            <a:schemeClr val="accent1"/>
+          </a:effectRef>
+          <a:fontRef idx="minor">
+            <a:schemeClr val="tx1"/>
+          </a:fontRef>
+        </p:style>
+      </p:cxnSp>
+      <p:sp>
+        <p:nvSpPr>
+          <p:cNvPr id="18" name="TextBox 17">
+            <a:extLst>
+              <a:ext uri="{FF2B5EF4-FFF2-40B4-BE49-F238E27FC236}">
+                <a16:creationId xmlns:a16="http://schemas.microsoft.com/office/drawing/2014/main" id="{68BE9B7B-0F4E-4ABC-8535-FB7FF5EB137F}"/>
+              </a:ext>
+            </a:extLst>
+          </p:cNvPr>
+          <p:cNvSpPr txBox="1"/>
+          <p:nvPr/>
+        </p:nvSpPr>
+        <p:spPr>
+          <a:xfrm>
+            <a:off x="1685799" y="3942297"/>
+            <a:ext cx="826060" cy="369332"/>
+          </a:xfrm>
+          <a:prstGeom prst="rect">
+            <a:avLst/>
+          </a:prstGeom>
+          <a:noFill/>
+        </p:spPr>
+        <p:txBody>
+          <a:bodyPr wrap="none" rtlCol="0">
+            <a:spAutoFit/>
+          </a:bodyPr>
+          <a:lstStyle/>
+          <a:p>
             <a:r>
               <a:rPr lang="en-US" dirty="0"/>
-              <a:t>Characteristics of an audit</a:t>
+              <a:t>People</a:t>
             </a:r>
           </a:p>
         </p:txBody>
       </p:sp>
       <p:sp>
         <p:nvSpPr>
-          <p:cNvPr id="3" name="Content Placeholder 2">
-            <a:extLst>
-              <a:ext uri="{FF2B5EF4-FFF2-40B4-BE49-F238E27FC236}">
-                <a16:creationId xmlns:a16="http://schemas.microsoft.com/office/drawing/2014/main" id="{171144AD-97D3-4090-AF58-BBDC406F5082}"/>
-              </a:ext>
-            </a:extLst>
-          </p:cNvPr>
-          <p:cNvSpPr>
-            <a:spLocks noGrp="1"/>
-          </p:cNvSpPr>
-          <p:nvPr>
-            <p:ph idx="1"/>
-          </p:nvPr>
+          <p:cNvPr id="19" name="TextBox 18">
+            <a:extLst>
+              <a:ext uri="{FF2B5EF4-FFF2-40B4-BE49-F238E27FC236}">
+                <a16:creationId xmlns:a16="http://schemas.microsoft.com/office/drawing/2014/main" id="{C41B8621-01A6-45BA-AB8C-17BA3D60804E}"/>
+              </a:ext>
+            </a:extLst>
+          </p:cNvPr>
+          <p:cNvSpPr txBox="1"/>
+          <p:nvPr/>
         </p:nvSpPr>
-        <p:spPr/>
+        <p:spPr>
+          <a:xfrm>
+            <a:off x="5785723" y="3980080"/>
+            <a:ext cx="620554" cy="369332"/>
+          </a:xfrm>
+          <a:prstGeom prst="rect">
+            <a:avLst/>
+          </a:prstGeom>
+          <a:noFill/>
+        </p:spPr>
         <p:txBody>
-          <a:bodyPr>
-            <a:normAutofit fontScale="85000" lnSpcReduction="20000"/>
+          <a:bodyPr wrap="none" rtlCol="0">
+            <a:spAutoFit/>
           </a:bodyPr>
           <a:lstStyle/>
           <a:p>
@@ -7900,105 +8274,47 @@
               <a:t>Data</a:t>
             </a:r>
           </a:p>
-          <a:p>
-            <a:pPr lvl="1"/>
-            <a:r>
-              <a:rPr lang="en-US" dirty="0"/>
-              <a:t>Size</a:t>
-            </a:r>
-          </a:p>
-          <a:p>
-            <a:pPr lvl="1"/>
-            <a:r>
-              <a:rPr lang="en-US" dirty="0"/>
-              <a:t>Cleanliness</a:t>
-            </a:r>
-          </a:p>
-          <a:p>
-            <a:pPr lvl="1"/>
-            <a:r>
-              <a:rPr lang="en-US" dirty="0"/>
-              <a:t>Transfers</a:t>
-            </a:r>
-          </a:p>
-          <a:p>
-            <a:pPr lvl="1"/>
-            <a:r>
-              <a:rPr lang="en-US" dirty="0"/>
-              <a:t>Updates</a:t>
-            </a:r>
-          </a:p>
-          <a:p>
-            <a:r>
-              <a:rPr lang="en-US" dirty="0"/>
-              <a:t>People</a:t>
-            </a:r>
-          </a:p>
-          <a:p>
-            <a:pPr lvl="1"/>
-            <a:r>
-              <a:rPr lang="en-US" dirty="0"/>
-              <a:t>Collaboration</a:t>
-            </a:r>
-          </a:p>
-          <a:p>
-            <a:pPr lvl="1"/>
-            <a:r>
-              <a:rPr lang="en-US" dirty="0"/>
-              <a:t>Experiments</a:t>
-            </a:r>
-          </a:p>
-          <a:p>
-            <a:pPr lvl="1"/>
-            <a:r>
-              <a:rPr lang="en-US" dirty="0"/>
-              <a:t>Documentation</a:t>
-            </a:r>
-          </a:p>
-          <a:p>
-            <a:pPr lvl="1"/>
-            <a:r>
-              <a:rPr lang="en-US" dirty="0"/>
-              <a:t>Version Control</a:t>
-            </a:r>
-          </a:p>
-          <a:p>
-            <a:pPr lvl="1"/>
-            <a:r>
-              <a:rPr lang="en-US" dirty="0"/>
-              <a:t>Skillsets</a:t>
-            </a:r>
-          </a:p>
-          <a:p>
-            <a:pPr lvl="1"/>
-            <a:r>
-              <a:rPr lang="en-US" dirty="0"/>
-              <a:t>Geography</a:t>
-            </a:r>
-          </a:p>
+        </p:txBody>
+      </p:sp>
+      <p:sp>
+        <p:nvSpPr>
+          <p:cNvPr id="21" name="TextBox 20">
+            <a:extLst>
+              <a:ext uri="{FF2B5EF4-FFF2-40B4-BE49-F238E27FC236}">
+                <a16:creationId xmlns:a16="http://schemas.microsoft.com/office/drawing/2014/main" id="{F0F3FA9E-94AE-4F19-8755-D1EF4780DE57}"/>
+              </a:ext>
+            </a:extLst>
+          </p:cNvPr>
+          <p:cNvSpPr txBox="1"/>
+          <p:nvPr/>
+        </p:nvSpPr>
+        <p:spPr>
+          <a:xfrm>
+            <a:off x="9625565" y="3965921"/>
+            <a:ext cx="1242969" cy="369332"/>
+          </a:xfrm>
+          <a:prstGeom prst="rect">
+            <a:avLst/>
+          </a:prstGeom>
+          <a:noFill/>
+        </p:spPr>
+        <p:txBody>
+          <a:bodyPr wrap="none" rtlCol="0">
+            <a:spAutoFit/>
+          </a:bodyPr>
+          <a:lstStyle/>
           <a:p>
             <a:r>
               <a:rPr lang="en-US" dirty="0"/>
               <a:t>Technology</a:t>
             </a:r>
-          </a:p>
-          <a:p>
-            <a:pPr lvl="1"/>
-            <a:r>
-              <a:rPr lang="en-US" dirty="0"/>
-              <a:t>Scalability</a:t>
-            </a:r>
-          </a:p>
-          <a:p>
-            <a:pPr lvl="1"/>
-            <a:endParaRPr lang="en-US" dirty="0"/>
           </a:p>
         </p:txBody>
       </p:sp>
     </p:spTree>
     <p:extLst>
       <p:ext uri="{BB962C8B-B14F-4D97-AF65-F5344CB8AC3E}">
-        <p14:creationId xmlns:p14="http://schemas.microsoft.com/office/powerpoint/2010/main" val="2955052247"/>
+        <p14:creationId xmlns:p14="http://schemas.microsoft.com/office/powerpoint/2010/main" val="3160827322"/>
       </p:ext>
     </p:extLst>
   </p:cSld>

--- a/slides/Presentation for Auditors.pptx
+++ b/slides/Presentation for Auditors.pptx
@@ -9,11 +9,13 @@
     <p:sldId id="257" r:id="rId3"/>
     <p:sldId id="265" r:id="rId4"/>
     <p:sldId id="264" r:id="rId5"/>
-    <p:sldId id="263" r:id="rId6"/>
-    <p:sldId id="262" r:id="rId7"/>
-    <p:sldId id="259" r:id="rId8"/>
-    <p:sldId id="260" r:id="rId9"/>
+    <p:sldId id="266" r:id="rId6"/>
+    <p:sldId id="267" r:id="rId7"/>
+    <p:sldId id="263" r:id="rId8"/>
+    <p:sldId id="262" r:id="rId9"/>
     <p:sldId id="258" r:id="rId10"/>
+    <p:sldId id="259" r:id="rId11"/>
+    <p:sldId id="260" r:id="rId12"/>
   </p:sldIdLst>
   <p:sldSz cx="12192000" cy="6858000"/>
   <p:notesSz cx="6858000" cy="9144000"/>
@@ -112,6 +114,31 @@
       </a:defRPr>
     </a:lvl9pPr>
   </p:defaultTextStyle>
+  <p:extLst>
+    <p:ext uri="{521415D9-36F7-43E2-AB2F-B90AF26B5E84}">
+      <p14:sectionLst xmlns:p14="http://schemas.microsoft.com/office/powerpoint/2010/main">
+        <p14:section name="Default Section" id="{0CD5446E-42B1-4E71-9848-C498A159EEEF}">
+          <p14:sldIdLst>
+            <p14:sldId id="256"/>
+            <p14:sldId id="257"/>
+            <p14:sldId id="265"/>
+            <p14:sldId id="264"/>
+            <p14:sldId id="266"/>
+            <p14:sldId id="267"/>
+            <p14:sldId id="263"/>
+            <p14:sldId id="262"/>
+            <p14:sldId id="258"/>
+          </p14:sldIdLst>
+        </p14:section>
+        <p14:section name="Work in progress slides" id="{9A69C85F-1E3D-4567-A245-B358795D5B2C}">
+          <p14:sldIdLst>
+            <p14:sldId id="259"/>
+            <p14:sldId id="260"/>
+          </p14:sldIdLst>
+        </p14:section>
+      </p14:sectionLst>
+    </p:ext>
+  </p:extLst>
 </p:presentation>
 </file>
 
@@ -6877,12 +6904,12 @@
           <a:chExt cx="0" cy="0"/>
         </a:xfrm>
       </p:grpSpPr>
-      <p:sp useBgFill="1">
+      <p:sp>
         <p:nvSpPr>
-          <p:cNvPr id="8" name="Rectangle 7">
-            <a:extLst>
-              <a:ext uri="{FF2B5EF4-FFF2-40B4-BE49-F238E27FC236}">
-                <a16:creationId xmlns:a16="http://schemas.microsoft.com/office/drawing/2014/main" id="{559AE206-7EBA-4D33-8BC9-9D8158553F0E}"/>
+          <p:cNvPr id="23" name="Rectangle 22">
+            <a:extLst>
+              <a:ext uri="{FF2B5EF4-FFF2-40B4-BE49-F238E27FC236}">
+                <a16:creationId xmlns:a16="http://schemas.microsoft.com/office/drawing/2014/main" id="{C0B27210-D0CA-4654-B3E3-9ABB4F178EA1}"/>
               </a:ext>
               <a:ext uri="{C183D7F6-B498-43B3-948B-1728B52AA6E4}">
                 <adec:decorative xmlns:adec="http://schemas.microsoft.com/office/drawing/2017/decorative" val="1"/>
@@ -6908,6 +6935,12 @@
           <a:prstGeom prst="rect">
             <a:avLst/>
           </a:prstGeom>
+          <a:solidFill>
+            <a:schemeClr val="tx1">
+              <a:lumMod val="75000"/>
+              <a:lumOff val="25000"/>
+            </a:schemeClr>
+          </a:solidFill>
           <a:ln>
             <a:noFill/>
           </a:ln>
@@ -6930,6 +6963,236 @@
         </p:style>
         <p:txBody>
           <a:bodyPr rtlCol="0" anchor="ctr"/>
+          <a:lstStyle/>
+          <a:p>
+            <a:pPr algn="ctr"/>
+            <a:endParaRPr lang="en-US"/>
+          </a:p>
+        </p:txBody>
+      </p:sp>
+      <p:sp>
+        <p:nvSpPr>
+          <p:cNvPr id="2" name="Title 1">
+            <a:extLst>
+              <a:ext uri="{FF2B5EF4-FFF2-40B4-BE49-F238E27FC236}">
+                <a16:creationId xmlns:a16="http://schemas.microsoft.com/office/drawing/2014/main" id="{F4E5223C-8431-499D-9409-C0159552C359}"/>
+              </a:ext>
+            </a:extLst>
+          </p:cNvPr>
+          <p:cNvSpPr>
+            <a:spLocks noGrp="1"/>
+          </p:cNvSpPr>
+          <p:nvPr>
+            <p:ph type="ctrTitle"/>
+          </p:nvPr>
+        </p:nvSpPr>
+        <p:spPr>
+          <a:xfrm>
+            <a:off x="6746628" y="1783959"/>
+            <a:ext cx="4645250" cy="2889114"/>
+          </a:xfrm>
+        </p:spPr>
+        <p:txBody>
+          <a:bodyPr anchor="b">
+            <a:normAutofit/>
+          </a:bodyPr>
+          <a:lstStyle/>
+          <a:p>
+            <a:pPr algn="l"/>
+            <a:r>
+              <a:rPr lang="en-US" sz="6000" dirty="0">
+                <a:solidFill>
+                  <a:schemeClr val="bg1"/>
+                </a:solidFill>
+              </a:rPr>
+              <a:t>Azure</a:t>
+            </a:r>
+            <a:br>
+              <a:rPr lang="en-US" sz="6000" dirty="0">
+                <a:solidFill>
+                  <a:schemeClr val="bg1"/>
+                </a:solidFill>
+              </a:rPr>
+            </a:br>
+            <a:endParaRPr lang="en-US" sz="6000" dirty="0">
+              <a:solidFill>
+                <a:schemeClr val="bg1"/>
+              </a:solidFill>
+            </a:endParaRPr>
+          </a:p>
+        </p:txBody>
+      </p:sp>
+      <p:sp>
+        <p:nvSpPr>
+          <p:cNvPr id="3" name="Subtitle 2">
+            <a:extLst>
+              <a:ext uri="{FF2B5EF4-FFF2-40B4-BE49-F238E27FC236}">
+                <a16:creationId xmlns:a16="http://schemas.microsoft.com/office/drawing/2014/main" id="{765DE551-8A4A-4DCA-A395-CE63E7426814}"/>
+              </a:ext>
+            </a:extLst>
+          </p:cNvPr>
+          <p:cNvSpPr>
+            <a:spLocks noGrp="1"/>
+          </p:cNvSpPr>
+          <p:nvPr>
+            <p:ph type="subTitle" idx="1"/>
+          </p:nvPr>
+        </p:nvSpPr>
+        <p:spPr>
+          <a:xfrm>
+            <a:off x="6746628" y="3743894"/>
+            <a:ext cx="4645250" cy="703976"/>
+          </a:xfrm>
+        </p:spPr>
+        <p:txBody>
+          <a:bodyPr anchor="t">
+            <a:normAutofit/>
+          </a:bodyPr>
+          <a:lstStyle/>
+          <a:p>
+            <a:pPr algn="l"/>
+            <a:r>
+              <a:rPr lang="en-US" sz="2000" dirty="0">
+                <a:solidFill>
+                  <a:schemeClr val="bg1"/>
+                </a:solidFill>
+              </a:rPr>
+              <a:t>Data, Artificial Intelligence, and Advanced Analytics</a:t>
+            </a:r>
+          </a:p>
+        </p:txBody>
+      </p:sp>
+      <p:sp>
+        <p:nvSpPr>
+          <p:cNvPr id="25" name="Freeform: Shape 24">
+            <a:extLst>
+              <a:ext uri="{FF2B5EF4-FFF2-40B4-BE49-F238E27FC236}">
+                <a16:creationId xmlns:a16="http://schemas.microsoft.com/office/drawing/2014/main" id="{1DB7C82F-AB7E-4F0C-B829-FA1B9C415180}"/>
+              </a:ext>
+              <a:ext uri="{C183D7F6-B498-43B3-948B-1728B52AA6E4}">
+                <adec:decorative xmlns:adec="http://schemas.microsoft.com/office/drawing/2017/decorative" val="1"/>
+              </a:ext>
+            </a:extLst>
+          </p:cNvPr>
+          <p:cNvSpPr>
+            <a:spLocks noGrp="1" noRot="1" noChangeAspect="1" noMove="1" noResize="1" noEditPoints="1" noAdjustHandles="1" noChangeArrowheads="1" noChangeShapeType="1" noTextEdit="1"/>
+          </p:cNvSpPr>
+          <p:nvPr>
+            <p:extLst>
+              <p:ext uri="{386F3935-93C4-4BCD-93E2-E3B085C9AB24}">
+                <p16:designElem xmlns:p16="http://schemas.microsoft.com/office/powerpoint/2015/main" val="1"/>
+              </p:ext>
+            </p:extLst>
+          </p:nvPr>
+        </p:nvSpPr>
+        <p:spPr>
+          <a:xfrm flipH="1">
+            <a:off x="0" y="0"/>
+            <a:ext cx="6172782" cy="6858000"/>
+          </a:xfrm>
+          <a:custGeom>
+            <a:avLst/>
+            <a:gdLst>
+              <a:gd name="connsiteX0" fmla="*/ 6172782 w 6172782"/>
+              <a:gd name="connsiteY0" fmla="*/ 0 h 6858000"/>
+              <a:gd name="connsiteX1" fmla="*/ 69075 w 6172782"/>
+              <a:gd name="connsiteY1" fmla="*/ 0 h 6858000"/>
+              <a:gd name="connsiteX2" fmla="*/ 35131 w 6172782"/>
+              <a:gd name="connsiteY2" fmla="*/ 267128 h 6858000"/>
+              <a:gd name="connsiteX3" fmla="*/ 0 w 6172782"/>
+              <a:gd name="connsiteY3" fmla="*/ 962845 h 6858000"/>
+              <a:gd name="connsiteX4" fmla="*/ 3276103 w 6172782"/>
+              <a:gd name="connsiteY4" fmla="*/ 6782205 h 6858000"/>
+              <a:gd name="connsiteX5" fmla="*/ 3407923 w 6172782"/>
+              <a:gd name="connsiteY5" fmla="*/ 6858000 h 6858000"/>
+              <a:gd name="connsiteX6" fmla="*/ 6172782 w 6172782"/>
+              <a:gd name="connsiteY6" fmla="*/ 6858000 h 6858000"/>
+            </a:gdLst>
+            <a:ahLst/>
+            <a:cxnLst>
+              <a:cxn ang="0">
+                <a:pos x="connsiteX0" y="connsiteY0"/>
+              </a:cxn>
+              <a:cxn ang="0">
+                <a:pos x="connsiteX1" y="connsiteY1"/>
+              </a:cxn>
+              <a:cxn ang="0">
+                <a:pos x="connsiteX2" y="connsiteY2"/>
+              </a:cxn>
+              <a:cxn ang="0">
+                <a:pos x="connsiteX3" y="connsiteY3"/>
+              </a:cxn>
+              <a:cxn ang="0">
+                <a:pos x="connsiteX4" y="connsiteY4"/>
+              </a:cxn>
+              <a:cxn ang="0">
+                <a:pos x="connsiteX5" y="connsiteY5"/>
+              </a:cxn>
+              <a:cxn ang="0">
+                <a:pos x="connsiteX6" y="connsiteY6"/>
+              </a:cxn>
+            </a:cxnLst>
+            <a:rect l="l" t="t" r="r" b="b"/>
+            <a:pathLst>
+              <a:path w="6172782" h="6858000">
+                <a:moveTo>
+                  <a:pt x="6172782" y="0"/>
+                </a:moveTo>
+                <a:lnTo>
+                  <a:pt x="69075" y="0"/>
+                </a:lnTo>
+                <a:lnTo>
+                  <a:pt x="35131" y="267128"/>
+                </a:lnTo>
+                <a:cubicBezTo>
+                  <a:pt x="11901" y="495874"/>
+                  <a:pt x="0" y="727970"/>
+                  <a:pt x="0" y="962845"/>
+                </a:cubicBezTo>
+                <a:cubicBezTo>
+                  <a:pt x="0" y="3429034"/>
+                  <a:pt x="1312002" y="5588789"/>
+                  <a:pt x="3276103" y="6782205"/>
+                </a:cubicBezTo>
+                <a:lnTo>
+                  <a:pt x="3407923" y="6858000"/>
+                </a:lnTo>
+                <a:lnTo>
+                  <a:pt x="6172782" y="6858000"/>
+                </a:lnTo>
+                <a:close/>
+              </a:path>
+            </a:pathLst>
+          </a:custGeom>
+          <a:solidFill>
+            <a:schemeClr val="bg1">
+              <a:alpha val="80000"/>
+            </a:schemeClr>
+          </a:solidFill>
+          <a:ln>
+            <a:noFill/>
+          </a:ln>
+        </p:spPr>
+        <p:style>
+          <a:lnRef idx="2">
+            <a:schemeClr val="accent1">
+              <a:shade val="50000"/>
+            </a:schemeClr>
+          </a:lnRef>
+          <a:fillRef idx="1">
+            <a:schemeClr val="accent1"/>
+          </a:fillRef>
+          <a:effectRef idx="0">
+            <a:schemeClr val="accent1"/>
+          </a:effectRef>
+          <a:fontRef idx="minor">
+            <a:schemeClr val="lt1"/>
+          </a:fontRef>
+        </p:style>
+        <p:txBody>
+          <a:bodyPr wrap="square" rtlCol="0" anchor="ctr">
+            <a:noAutofit/>
+          </a:bodyPr>
           <a:lstStyle/>
           <a:p>
             <a:pPr marL="0" marR="0" lvl="0" indent="0" algn="ctr" defTabSz="914400" rtl="0" eaLnBrk="1" fontAlgn="auto" latinLnBrk="0" hangingPunct="1">
@@ -6968,82 +7231,10 @@
       </p:sp>
       <p:sp>
         <p:nvSpPr>
-          <p:cNvPr id="2" name="Title 1">
-            <a:extLst>
-              <a:ext uri="{FF2B5EF4-FFF2-40B4-BE49-F238E27FC236}">
-                <a16:creationId xmlns:a16="http://schemas.microsoft.com/office/drawing/2014/main" id="{F4E5223C-8431-499D-9409-C0159552C359}"/>
-              </a:ext>
-            </a:extLst>
-          </p:cNvPr>
-          <p:cNvSpPr>
-            <a:spLocks noGrp="1"/>
-          </p:cNvSpPr>
-          <p:nvPr>
-            <p:ph type="ctrTitle"/>
-          </p:nvPr>
-        </p:nvSpPr>
-        <p:spPr>
-          <a:xfrm>
-            <a:off x="838199" y="4525347"/>
-            <a:ext cx="6801321" cy="1737360"/>
-          </a:xfrm>
-        </p:spPr>
-        <p:txBody>
-          <a:bodyPr anchor="ctr">
-            <a:normAutofit/>
-          </a:bodyPr>
-          <a:lstStyle/>
-          <a:p>
-            <a:pPr algn="r"/>
-            <a:r>
-              <a:rPr lang="en-US" sz="6000"/>
-              <a:t>Microsoft Intelligent Cloud</a:t>
-            </a:r>
-          </a:p>
-        </p:txBody>
-      </p:sp>
-      <p:sp>
-        <p:nvSpPr>
-          <p:cNvPr id="3" name="Subtitle 2">
-            <a:extLst>
-              <a:ext uri="{FF2B5EF4-FFF2-40B4-BE49-F238E27FC236}">
-                <a16:creationId xmlns:a16="http://schemas.microsoft.com/office/drawing/2014/main" id="{765DE551-8A4A-4DCA-A395-CE63E7426814}"/>
-              </a:ext>
-            </a:extLst>
-          </p:cNvPr>
-          <p:cNvSpPr>
-            <a:spLocks noGrp="1"/>
-          </p:cNvSpPr>
-          <p:nvPr>
-            <p:ph type="subTitle" idx="1"/>
-          </p:nvPr>
-        </p:nvSpPr>
-        <p:spPr>
-          <a:xfrm>
-            <a:off x="7961258" y="4525347"/>
-            <a:ext cx="3258675" cy="1737360"/>
-          </a:xfrm>
-        </p:spPr>
-        <p:txBody>
-          <a:bodyPr anchor="ctr">
-            <a:normAutofit/>
-          </a:bodyPr>
-          <a:lstStyle/>
-          <a:p>
-            <a:pPr algn="l"/>
-            <a:r>
-              <a:rPr lang="en-US" sz="2400"/>
-              <a:t>Data and A.I.</a:t>
-            </a:r>
-          </a:p>
-        </p:txBody>
-      </p:sp>
-      <p:sp>
-        <p:nvSpPr>
-          <p:cNvPr id="10" name="Oval 9">
-            <a:extLst>
-              <a:ext uri="{FF2B5EF4-FFF2-40B4-BE49-F238E27FC236}">
-                <a16:creationId xmlns:a16="http://schemas.microsoft.com/office/drawing/2014/main" id="{6437D937-A7F1-4011-92B4-328E5BE1B166}"/>
+          <p:cNvPr id="27" name="Freeform: Shape 26">
+            <a:extLst>
+              <a:ext uri="{FF2B5EF4-FFF2-40B4-BE49-F238E27FC236}">
+                <a16:creationId xmlns:a16="http://schemas.microsoft.com/office/drawing/2014/main" id="{70B66945-4967-4040-926D-DCA44313CDAB}"/>
               </a:ext>
               <a:ext uri="{C183D7F6-B498-43B3-948B-1728B52AA6E4}">
                 <adec:decorative xmlns:adec="http://schemas.microsoft.com/office/drawing/2017/decorative" val="1"/>
@@ -7063,14 +7254,85 @@
         </p:nvSpPr>
         <p:spPr>
           <a:xfrm>
-            <a:off x="588567" y="620480"/>
-            <a:ext cx="2243800" cy="2243796"/>
+            <a:off x="0" y="0"/>
+            <a:ext cx="6024154" cy="6858000"/>
           </a:xfrm>
-          <a:prstGeom prst="ellipse">
+          <a:custGeom>
             <a:avLst/>
-          </a:prstGeom>
+            <a:gdLst>
+              <a:gd name="connsiteX0" fmla="*/ 0 w 6024154"/>
+              <a:gd name="connsiteY0" fmla="*/ 0 h 6858000"/>
+              <a:gd name="connsiteX1" fmla="*/ 5953780 w 6024154"/>
+              <a:gd name="connsiteY1" fmla="*/ 0 h 6858000"/>
+              <a:gd name="connsiteX2" fmla="*/ 5989880 w 6024154"/>
+              <a:gd name="connsiteY2" fmla="*/ 284091 h 6858000"/>
+              <a:gd name="connsiteX3" fmla="*/ 6024154 w 6024154"/>
+              <a:gd name="connsiteY3" fmla="*/ 962844 h 6858000"/>
+              <a:gd name="connsiteX4" fmla="*/ 2549934 w 6024154"/>
+              <a:gd name="connsiteY4" fmla="*/ 6800152 h 6858000"/>
+              <a:gd name="connsiteX5" fmla="*/ 2436987 w 6024154"/>
+              <a:gd name="connsiteY5" fmla="*/ 6858000 h 6858000"/>
+              <a:gd name="connsiteX6" fmla="*/ 0 w 6024154"/>
+              <a:gd name="connsiteY6" fmla="*/ 6858000 h 6858000"/>
+            </a:gdLst>
+            <a:ahLst/>
+            <a:cxnLst>
+              <a:cxn ang="0">
+                <a:pos x="connsiteX0" y="connsiteY0"/>
+              </a:cxn>
+              <a:cxn ang="0">
+                <a:pos x="connsiteX1" y="connsiteY1"/>
+              </a:cxn>
+              <a:cxn ang="0">
+                <a:pos x="connsiteX2" y="connsiteY2"/>
+              </a:cxn>
+              <a:cxn ang="0">
+                <a:pos x="connsiteX3" y="connsiteY3"/>
+              </a:cxn>
+              <a:cxn ang="0">
+                <a:pos x="connsiteX4" y="connsiteY4"/>
+              </a:cxn>
+              <a:cxn ang="0">
+                <a:pos x="connsiteX5" y="connsiteY5"/>
+              </a:cxn>
+              <a:cxn ang="0">
+                <a:pos x="connsiteX6" y="connsiteY6"/>
+              </a:cxn>
+            </a:cxnLst>
+            <a:rect l="l" t="t" r="r" b="b"/>
+            <a:pathLst>
+              <a:path w="6024154" h="6858000">
+                <a:moveTo>
+                  <a:pt x="0" y="0"/>
+                </a:moveTo>
+                <a:lnTo>
+                  <a:pt x="5953780" y="0"/>
+                </a:lnTo>
+                <a:lnTo>
+                  <a:pt x="5989880" y="284091"/>
+                </a:lnTo>
+                <a:cubicBezTo>
+                  <a:pt x="6012544" y="507260"/>
+                  <a:pt x="6024154" y="733696"/>
+                  <a:pt x="6024154" y="962844"/>
+                </a:cubicBezTo>
+                <a:cubicBezTo>
+                  <a:pt x="6024154" y="3483472"/>
+                  <a:pt x="4619336" y="5675986"/>
+                  <a:pt x="2549934" y="6800152"/>
+                </a:cubicBezTo>
+                <a:lnTo>
+                  <a:pt x="2436987" y="6858000"/>
+                </a:lnTo>
+                <a:lnTo>
+                  <a:pt x="0" y="6858000"/>
+                </a:lnTo>
+                <a:close/>
+              </a:path>
+            </a:pathLst>
+          </a:custGeom>
           <a:solidFill>
-            <a:schemeClr val="accent5"/>
+            <a:schemeClr val="bg1"/>
           </a:solidFill>
           <a:ln>
             <a:noFill/>
@@ -7093,7 +7355,9 @@
           </a:fontRef>
         </p:style>
         <p:txBody>
-          <a:bodyPr rtlCol="0" anchor="ctr"/>
+          <a:bodyPr wrap="square" rtlCol="0" anchor="ctr">
+            <a:noAutofit/>
+          </a:bodyPr>
           <a:lstStyle/>
           <a:p>
             <a:pPr marL="0" marR="0" lvl="0" indent="0" algn="ctr" defTabSz="914400" rtl="0" eaLnBrk="1" fontAlgn="auto" latinLnBrk="0" hangingPunct="1">
@@ -7130,401 +7394,453 @@
           </a:p>
         </p:txBody>
       </p:sp>
+      <p:pic>
+        <p:nvPicPr>
+          <p:cNvPr id="5" name="Picture 4" descr="A picture containing table&#10;&#10;Description automatically generated">
+            <a:extLst>
+              <a:ext uri="{FF2B5EF4-FFF2-40B4-BE49-F238E27FC236}">
+                <a16:creationId xmlns:a16="http://schemas.microsoft.com/office/drawing/2014/main" id="{5E839E4C-4E33-4106-8ADF-B4DEDD4430D4}"/>
+              </a:ext>
+            </a:extLst>
+          </p:cNvPr>
+          <p:cNvPicPr>
+            <a:picLocks noChangeAspect="1"/>
+          </p:cNvPicPr>
+          <p:nvPr/>
+        </p:nvPicPr>
+        <p:blipFill>
+          <a:blip r:embed="rId2">
+            <a:extLst>
+              <a:ext uri="{28A0092B-C50C-407E-A947-70E740481C1C}">
+                <a14:useLocalDpi xmlns:a14="http://schemas.microsoft.com/office/drawing/2010/main" val="0"/>
+              </a:ext>
+            </a:extLst>
+          </a:blip>
+          <a:stretch>
+            <a:fillRect/>
+          </a:stretch>
+        </p:blipFill>
+        <p:spPr>
+          <a:xfrm>
+            <a:off x="419382" y="1393947"/>
+            <a:ext cx="4047843" cy="2701935"/>
+          </a:xfrm>
+          <a:prstGeom prst="rect">
+            <a:avLst/>
+          </a:prstGeom>
+        </p:spPr>
+      </p:pic>
       <p:sp>
         <p:nvSpPr>
-          <p:cNvPr id="12" name="Oval 11">
-            <a:extLst>
-              <a:ext uri="{FF2B5EF4-FFF2-40B4-BE49-F238E27FC236}">
-                <a16:creationId xmlns:a16="http://schemas.microsoft.com/office/drawing/2014/main" id="{B672F332-AF08-46C6-94F0-77684310D7B7}"/>
-              </a:ext>
-              <a:ext uri="{C183D7F6-B498-43B3-948B-1728B52AA6E4}">
-                <adec:decorative xmlns:adec="http://schemas.microsoft.com/office/drawing/2017/decorative" val="1"/>
+          <p:cNvPr id="15" name="Subtitle 2">
+            <a:extLst>
+              <a:ext uri="{FF2B5EF4-FFF2-40B4-BE49-F238E27FC236}">
+                <a16:creationId xmlns:a16="http://schemas.microsoft.com/office/drawing/2014/main" id="{0FF5E931-2432-4E1A-ABDF-920B8DBB0DC9}"/>
+              </a:ext>
+            </a:extLst>
+          </p:cNvPr>
+          <p:cNvSpPr txBox="1">
+            <a:spLocks/>
+          </p:cNvSpPr>
+          <p:nvPr/>
+        </p:nvSpPr>
+        <p:spPr>
+          <a:xfrm>
+            <a:off x="9363705" y="5170076"/>
+            <a:ext cx="3579786" cy="1462932"/>
+          </a:xfrm>
+          <a:prstGeom prst="rect">
+            <a:avLst/>
+          </a:prstGeom>
+        </p:spPr>
+        <p:txBody>
+          <a:bodyPr vert="horz" lIns="91440" tIns="45720" rIns="91440" bIns="45720" rtlCol="0" anchor="t">
+            <a:normAutofit fontScale="70000" lnSpcReduction="20000"/>
+          </a:bodyPr>
+          <a:lstStyle>
+            <a:lvl1pPr marL="0" indent="0" algn="ctr" defTabSz="914400" rtl="0" eaLnBrk="1" latinLnBrk="0" hangingPunct="1">
+              <a:lnSpc>
+                <a:spcPct val="90000"/>
+              </a:lnSpc>
+              <a:spcBef>
+                <a:spcPts val="1000"/>
+              </a:spcBef>
+              <a:buFont typeface="Arial" panose="020B0604020202020204" pitchFamily="34" charset="0"/>
+              <a:buNone/>
+              <a:defRPr sz="2400" kern="1200">
+                <a:solidFill>
+                  <a:schemeClr val="tx1"/>
+                </a:solidFill>
+                <a:latin typeface="+mn-lt"/>
+                <a:ea typeface="+mn-ea"/>
+                <a:cs typeface="+mn-cs"/>
+              </a:defRPr>
+            </a:lvl1pPr>
+            <a:lvl2pPr marL="457200" indent="0" algn="ctr" defTabSz="914400" rtl="0" eaLnBrk="1" latinLnBrk="0" hangingPunct="1">
+              <a:lnSpc>
+                <a:spcPct val="90000"/>
+              </a:lnSpc>
+              <a:spcBef>
+                <a:spcPts val="500"/>
+              </a:spcBef>
+              <a:buFont typeface="Arial" panose="020B0604020202020204" pitchFamily="34" charset="0"/>
+              <a:buNone/>
+              <a:defRPr sz="2000" kern="1200">
+                <a:solidFill>
+                  <a:schemeClr val="tx1"/>
+                </a:solidFill>
+                <a:latin typeface="+mn-lt"/>
+                <a:ea typeface="+mn-ea"/>
+                <a:cs typeface="+mn-cs"/>
+              </a:defRPr>
+            </a:lvl2pPr>
+            <a:lvl3pPr marL="914400" indent="0" algn="ctr" defTabSz="914400" rtl="0" eaLnBrk="1" latinLnBrk="0" hangingPunct="1">
+              <a:lnSpc>
+                <a:spcPct val="90000"/>
+              </a:lnSpc>
+              <a:spcBef>
+                <a:spcPts val="500"/>
+              </a:spcBef>
+              <a:buFont typeface="Arial" panose="020B0604020202020204" pitchFamily="34" charset="0"/>
+              <a:buNone/>
+              <a:defRPr sz="1800" kern="1200">
+                <a:solidFill>
+                  <a:schemeClr val="tx1"/>
+                </a:solidFill>
+                <a:latin typeface="+mn-lt"/>
+                <a:ea typeface="+mn-ea"/>
+                <a:cs typeface="+mn-cs"/>
+              </a:defRPr>
+            </a:lvl3pPr>
+            <a:lvl4pPr marL="1371600" indent="0" algn="ctr" defTabSz="914400" rtl="0" eaLnBrk="1" latinLnBrk="0" hangingPunct="1">
+              <a:lnSpc>
+                <a:spcPct val="90000"/>
+              </a:lnSpc>
+              <a:spcBef>
+                <a:spcPts val="500"/>
+              </a:spcBef>
+              <a:buFont typeface="Arial" panose="020B0604020202020204" pitchFamily="34" charset="0"/>
+              <a:buNone/>
+              <a:defRPr sz="1600" kern="1200">
+                <a:solidFill>
+                  <a:schemeClr val="tx1"/>
+                </a:solidFill>
+                <a:latin typeface="+mn-lt"/>
+                <a:ea typeface="+mn-ea"/>
+                <a:cs typeface="+mn-cs"/>
+              </a:defRPr>
+            </a:lvl4pPr>
+            <a:lvl5pPr marL="1828800" indent="0" algn="ctr" defTabSz="914400" rtl="0" eaLnBrk="1" latinLnBrk="0" hangingPunct="1">
+              <a:lnSpc>
+                <a:spcPct val="90000"/>
+              </a:lnSpc>
+              <a:spcBef>
+                <a:spcPts val="500"/>
+              </a:spcBef>
+              <a:buFont typeface="Arial" panose="020B0604020202020204" pitchFamily="34" charset="0"/>
+              <a:buNone/>
+              <a:defRPr sz="1600" kern="1200">
+                <a:solidFill>
+                  <a:schemeClr val="tx1"/>
+                </a:solidFill>
+                <a:latin typeface="+mn-lt"/>
+                <a:ea typeface="+mn-ea"/>
+                <a:cs typeface="+mn-cs"/>
+              </a:defRPr>
+            </a:lvl5pPr>
+            <a:lvl6pPr marL="2286000" indent="0" algn="ctr" defTabSz="914400" rtl="0" eaLnBrk="1" latinLnBrk="0" hangingPunct="1">
+              <a:lnSpc>
+                <a:spcPct val="90000"/>
+              </a:lnSpc>
+              <a:spcBef>
+                <a:spcPts val="500"/>
+              </a:spcBef>
+              <a:buFont typeface="Arial" panose="020B0604020202020204" pitchFamily="34" charset="0"/>
+              <a:buNone/>
+              <a:defRPr sz="1600" kern="1200">
+                <a:solidFill>
+                  <a:schemeClr val="tx1"/>
+                </a:solidFill>
+                <a:latin typeface="+mn-lt"/>
+                <a:ea typeface="+mn-ea"/>
+                <a:cs typeface="+mn-cs"/>
+              </a:defRPr>
+            </a:lvl6pPr>
+            <a:lvl7pPr marL="2743200" indent="0" algn="ctr" defTabSz="914400" rtl="0" eaLnBrk="1" latinLnBrk="0" hangingPunct="1">
+              <a:lnSpc>
+                <a:spcPct val="90000"/>
+              </a:lnSpc>
+              <a:spcBef>
+                <a:spcPts val="500"/>
+              </a:spcBef>
+              <a:buFont typeface="Arial" panose="020B0604020202020204" pitchFamily="34" charset="0"/>
+              <a:buNone/>
+              <a:defRPr sz="1600" kern="1200">
+                <a:solidFill>
+                  <a:schemeClr val="tx1"/>
+                </a:solidFill>
+                <a:latin typeface="+mn-lt"/>
+                <a:ea typeface="+mn-ea"/>
+                <a:cs typeface="+mn-cs"/>
+              </a:defRPr>
+            </a:lvl7pPr>
+            <a:lvl8pPr marL="3200400" indent="0" algn="ctr" defTabSz="914400" rtl="0" eaLnBrk="1" latinLnBrk="0" hangingPunct="1">
+              <a:lnSpc>
+                <a:spcPct val="90000"/>
+              </a:lnSpc>
+              <a:spcBef>
+                <a:spcPts val="500"/>
+              </a:spcBef>
+              <a:buFont typeface="Arial" panose="020B0604020202020204" pitchFamily="34" charset="0"/>
+              <a:buNone/>
+              <a:defRPr sz="1600" kern="1200">
+                <a:solidFill>
+                  <a:schemeClr val="tx1"/>
+                </a:solidFill>
+                <a:latin typeface="+mn-lt"/>
+                <a:ea typeface="+mn-ea"/>
+                <a:cs typeface="+mn-cs"/>
+              </a:defRPr>
+            </a:lvl8pPr>
+            <a:lvl9pPr marL="3657600" indent="0" algn="ctr" defTabSz="914400" rtl="0" eaLnBrk="1" latinLnBrk="0" hangingPunct="1">
+              <a:lnSpc>
+                <a:spcPct val="90000"/>
+              </a:lnSpc>
+              <a:spcBef>
+                <a:spcPts val="500"/>
+              </a:spcBef>
+              <a:buFont typeface="Arial" panose="020B0604020202020204" pitchFamily="34" charset="0"/>
+              <a:buNone/>
+              <a:defRPr sz="1600" kern="1200">
+                <a:solidFill>
+                  <a:schemeClr val="tx1"/>
+                </a:solidFill>
+                <a:latin typeface="+mn-lt"/>
+                <a:ea typeface="+mn-ea"/>
+                <a:cs typeface="+mn-cs"/>
+              </a:defRPr>
+            </a:lvl9pPr>
+          </a:lstStyle>
+          <a:p>
+            <a:pPr algn="l"/>
+            <a:r>
+              <a:rPr lang="en-US" sz="2000" dirty="0">
+                <a:solidFill>
+                  <a:schemeClr val="bg1"/>
+                </a:solidFill>
+              </a:rPr>
+              <a:t>Steven Kirchoff, Account Executive</a:t>
+            </a:r>
+          </a:p>
+          <a:p>
+            <a:pPr algn="l"/>
+            <a:r>
+              <a:rPr lang="en-US" sz="2000" dirty="0">
+                <a:solidFill>
+                  <a:schemeClr val="bg1"/>
+                </a:solidFill>
+              </a:rPr>
+              <a:t>David Zarling, Azure Specialist</a:t>
+            </a:r>
+          </a:p>
+          <a:p>
+            <a:pPr algn="l"/>
+            <a:r>
+              <a:rPr lang="en-US" sz="2000" dirty="0">
+                <a:solidFill>
+                  <a:schemeClr val="bg1"/>
+                </a:solidFill>
+              </a:rPr>
+              <a:t>Michael Cruz, Data/A.I. Specialist</a:t>
+            </a:r>
+          </a:p>
+          <a:p>
+            <a:pPr algn="l"/>
+            <a:endParaRPr lang="en-US" sz="2000" dirty="0">
+              <a:solidFill>
+                <a:schemeClr val="bg1"/>
+              </a:solidFill>
+            </a:endParaRPr>
+          </a:p>
+          <a:p>
+            <a:pPr algn="l"/>
+            <a:r>
+              <a:rPr lang="en-US" sz="2000" dirty="0">
+                <a:solidFill>
+                  <a:schemeClr val="bg1"/>
+                </a:solidFill>
+              </a:rPr>
+              <a:t>Julian Soh, Data/A.I. Engineer</a:t>
+            </a:r>
+          </a:p>
+        </p:txBody>
+      </p:sp>
+    </p:spTree>
+    <p:extLst>
+      <p:ext uri="{BB962C8B-B14F-4D97-AF65-F5344CB8AC3E}">
+        <p14:creationId xmlns:p14="http://schemas.microsoft.com/office/powerpoint/2010/main" val="2282538262"/>
+      </p:ext>
+    </p:extLst>
+  </p:cSld>
+  <p:clrMapOvr>
+    <a:masterClrMapping/>
+  </p:clrMapOvr>
+</p:sld>
+</file>
+
+<file path=ppt/slides/slide10.xml><?xml version="1.0" encoding="utf-8"?>
+<p:sld xmlns:a="http://schemas.openxmlformats.org/drawingml/2006/main" xmlns:r="http://schemas.openxmlformats.org/officeDocument/2006/relationships" xmlns:p="http://schemas.openxmlformats.org/presentationml/2006/main">
+  <p:cSld>
+    <p:bg>
+      <p:bgPr>
+        <a:solidFill>
+          <a:schemeClr val="bg1"/>
+        </a:solidFill>
+        <a:effectLst/>
+      </p:bgPr>
+    </p:bg>
+    <p:spTree>
+      <p:nvGrpSpPr>
+        <p:cNvPr id="1" name=""/>
+        <p:cNvGrpSpPr/>
+        <p:nvPr/>
+      </p:nvGrpSpPr>
+      <p:grpSpPr>
+        <a:xfrm>
+          <a:off x="0" y="0"/>
+          <a:ext cx="0" cy="0"/>
+          <a:chOff x="0" y="0"/>
+          <a:chExt cx="0" cy="0"/>
+        </a:xfrm>
+      </p:grpSpPr>
+      <p:sp>
+        <p:nvSpPr>
+          <p:cNvPr id="2" name="Title 1">
+            <a:extLst>
+              <a:ext uri="{FF2B5EF4-FFF2-40B4-BE49-F238E27FC236}">
+                <a16:creationId xmlns:a16="http://schemas.microsoft.com/office/drawing/2014/main" id="{CFF222A1-21C4-491E-8B5A-84BD5FC9650A}"/>
               </a:ext>
             </a:extLst>
           </p:cNvPr>
           <p:cNvSpPr>
-            <a:spLocks noGrp="1" noRot="1" noChangeAspect="1" noMove="1" noResize="1" noEditPoints="1" noAdjustHandles="1" noChangeArrowheads="1" noChangeShapeType="1" noTextEdit="1"/>
+            <a:spLocks noGrp="1"/>
           </p:cNvSpPr>
           <p:nvPr>
-            <p:extLst>
-              <p:ext uri="{386F3935-93C4-4BCD-93E2-E3B085C9AB24}">
-                <p16:designElem xmlns:p16="http://schemas.microsoft.com/office/powerpoint/2015/main" val="1"/>
-              </p:ext>
-            </p:extLst>
+            <p:ph type="title"/>
           </p:nvPr>
         </p:nvSpPr>
         <p:spPr>
           <a:xfrm>
-            <a:off x="3395001" y="2466604"/>
-            <a:ext cx="962395" cy="962395"/>
+            <a:off x="838200" y="365125"/>
+            <a:ext cx="10515600" cy="1325563"/>
           </a:xfrm>
-          <a:prstGeom prst="ellipse">
-            <a:avLst/>
-          </a:prstGeom>
-          <a:solidFill>
-            <a:schemeClr val="accent4"/>
-          </a:solidFill>
-          <a:ln>
-            <a:noFill/>
-          </a:ln>
         </p:spPr>
-        <p:style>
-          <a:lnRef idx="2">
-            <a:schemeClr val="accent1">
-              <a:shade val="50000"/>
-            </a:schemeClr>
-          </a:lnRef>
-          <a:fillRef idx="1">
-            <a:schemeClr val="accent1"/>
-          </a:fillRef>
-          <a:effectRef idx="0">
-            <a:schemeClr val="accent1"/>
-          </a:effectRef>
-          <a:fontRef idx="minor">
-            <a:schemeClr val="lt1"/>
-          </a:fontRef>
-        </p:style>
         <p:txBody>
-          <a:bodyPr rtlCol="0" anchor="ctr"/>
+          <a:bodyPr>
+            <a:normAutofit/>
+          </a:bodyPr>
           <a:lstStyle/>
           <a:p>
-            <a:pPr marL="0" marR="0" lvl="0" indent="0" algn="ctr" defTabSz="914400" rtl="0" eaLnBrk="1" fontAlgn="auto" latinLnBrk="0" hangingPunct="1">
-              <a:lnSpc>
-                <a:spcPct val="100000"/>
-              </a:lnSpc>
-              <a:spcBef>
-                <a:spcPts val="0"/>
-              </a:spcBef>
-              <a:spcAft>
-                <a:spcPts val="0"/>
-              </a:spcAft>
-              <a:buClrTx/>
-              <a:buSzTx/>
-              <a:buFontTx/>
-              <a:buNone/>
-              <a:tabLst/>
-              <a:defRPr/>
-            </a:pPr>
-            <a:endParaRPr kumimoji="0" lang="en-US" sz="1800" b="0" i="0" u="none" strike="noStrike" kern="1200" cap="none" spc="0" normalizeH="0" baseline="0" noProof="0">
-              <a:ln>
-                <a:noFill/>
-              </a:ln>
-              <a:solidFill>
-                <a:prstClr val="white"/>
-              </a:solidFill>
-              <a:effectLst/>
-              <a:uLnTx/>
-              <a:uFillTx/>
-              <a:latin typeface="Calibri" panose="020F0502020204030204"/>
-              <a:ea typeface="+mn-ea"/>
-              <a:cs typeface="+mn-cs"/>
-            </a:endParaRPr>
+            <a:r>
+              <a:rPr lang="en-US" sz="4400"/>
+              <a:t>Challenges</a:t>
+            </a:r>
           </a:p>
         </p:txBody>
       </p:sp>
-      <p:sp>
-        <p:nvSpPr>
-          <p:cNvPr id="14" name="Oval 13">
-            <a:extLst>
-              <a:ext uri="{FF2B5EF4-FFF2-40B4-BE49-F238E27FC236}">
-                <a16:creationId xmlns:a16="http://schemas.microsoft.com/office/drawing/2014/main" id="{34244EF8-D73A-40E1-BE73-D46E6B4B04ED}"/>
-              </a:ext>
-              <a:ext uri="{C183D7F6-B498-43B3-948B-1728B52AA6E4}">
-                <adec:decorative xmlns:adec="http://schemas.microsoft.com/office/drawing/2017/decorative" val="1"/>
-              </a:ext>
-            </a:extLst>
-          </p:cNvPr>
-          <p:cNvSpPr>
-            <a:spLocks noGrp="1" noRot="1" noChangeAspect="1" noMove="1" noResize="1" noEditPoints="1" noAdjustHandles="1" noChangeArrowheads="1" noChangeShapeType="1" noTextEdit="1"/>
-          </p:cNvSpPr>
+      <p:graphicFrame>
+        <p:nvGraphicFramePr>
+          <p:cNvPr id="5" name="Content Placeholder 2">
+            <a:extLst>
+              <a:ext uri="{FF2B5EF4-FFF2-40B4-BE49-F238E27FC236}">
+                <a16:creationId xmlns:a16="http://schemas.microsoft.com/office/drawing/2014/main" id="{FBAA01D9-B8D2-4CD3-9AEA-A7D30AB8FB9E}"/>
+              </a:ext>
+            </a:extLst>
+          </p:cNvPr>
+          <p:cNvGraphicFramePr>
+            <a:graphicFrameLocks noGrp="1"/>
+          </p:cNvGraphicFramePr>
           <p:nvPr>
+            <p:ph idx="1"/>
             <p:extLst>
-              <p:ext uri="{386F3935-93C4-4BCD-93E2-E3B085C9AB24}">
-                <p16:designElem xmlns:p16="http://schemas.microsoft.com/office/powerpoint/2015/main" val="1"/>
+              <p:ext uri="{D42A27DB-BD31-4B8C-83A1-F6EECF244321}">
+                <p14:modId xmlns:p14="http://schemas.microsoft.com/office/powerpoint/2010/main" val="1218156641"/>
               </p:ext>
             </p:extLst>
           </p:nvPr>
-        </p:nvSpPr>
-        <p:spPr>
-          <a:xfrm>
-            <a:off x="5125829" y="2327988"/>
-            <a:ext cx="293695" cy="293695"/>
-          </a:xfrm>
-          <a:prstGeom prst="ellipse">
-            <a:avLst/>
-          </a:prstGeom>
-          <a:solidFill>
-            <a:schemeClr val="accent3"/>
-          </a:solidFill>
-          <a:ln>
-            <a:noFill/>
-          </a:ln>
-        </p:spPr>
-        <p:style>
-          <a:lnRef idx="2">
-            <a:schemeClr val="accent1">
-              <a:shade val="50000"/>
-            </a:schemeClr>
-          </a:lnRef>
-          <a:fillRef idx="1">
-            <a:schemeClr val="accent1"/>
-          </a:fillRef>
-          <a:effectRef idx="0">
-            <a:schemeClr val="accent1"/>
-          </a:effectRef>
-          <a:fontRef idx="minor">
-            <a:schemeClr val="lt1"/>
-          </a:fontRef>
-        </p:style>
-        <p:txBody>
-          <a:bodyPr rtlCol="0" anchor="ctr"/>
-          <a:lstStyle/>
-          <a:p>
-            <a:pPr marL="0" marR="0" lvl="0" indent="0" algn="ctr" defTabSz="914400" rtl="0" eaLnBrk="1" fontAlgn="auto" latinLnBrk="0" hangingPunct="1">
-              <a:lnSpc>
-                <a:spcPct val="100000"/>
-              </a:lnSpc>
-              <a:spcBef>
-                <a:spcPts val="0"/>
-              </a:spcBef>
-              <a:spcAft>
-                <a:spcPts val="0"/>
-              </a:spcAft>
-              <a:buClrTx/>
-              <a:buSzTx/>
-              <a:buFontTx/>
-              <a:buNone/>
-              <a:tabLst/>
-              <a:defRPr/>
-            </a:pPr>
-            <a:endParaRPr kumimoji="0" lang="en-US" sz="1800" b="0" i="0" u="none" strike="noStrike" kern="1200" cap="none" spc="0" normalizeH="0" baseline="0" noProof="0">
-              <a:ln>
-                <a:noFill/>
-              </a:ln>
-              <a:solidFill>
-                <a:prstClr val="white"/>
-              </a:solidFill>
-              <a:effectLst/>
-              <a:uLnTx/>
-              <a:uFillTx/>
-              <a:latin typeface="Calibri" panose="020F0502020204030204"/>
-              <a:ea typeface="+mn-ea"/>
-              <a:cs typeface="+mn-cs"/>
-            </a:endParaRPr>
-          </a:p>
-        </p:txBody>
-      </p:sp>
-      <p:sp>
-        <p:nvSpPr>
-          <p:cNvPr id="16" name="Freeform: Shape 15">
-            <a:extLst>
-              <a:ext uri="{FF2B5EF4-FFF2-40B4-BE49-F238E27FC236}">
-                <a16:creationId xmlns:a16="http://schemas.microsoft.com/office/drawing/2014/main" id="{AB84D7E8-4ECB-42D7-ADBF-01689B0F24AE}"/>
-              </a:ext>
-              <a:ext uri="{C183D7F6-B498-43B3-948B-1728B52AA6E4}">
-                <adec:decorative xmlns:adec="http://schemas.microsoft.com/office/drawing/2017/decorative" val="1"/>
-              </a:ext>
-            </a:extLst>
-          </p:cNvPr>
-          <p:cNvSpPr>
-            <a:spLocks noGrp="1" noRot="1" noChangeAspect="1" noMove="1" noResize="1" noEditPoints="1" noAdjustHandles="1" noChangeArrowheads="1" noChangeShapeType="1" noTextEdit="1"/>
-          </p:cNvSpPr>
-          <p:nvPr>
-            <p:extLst>
-              <p:ext uri="{386F3935-93C4-4BCD-93E2-E3B085C9AB24}">
-                <p16:designElem xmlns:p16="http://schemas.microsoft.com/office/powerpoint/2015/main" val="1"/>
-              </p:ext>
-            </p:extLst>
-          </p:nvPr>
-        </p:nvSpPr>
-        <p:spPr>
-          <a:xfrm>
-            <a:off x="6492113" y="0"/>
-            <a:ext cx="5699887" cy="4059244"/>
-          </a:xfrm>
-          <a:custGeom>
-            <a:avLst/>
-            <a:gdLst>
-              <a:gd name="connsiteX0" fmla="*/ 0 w 5699887"/>
-              <a:gd name="connsiteY0" fmla="*/ 0 h 4059244"/>
-              <a:gd name="connsiteX1" fmla="*/ 5699887 w 5699887"/>
-              <a:gd name="connsiteY1" fmla="*/ 0 h 4059244"/>
-              <a:gd name="connsiteX2" fmla="*/ 5699887 w 5699887"/>
-              <a:gd name="connsiteY2" fmla="*/ 3944096 h 4059244"/>
-              <a:gd name="connsiteX3" fmla="*/ 5525775 w 5699887"/>
-              <a:gd name="connsiteY3" fmla="*/ 3980429 h 4059244"/>
-              <a:gd name="connsiteX4" fmla="*/ 4663256 w 5699887"/>
-              <a:gd name="connsiteY4" fmla="*/ 4059244 h 4059244"/>
-              <a:gd name="connsiteX5" fmla="*/ 8566 w 5699887"/>
-              <a:gd name="connsiteY5" fmla="*/ 67422 h 4059244"/>
-            </a:gdLst>
-            <a:ahLst/>
-            <a:cxnLst>
-              <a:cxn ang="0">
-                <a:pos x="connsiteX0" y="connsiteY0"/>
-              </a:cxn>
-              <a:cxn ang="0">
-                <a:pos x="connsiteX1" y="connsiteY1"/>
-              </a:cxn>
-              <a:cxn ang="0">
-                <a:pos x="connsiteX2" y="connsiteY2"/>
-              </a:cxn>
-              <a:cxn ang="0">
-                <a:pos x="connsiteX3" y="connsiteY3"/>
-              </a:cxn>
-              <a:cxn ang="0">
-                <a:pos x="connsiteX4" y="connsiteY4"/>
-              </a:cxn>
-              <a:cxn ang="0">
-                <a:pos x="connsiteX5" y="connsiteY5"/>
-              </a:cxn>
-            </a:cxnLst>
-            <a:rect l="l" t="t" r="r" b="b"/>
-            <a:pathLst>
-              <a:path w="5699887" h="4059244">
-                <a:moveTo>
-                  <a:pt x="0" y="0"/>
-                </a:moveTo>
-                <a:lnTo>
-                  <a:pt x="5699887" y="0"/>
-                </a:lnTo>
-                <a:lnTo>
-                  <a:pt x="5699887" y="3944096"/>
-                </a:lnTo>
-                <a:lnTo>
-                  <a:pt x="5525775" y="3980429"/>
-                </a:lnTo>
-                <a:cubicBezTo>
-                  <a:pt x="5246154" y="4032190"/>
-                  <a:pt x="4957865" y="4059244"/>
-                  <a:pt x="4663256" y="4059244"/>
-                </a:cubicBezTo>
-                <a:cubicBezTo>
-                  <a:pt x="2306390" y="4059244"/>
-                  <a:pt x="353936" y="2327747"/>
-                  <a:pt x="8566" y="67422"/>
-                </a:cubicBezTo>
-                <a:close/>
-              </a:path>
-            </a:pathLst>
-          </a:custGeom>
-          <a:solidFill>
-            <a:srgbClr val="595959"/>
-          </a:solidFill>
-          <a:ln>
-            <a:noFill/>
-          </a:ln>
-        </p:spPr>
-        <p:style>
-          <a:lnRef idx="2">
-            <a:schemeClr val="accent1">
-              <a:shade val="50000"/>
-            </a:schemeClr>
-          </a:lnRef>
-          <a:fillRef idx="1">
-            <a:schemeClr val="accent1"/>
-          </a:fillRef>
-          <a:effectRef idx="0">
-            <a:schemeClr val="accent1"/>
-          </a:effectRef>
-          <a:fontRef idx="minor">
-            <a:schemeClr val="lt1"/>
-          </a:fontRef>
-        </p:style>
-        <p:txBody>
-          <a:bodyPr rtlCol="0" anchor="ctr"/>
-          <a:lstStyle/>
-          <a:p>
-            <a:pPr marL="0" marR="0" lvl="0" indent="0" algn="ctr" defTabSz="914400" rtl="0" eaLnBrk="1" fontAlgn="auto" latinLnBrk="0" hangingPunct="1">
-              <a:lnSpc>
-                <a:spcPct val="100000"/>
-              </a:lnSpc>
-              <a:spcBef>
-                <a:spcPts val="0"/>
-              </a:spcBef>
-              <a:spcAft>
-                <a:spcPts val="0"/>
-              </a:spcAft>
-              <a:buClrTx/>
-              <a:buSzTx/>
-              <a:buFontTx/>
-              <a:buNone/>
-              <a:tabLst/>
-              <a:defRPr/>
-            </a:pPr>
-            <a:endParaRPr kumimoji="0" lang="en-US" sz="1800" b="0" i="0" u="none" strike="noStrike" kern="1200" cap="none" spc="0" normalizeH="0" baseline="0" noProof="0">
-              <a:ln>
-                <a:noFill/>
-              </a:ln>
-              <a:solidFill>
-                <a:prstClr val="white"/>
-              </a:solidFill>
-              <a:effectLst/>
-              <a:uLnTx/>
-              <a:uFillTx/>
-              <a:latin typeface="Calibri" panose="020F0502020204030204"/>
-              <a:ea typeface="+mn-ea"/>
-              <a:cs typeface="+mn-cs"/>
-            </a:endParaRPr>
-          </a:p>
-        </p:txBody>
-      </p:sp>
-      <p:cxnSp>
-        <p:nvCxnSpPr>
-          <p:cNvPr id="18" name="Straight Connector 17">
-            <a:extLst>
-              <a:ext uri="{FF2B5EF4-FFF2-40B4-BE49-F238E27FC236}">
-                <a16:creationId xmlns:a16="http://schemas.microsoft.com/office/drawing/2014/main" id="{9E8E38ED-369A-44C2-B635-0BED0E48A6E8}"/>
-              </a:ext>
-              <a:ext uri="{C183D7F6-B498-43B3-948B-1728B52AA6E4}">
-                <adec:decorative xmlns:adec="http://schemas.microsoft.com/office/drawing/2017/decorative" val="1"/>
-              </a:ext>
-            </a:extLst>
-          </p:cNvPr>
-          <p:cNvCxnSpPr>
-            <a:cxnSpLocks noGrp="1" noRot="1" noChangeAspect="1" noMove="1" noResize="1" noEditPoints="1" noAdjustHandles="1" noChangeArrowheads="1" noChangeShapeType="1"/>
-          </p:cNvCxnSpPr>
-          <p:nvPr>
-            <p:extLst>
-              <p:ext uri="{386F3935-93C4-4BCD-93E2-E3B085C9AB24}">
-                <p16:designElem xmlns:p16="http://schemas.microsoft.com/office/powerpoint/2015/main" val="1"/>
-              </p:ext>
-            </p:extLst>
-          </p:nvPr>
-        </p:nvCxnSpPr>
-        <p:spPr>
-          <a:xfrm>
-            <a:off x="7800392" y="4525347"/>
-            <a:ext cx="0" cy="1737360"/>
-          </a:xfrm>
-          <a:prstGeom prst="line">
-            <a:avLst/>
-          </a:prstGeom>
-          <a:ln w="19050" cap="sq">
-            <a:solidFill>
-              <a:schemeClr val="tx1"/>
-            </a:solidFill>
-          </a:ln>
-        </p:spPr>
-        <p:style>
-          <a:lnRef idx="1">
-            <a:schemeClr val="accent1"/>
-          </a:lnRef>
-          <a:fillRef idx="0">
-            <a:schemeClr val="accent1"/>
-          </a:fillRef>
-          <a:effectRef idx="0">
-            <a:schemeClr val="accent1"/>
-          </a:effectRef>
-          <a:fontRef idx="minor">
-            <a:schemeClr val="tx1"/>
-          </a:fontRef>
-        </p:style>
-      </p:cxnSp>
+        </p:nvGraphicFramePr>
+        <p:xfrm>
+          <a:off x="838200" y="1825625"/>
+          <a:ext cx="10515600" cy="4351338"/>
+        </p:xfrm>
+        <a:graphic>
+          <a:graphicData uri="http://schemas.openxmlformats.org/drawingml/2006/diagram">
+            <dgm:relIds xmlns:dgm="http://schemas.openxmlformats.org/drawingml/2006/diagram" xmlns:r="http://schemas.openxmlformats.org/officeDocument/2006/relationships" r:dm="rId2" r:lo="rId3" r:qs="rId4" r:cs="rId5"/>
+          </a:graphicData>
+        </a:graphic>
+      </p:graphicFrame>
     </p:spTree>
     <p:extLst>
       <p:ext uri="{BB962C8B-B14F-4D97-AF65-F5344CB8AC3E}">
-        <p14:creationId xmlns:p14="http://schemas.microsoft.com/office/powerpoint/2010/main" val="2282538262"/>
+        <p14:creationId xmlns:p14="http://schemas.microsoft.com/office/powerpoint/2010/main" val="2904601802"/>
+      </p:ext>
+    </p:extLst>
+  </p:cSld>
+  <p:clrMapOvr>
+    <a:masterClrMapping/>
+  </p:clrMapOvr>
+</p:sld>
+</file>
+
+<file path=ppt/slides/slide11.xml><?xml version="1.0" encoding="utf-8"?>
+<p:sld xmlns:a="http://schemas.openxmlformats.org/drawingml/2006/main" xmlns:r="http://schemas.openxmlformats.org/officeDocument/2006/relationships" xmlns:p="http://schemas.openxmlformats.org/presentationml/2006/main">
+  <p:cSld>
+    <p:spTree>
+      <p:nvGrpSpPr>
+        <p:cNvPr id="1" name=""/>
+        <p:cNvGrpSpPr/>
+        <p:nvPr/>
+      </p:nvGrpSpPr>
+      <p:grpSpPr>
+        <a:xfrm>
+          <a:off x="0" y="0"/>
+          <a:ext cx="0" cy="0"/>
+          <a:chOff x="0" y="0"/>
+          <a:chExt cx="0" cy="0"/>
+        </a:xfrm>
+      </p:grpSpPr>
+      <p:sp>
+        <p:nvSpPr>
+          <p:cNvPr id="2" name="Title 1">
+            <a:extLst>
+              <a:ext uri="{FF2B5EF4-FFF2-40B4-BE49-F238E27FC236}">
+                <a16:creationId xmlns:a16="http://schemas.microsoft.com/office/drawing/2014/main" id="{E41BF7D0-C727-4307-B974-A212A7B68AB8}"/>
+              </a:ext>
+            </a:extLst>
+          </p:cNvPr>
+          <p:cNvSpPr>
+            <a:spLocks noGrp="1"/>
+          </p:cNvSpPr>
+          <p:nvPr>
+            <p:ph type="title"/>
+          </p:nvPr>
+        </p:nvSpPr>
+        <p:spPr/>
+        <p:txBody>
+          <a:bodyPr/>
+          <a:lstStyle/>
+          <a:p>
+            <a:r>
+              <a:rPr lang="en-US" dirty="0"/>
+              <a:t>High-level view: Big Data project</a:t>
+            </a:r>
+          </a:p>
+        </p:txBody>
+      </p:sp>
+    </p:spTree>
+    <p:extLst>
+      <p:ext uri="{BB962C8B-B14F-4D97-AF65-F5344CB8AC3E}">
+        <p14:creationId xmlns:p14="http://schemas.microsoft.com/office/powerpoint/2010/main" val="2645257687"/>
       </p:ext>
     </p:extLst>
   </p:cSld>
@@ -8327,6 +8643,17 @@
 <file path=ppt/slides/slide4.xml><?xml version="1.0" encoding="utf-8"?>
 <p:sld xmlns:a="http://schemas.openxmlformats.org/drawingml/2006/main" xmlns:r="http://schemas.openxmlformats.org/officeDocument/2006/relationships" xmlns:p="http://schemas.openxmlformats.org/presentationml/2006/main">
   <p:cSld>
+    <p:bg>
+      <p:bgPr>
+        <a:solidFill>
+          <a:schemeClr val="bg1">
+            <a:tint val="95000"/>
+            <a:satMod val="170000"/>
+          </a:schemeClr>
+        </a:solidFill>
+        <a:effectLst/>
+      </p:bgPr>
+    </p:bg>
     <p:spTree>
       <p:nvGrpSpPr>
         <p:cNvPr id="1" name=""/>
@@ -8357,13 +8684,20 @@
             <p:ph type="title"/>
           </p:nvPr>
         </p:nvSpPr>
-        <p:spPr/>
+        <p:spPr>
+          <a:xfrm>
+            <a:off x="801099" y="1396289"/>
+            <a:ext cx="5006336" cy="1325563"/>
+          </a:xfrm>
+        </p:spPr>
         <p:txBody>
-          <a:bodyPr/>
+          <a:bodyPr>
+            <a:normAutofit/>
+          </a:bodyPr>
           <a:lstStyle/>
           <a:p>
             <a:r>
-              <a:rPr lang="en-US" dirty="0"/>
+              <a:rPr lang="en-US" sz="4400"/>
               <a:t>Characteristics of an audit - Data</a:t>
             </a:r>
           </a:p>
@@ -8385,63 +8719,955 @@
             <p:ph idx="1"/>
           </p:nvPr>
         </p:nvSpPr>
-        <p:spPr/>
+        <p:spPr>
+          <a:xfrm>
+            <a:off x="805543" y="2871982"/>
+            <a:ext cx="5006336" cy="3181684"/>
+          </a:xfrm>
+        </p:spPr>
         <p:txBody>
-          <a:bodyPr>
+          <a:bodyPr anchor="t">
             <a:normAutofit/>
           </a:bodyPr>
           <a:lstStyle/>
           <a:p>
             <a:r>
-              <a:rPr lang="en-US" dirty="0"/>
+              <a:rPr lang="en-US" sz="1800"/>
               <a:t>Data</a:t>
             </a:r>
           </a:p>
           <a:p>
             <a:pPr lvl="1"/>
             <a:r>
-              <a:rPr lang="en-US" dirty="0"/>
+              <a:rPr lang="en-US" sz="1800"/>
               <a:t>Size</a:t>
             </a:r>
           </a:p>
           <a:p>
             <a:pPr lvl="1"/>
             <a:r>
-              <a:rPr lang="en-US" dirty="0"/>
+              <a:rPr lang="en-US" sz="1800"/>
               <a:t>Cleanliness</a:t>
             </a:r>
           </a:p>
           <a:p>
             <a:pPr lvl="1"/>
             <a:r>
-              <a:rPr lang="en-US" dirty="0"/>
+              <a:rPr lang="en-US" sz="1800"/>
               <a:t>Transfers</a:t>
             </a:r>
           </a:p>
           <a:p>
             <a:pPr lvl="1"/>
             <a:r>
-              <a:rPr lang="en-US" dirty="0"/>
+              <a:rPr lang="en-US" sz="1800"/>
               <a:t>Updates</a:t>
             </a:r>
           </a:p>
           <a:p>
             <a:pPr lvl="1"/>
             <a:r>
-              <a:rPr lang="en-US" dirty="0"/>
+              <a:rPr lang="en-US" sz="1800"/>
               <a:t>Scalability</a:t>
             </a:r>
           </a:p>
           <a:p>
             <a:pPr lvl="1"/>
-            <a:endParaRPr lang="en-US" dirty="0"/>
+            <a:endParaRPr lang="en-US" sz="1800"/>
           </a:p>
         </p:txBody>
       </p:sp>
+      <p:sp>
+        <p:nvSpPr>
+          <p:cNvPr id="9" name="Freeform: Shape 8">
+            <a:extLst>
+              <a:ext uri="{FF2B5EF4-FFF2-40B4-BE49-F238E27FC236}">
+                <a16:creationId xmlns:a16="http://schemas.microsoft.com/office/drawing/2014/main" id="{4F74D28C-3268-4E35-8EE1-D92CB4A85A7D}"/>
+              </a:ext>
+              <a:ext uri="{C183D7F6-B498-43B3-948B-1728B52AA6E4}">
+                <adec:decorative xmlns:adec="http://schemas.microsoft.com/office/drawing/2017/decorative" val="1"/>
+              </a:ext>
+            </a:extLst>
+          </p:cNvPr>
+          <p:cNvSpPr>
+            <a:spLocks noGrp="1" noRot="1" noChangeAspect="1" noMove="1" noResize="1" noEditPoints="1" noAdjustHandles="1" noChangeArrowheads="1" noChangeShapeType="1" noTextEdit="1"/>
+          </p:cNvSpPr>
+          <p:nvPr>
+            <p:extLst>
+              <p:ext uri="{386F3935-93C4-4BCD-93E2-E3B085C9AB24}">
+                <p16:designElem xmlns:p16="http://schemas.microsoft.com/office/powerpoint/2015/main" val="1"/>
+              </p:ext>
+            </p:extLst>
+          </p:nvPr>
+        </p:nvSpPr>
+        <p:spPr>
+          <a:xfrm>
+            <a:off x="6019218" y="0"/>
+            <a:ext cx="6172782" cy="6858000"/>
+          </a:xfrm>
+          <a:custGeom>
+            <a:avLst/>
+            <a:gdLst>
+              <a:gd name="connsiteX0" fmla="*/ 6172782 w 6172782"/>
+              <a:gd name="connsiteY0" fmla="*/ 0 h 6858000"/>
+              <a:gd name="connsiteX1" fmla="*/ 69075 w 6172782"/>
+              <a:gd name="connsiteY1" fmla="*/ 0 h 6858000"/>
+              <a:gd name="connsiteX2" fmla="*/ 35131 w 6172782"/>
+              <a:gd name="connsiteY2" fmla="*/ 267128 h 6858000"/>
+              <a:gd name="connsiteX3" fmla="*/ 0 w 6172782"/>
+              <a:gd name="connsiteY3" fmla="*/ 962845 h 6858000"/>
+              <a:gd name="connsiteX4" fmla="*/ 3276103 w 6172782"/>
+              <a:gd name="connsiteY4" fmla="*/ 6782205 h 6858000"/>
+              <a:gd name="connsiteX5" fmla="*/ 3407923 w 6172782"/>
+              <a:gd name="connsiteY5" fmla="*/ 6858000 h 6858000"/>
+              <a:gd name="connsiteX6" fmla="*/ 6172782 w 6172782"/>
+              <a:gd name="connsiteY6" fmla="*/ 6858000 h 6858000"/>
+            </a:gdLst>
+            <a:ahLst/>
+            <a:cxnLst>
+              <a:cxn ang="0">
+                <a:pos x="connsiteX0" y="connsiteY0"/>
+              </a:cxn>
+              <a:cxn ang="0">
+                <a:pos x="connsiteX1" y="connsiteY1"/>
+              </a:cxn>
+              <a:cxn ang="0">
+                <a:pos x="connsiteX2" y="connsiteY2"/>
+              </a:cxn>
+              <a:cxn ang="0">
+                <a:pos x="connsiteX3" y="connsiteY3"/>
+              </a:cxn>
+              <a:cxn ang="0">
+                <a:pos x="connsiteX4" y="connsiteY4"/>
+              </a:cxn>
+              <a:cxn ang="0">
+                <a:pos x="connsiteX5" y="connsiteY5"/>
+              </a:cxn>
+              <a:cxn ang="0">
+                <a:pos x="connsiteX6" y="connsiteY6"/>
+              </a:cxn>
+            </a:cxnLst>
+            <a:rect l="l" t="t" r="r" b="b"/>
+            <a:pathLst>
+              <a:path w="6172782" h="6858000">
+                <a:moveTo>
+                  <a:pt x="6172782" y="0"/>
+                </a:moveTo>
+                <a:lnTo>
+                  <a:pt x="69075" y="0"/>
+                </a:lnTo>
+                <a:lnTo>
+                  <a:pt x="35131" y="267128"/>
+                </a:lnTo>
+                <a:cubicBezTo>
+                  <a:pt x="11901" y="495874"/>
+                  <a:pt x="0" y="727970"/>
+                  <a:pt x="0" y="962845"/>
+                </a:cubicBezTo>
+                <a:cubicBezTo>
+                  <a:pt x="0" y="3429034"/>
+                  <a:pt x="1312002" y="5588789"/>
+                  <a:pt x="3276103" y="6782205"/>
+                </a:cubicBezTo>
+                <a:lnTo>
+                  <a:pt x="3407923" y="6858000"/>
+                </a:lnTo>
+                <a:lnTo>
+                  <a:pt x="6172782" y="6858000"/>
+                </a:lnTo>
+                <a:close/>
+              </a:path>
+            </a:pathLst>
+          </a:custGeom>
+          <a:solidFill>
+            <a:srgbClr val="FFFFFF">
+              <a:alpha val="80000"/>
+            </a:srgbClr>
+          </a:solidFill>
+          <a:ln>
+            <a:noFill/>
+          </a:ln>
+        </p:spPr>
+        <p:style>
+          <a:lnRef idx="2">
+            <a:schemeClr val="accent1">
+              <a:shade val="50000"/>
+            </a:schemeClr>
+          </a:lnRef>
+          <a:fillRef idx="1">
+            <a:schemeClr val="accent1"/>
+          </a:fillRef>
+          <a:effectRef idx="0">
+            <a:schemeClr val="accent1"/>
+          </a:effectRef>
+          <a:fontRef idx="minor">
+            <a:schemeClr val="lt1"/>
+          </a:fontRef>
+        </p:style>
+        <p:txBody>
+          <a:bodyPr wrap="square" rtlCol="0" anchor="ctr">
+            <a:noAutofit/>
+          </a:bodyPr>
+          <a:lstStyle/>
+          <a:p>
+            <a:pPr marL="0" marR="0" lvl="0" indent="0" algn="ctr" defTabSz="914400" rtl="0" eaLnBrk="1" fontAlgn="auto" latinLnBrk="0" hangingPunct="1">
+              <a:lnSpc>
+                <a:spcPct val="100000"/>
+              </a:lnSpc>
+              <a:spcBef>
+                <a:spcPts val="0"/>
+              </a:spcBef>
+              <a:spcAft>
+                <a:spcPts val="0"/>
+              </a:spcAft>
+              <a:buClrTx/>
+              <a:buSzTx/>
+              <a:buFontTx/>
+              <a:buNone/>
+              <a:tabLst/>
+              <a:defRPr/>
+            </a:pPr>
+            <a:endParaRPr kumimoji="0" lang="en-US" sz="1800" b="0" i="0" u="none" strike="noStrike" kern="1200" cap="none" spc="0" normalizeH="0" baseline="0" noProof="0">
+              <a:ln>
+                <a:noFill/>
+              </a:ln>
+              <a:solidFill>
+                <a:prstClr val="white"/>
+              </a:solidFill>
+              <a:effectLst/>
+              <a:uLnTx/>
+              <a:uFillTx/>
+              <a:latin typeface="Calibri" panose="020F0502020204030204"/>
+              <a:ea typeface="+mn-ea"/>
+              <a:cs typeface="+mn-cs"/>
+            </a:endParaRPr>
+          </a:p>
+        </p:txBody>
+      </p:sp>
+      <p:pic>
+        <p:nvPicPr>
+          <p:cNvPr id="4" name="Picture 3" descr="A close up of a sign&#10;&#10;Description automatically generated">
+            <a:extLst>
+              <a:ext uri="{FF2B5EF4-FFF2-40B4-BE49-F238E27FC236}">
+                <a16:creationId xmlns:a16="http://schemas.microsoft.com/office/drawing/2014/main" id="{0621BB03-3662-40CE-87F4-2604CA5115CA}"/>
+              </a:ext>
+            </a:extLst>
+          </p:cNvPr>
+          <p:cNvPicPr>
+            <a:picLocks noChangeAspect="1"/>
+          </p:cNvPicPr>
+          <p:nvPr/>
+        </p:nvPicPr>
+        <p:blipFill rotWithShape="1">
+          <a:blip r:embed="rId2">
+            <a:extLst>
+              <a:ext uri="{28A0092B-C50C-407E-A947-70E740481C1C}">
+                <a14:useLocalDpi xmlns:a14="http://schemas.microsoft.com/office/drawing/2010/main" val="0"/>
+              </a:ext>
+            </a:extLst>
+          </a:blip>
+          <a:srcRect l="7916" r="4681" b="-1"/>
+          <a:stretch/>
+        </p:blipFill>
+        <p:spPr>
+          <a:xfrm>
+            <a:off x="6167846" y="10"/>
+            <a:ext cx="6024154" cy="6857990"/>
+          </a:xfrm>
+          <a:custGeom>
+            <a:avLst/>
+            <a:gdLst>
+              <a:gd name="connsiteX0" fmla="*/ 70374 w 6024154"/>
+              <a:gd name="connsiteY0" fmla="*/ 0 h 6858000"/>
+              <a:gd name="connsiteX1" fmla="*/ 6024154 w 6024154"/>
+              <a:gd name="connsiteY1" fmla="*/ 0 h 6858000"/>
+              <a:gd name="connsiteX2" fmla="*/ 6024154 w 6024154"/>
+              <a:gd name="connsiteY2" fmla="*/ 6858000 h 6858000"/>
+              <a:gd name="connsiteX3" fmla="*/ 3587167 w 6024154"/>
+              <a:gd name="connsiteY3" fmla="*/ 6858000 h 6858000"/>
+              <a:gd name="connsiteX4" fmla="*/ 3474220 w 6024154"/>
+              <a:gd name="connsiteY4" fmla="*/ 6800152 h 6858000"/>
+              <a:gd name="connsiteX5" fmla="*/ 0 w 6024154"/>
+              <a:gd name="connsiteY5" fmla="*/ 962844 h 6858000"/>
+              <a:gd name="connsiteX6" fmla="*/ 34274 w 6024154"/>
+              <a:gd name="connsiteY6" fmla="*/ 284091 h 6858000"/>
+            </a:gdLst>
+            <a:ahLst/>
+            <a:cxnLst>
+              <a:cxn ang="0">
+                <a:pos x="connsiteX0" y="connsiteY0"/>
+              </a:cxn>
+              <a:cxn ang="0">
+                <a:pos x="connsiteX1" y="connsiteY1"/>
+              </a:cxn>
+              <a:cxn ang="0">
+                <a:pos x="connsiteX2" y="connsiteY2"/>
+              </a:cxn>
+              <a:cxn ang="0">
+                <a:pos x="connsiteX3" y="connsiteY3"/>
+              </a:cxn>
+              <a:cxn ang="0">
+                <a:pos x="connsiteX4" y="connsiteY4"/>
+              </a:cxn>
+              <a:cxn ang="0">
+                <a:pos x="connsiteX5" y="connsiteY5"/>
+              </a:cxn>
+              <a:cxn ang="0">
+                <a:pos x="connsiteX6" y="connsiteY6"/>
+              </a:cxn>
+            </a:cxnLst>
+            <a:rect l="l" t="t" r="r" b="b"/>
+            <a:pathLst>
+              <a:path w="6024154" h="6858000">
+                <a:moveTo>
+                  <a:pt x="70374" y="0"/>
+                </a:moveTo>
+                <a:lnTo>
+                  <a:pt x="6024154" y="0"/>
+                </a:lnTo>
+                <a:lnTo>
+                  <a:pt x="6024154" y="6858000"/>
+                </a:lnTo>
+                <a:lnTo>
+                  <a:pt x="3587167" y="6858000"/>
+                </a:lnTo>
+                <a:lnTo>
+                  <a:pt x="3474220" y="6800152"/>
+                </a:lnTo>
+                <a:cubicBezTo>
+                  <a:pt x="1404818" y="5675986"/>
+                  <a:pt x="0" y="3483472"/>
+                  <a:pt x="0" y="962844"/>
+                </a:cubicBezTo>
+                <a:cubicBezTo>
+                  <a:pt x="0" y="733696"/>
+                  <a:pt x="11610" y="507260"/>
+                  <a:pt x="34274" y="284091"/>
+                </a:cubicBezTo>
+                <a:close/>
+              </a:path>
+            </a:pathLst>
+          </a:custGeom>
+        </p:spPr>
+      </p:pic>
     </p:spTree>
     <p:extLst>
       <p:ext uri="{BB962C8B-B14F-4D97-AF65-F5344CB8AC3E}">
         <p14:creationId xmlns:p14="http://schemas.microsoft.com/office/powerpoint/2010/main" val="3783090238"/>
+      </p:ext>
+    </p:extLst>
+  </p:cSld>
+  <p:clrMapOvr>
+    <a:overrideClrMapping bg1="dk1" tx1="lt1" bg2="dk2" tx2="lt2" accent1="accent1" accent2="accent2" accent3="accent3" accent4="accent4" accent5="accent5" accent6="accent6" hlink="hlink" folHlink="folHlink"/>
+  </p:clrMapOvr>
+</p:sld>
+</file>
+
+<file path=ppt/slides/slide5.xml><?xml version="1.0" encoding="utf-8"?>
+<p:sld xmlns:a="http://schemas.openxmlformats.org/drawingml/2006/main" xmlns:r="http://schemas.openxmlformats.org/officeDocument/2006/relationships" xmlns:p="http://schemas.openxmlformats.org/presentationml/2006/main">
+  <p:cSld>
+    <p:bg>
+      <p:bgPr>
+        <a:solidFill>
+          <a:schemeClr val="bg1"/>
+        </a:solidFill>
+        <a:effectLst/>
+      </p:bgPr>
+    </p:bg>
+    <p:spTree>
+      <p:nvGrpSpPr>
+        <p:cNvPr id="1" name=""/>
+        <p:cNvGrpSpPr/>
+        <p:nvPr/>
+      </p:nvGrpSpPr>
+      <p:grpSpPr>
+        <a:xfrm>
+          <a:off x="0" y="0"/>
+          <a:ext cx="0" cy="0"/>
+          <a:chOff x="0" y="0"/>
+          <a:chExt cx="0" cy="0"/>
+        </a:xfrm>
+      </p:grpSpPr>
+      <p:pic>
+        <p:nvPicPr>
+          <p:cNvPr id="11" name="Picture 10" descr="A close up of a logo&#10;&#10;Description automatically generated">
+            <a:extLst>
+              <a:ext uri="{FF2B5EF4-FFF2-40B4-BE49-F238E27FC236}">
+                <a16:creationId xmlns:a16="http://schemas.microsoft.com/office/drawing/2014/main" id="{BE754B3D-071A-4A83-8C82-B997F3A94E7E}"/>
+              </a:ext>
+            </a:extLst>
+          </p:cNvPr>
+          <p:cNvPicPr>
+            <a:picLocks noChangeAspect="1"/>
+          </p:cNvPicPr>
+          <p:nvPr/>
+        </p:nvPicPr>
+        <p:blipFill>
+          <a:blip r:embed="rId2">
+            <a:extLst>
+              <a:ext uri="{28A0092B-C50C-407E-A947-70E740481C1C}">
+                <a14:useLocalDpi xmlns:a14="http://schemas.microsoft.com/office/drawing/2010/main" val="0"/>
+              </a:ext>
+            </a:extLst>
+          </a:blip>
+          <a:stretch>
+            <a:fillRect/>
+          </a:stretch>
+        </p:blipFill>
+        <p:spPr>
+          <a:xfrm>
+            <a:off x="1237684" y="346167"/>
+            <a:ext cx="1588946" cy="1588946"/>
+          </a:xfrm>
+          <a:prstGeom prst="rect">
+            <a:avLst/>
+          </a:prstGeom>
+        </p:spPr>
+      </p:pic>
+      <p:pic>
+        <p:nvPicPr>
+          <p:cNvPr id="9" name="Picture 8" descr="A close up of a logo&#10;&#10;Description automatically generated">
+            <a:extLst>
+              <a:ext uri="{FF2B5EF4-FFF2-40B4-BE49-F238E27FC236}">
+                <a16:creationId xmlns:a16="http://schemas.microsoft.com/office/drawing/2014/main" id="{3020A164-1B51-4E52-8529-2FC3127C718A}"/>
+              </a:ext>
+            </a:extLst>
+          </p:cNvPr>
+          <p:cNvPicPr>
+            <a:picLocks noChangeAspect="1"/>
+          </p:cNvPicPr>
+          <p:nvPr/>
+        </p:nvPicPr>
+        <p:blipFill>
+          <a:blip r:embed="rId3">
+            <a:extLst>
+              <a:ext uri="{28A0092B-C50C-407E-A947-70E740481C1C}">
+                <a14:useLocalDpi xmlns:a14="http://schemas.microsoft.com/office/drawing/2010/main" val="0"/>
+              </a:ext>
+            </a:extLst>
+          </a:blip>
+          <a:stretch>
+            <a:fillRect/>
+          </a:stretch>
+        </p:blipFill>
+        <p:spPr>
+          <a:xfrm>
+            <a:off x="5235752" y="346167"/>
+            <a:ext cx="1547944" cy="1547944"/>
+          </a:xfrm>
+          <a:prstGeom prst="rect">
+            <a:avLst/>
+          </a:prstGeom>
+        </p:spPr>
+      </p:pic>
+      <p:pic>
+        <p:nvPicPr>
+          <p:cNvPr id="7" name="Picture 6" descr="A picture containing computer&#10;&#10;Description automatically generated">
+            <a:extLst>
+              <a:ext uri="{FF2B5EF4-FFF2-40B4-BE49-F238E27FC236}">
+                <a16:creationId xmlns:a16="http://schemas.microsoft.com/office/drawing/2014/main" id="{8157E685-FD91-445C-93EF-243BA23B10DE}"/>
+              </a:ext>
+            </a:extLst>
+          </p:cNvPr>
+          <p:cNvPicPr>
+            <a:picLocks noChangeAspect="1"/>
+          </p:cNvPicPr>
+          <p:nvPr/>
+        </p:nvPicPr>
+        <p:blipFill>
+          <a:blip r:embed="rId4">
+            <a:extLst>
+              <a:ext uri="{28A0092B-C50C-407E-A947-70E740481C1C}">
+                <a14:useLocalDpi xmlns:a14="http://schemas.microsoft.com/office/drawing/2010/main" val="0"/>
+              </a:ext>
+            </a:extLst>
+          </a:blip>
+          <a:stretch>
+            <a:fillRect/>
+          </a:stretch>
+        </p:blipFill>
+        <p:spPr>
+          <a:xfrm>
+            <a:off x="8857523" y="346167"/>
+            <a:ext cx="2486663" cy="1547948"/>
+          </a:xfrm>
+          <a:prstGeom prst="rect">
+            <a:avLst/>
+          </a:prstGeom>
+        </p:spPr>
+      </p:pic>
+      <p:pic>
+        <p:nvPicPr>
+          <p:cNvPr id="13" name="Picture 12" descr="A close up of a logo&#10;&#10;Description automatically generated">
+            <a:extLst>
+              <a:ext uri="{FF2B5EF4-FFF2-40B4-BE49-F238E27FC236}">
+                <a16:creationId xmlns:a16="http://schemas.microsoft.com/office/drawing/2014/main" id="{8B817274-8750-410A-BB1E-A40FD0E293DA}"/>
+              </a:ext>
+            </a:extLst>
+          </p:cNvPr>
+          <p:cNvPicPr>
+            <a:picLocks noChangeAspect="1"/>
+          </p:cNvPicPr>
+          <p:nvPr/>
+        </p:nvPicPr>
+        <p:blipFill>
+          <a:blip r:embed="rId5">
+            <a:extLst>
+              <a:ext uri="{28A0092B-C50C-407E-A947-70E740481C1C}">
+                <a14:useLocalDpi xmlns:a14="http://schemas.microsoft.com/office/drawing/2010/main" val="0"/>
+              </a:ext>
+            </a:extLst>
+          </a:blip>
+          <a:stretch>
+            <a:fillRect/>
+          </a:stretch>
+        </p:blipFill>
+        <p:spPr>
+          <a:xfrm>
+            <a:off x="1237689" y="2639045"/>
+            <a:ext cx="1588934" cy="1588934"/>
+          </a:xfrm>
+          <a:prstGeom prst="rect">
+            <a:avLst/>
+          </a:prstGeom>
+        </p:spPr>
+      </p:pic>
+      <p:pic>
+        <p:nvPicPr>
+          <p:cNvPr id="5" name="Picture 4" descr="A picture containing drawing, table, cup, light&#10;&#10;Description automatically generated">
+            <a:extLst>
+              <a:ext uri="{FF2B5EF4-FFF2-40B4-BE49-F238E27FC236}">
+                <a16:creationId xmlns:a16="http://schemas.microsoft.com/office/drawing/2014/main" id="{D1F47010-DBF8-48EF-A513-2421CB95B2A2}"/>
+              </a:ext>
+            </a:extLst>
+          </p:cNvPr>
+          <p:cNvPicPr>
+            <a:picLocks noChangeAspect="1"/>
+          </p:cNvPicPr>
+          <p:nvPr/>
+        </p:nvPicPr>
+        <p:blipFill>
+          <a:blip r:embed="rId6">
+            <a:extLst>
+              <a:ext uri="{28A0092B-C50C-407E-A947-70E740481C1C}">
+                <a14:useLocalDpi xmlns:a14="http://schemas.microsoft.com/office/drawing/2010/main" val="0"/>
+              </a:ext>
+            </a:extLst>
+          </a:blip>
+          <a:stretch>
+            <a:fillRect/>
+          </a:stretch>
+        </p:blipFill>
+        <p:spPr>
+          <a:xfrm>
+            <a:off x="1239242" y="4930536"/>
+            <a:ext cx="1582664" cy="1582664"/>
+          </a:xfrm>
+          <a:prstGeom prst="rect">
+            <a:avLst/>
+          </a:prstGeom>
+        </p:spPr>
+      </p:pic>
+      <p:sp>
+        <p:nvSpPr>
+          <p:cNvPr id="18" name="Rectangle 17">
+            <a:extLst>
+              <a:ext uri="{FF2B5EF4-FFF2-40B4-BE49-F238E27FC236}">
+                <a16:creationId xmlns:a16="http://schemas.microsoft.com/office/drawing/2014/main" id="{A5A17FC0-D416-4C8B-A9E6-5924D352B986}"/>
+              </a:ext>
+              <a:ext uri="{C183D7F6-B498-43B3-948B-1728B52AA6E4}">
+                <adec:decorative xmlns:adec="http://schemas.microsoft.com/office/drawing/2017/decorative" val="1"/>
+              </a:ext>
+            </a:extLst>
+          </p:cNvPr>
+          <p:cNvSpPr>
+            <a:spLocks noGrp="1" noRot="1" noChangeAspect="1" noMove="1" noResize="1" noEditPoints="1" noAdjustHandles="1" noChangeArrowheads="1" noChangeShapeType="1" noTextEdit="1"/>
+          </p:cNvSpPr>
+          <p:nvPr>
+            <p:extLst>
+              <p:ext uri="{386F3935-93C4-4BCD-93E2-E3B085C9AB24}">
+                <p16:designElem xmlns:p16="http://schemas.microsoft.com/office/powerpoint/2015/main" val="1"/>
+              </p:ext>
+            </p:extLst>
+          </p:nvPr>
+        </p:nvSpPr>
+        <p:spPr>
+          <a:xfrm>
+            <a:off x="4067495" y="2300641"/>
+            <a:ext cx="8124506" cy="4557360"/>
+          </a:xfrm>
+          <a:prstGeom prst="rect">
+            <a:avLst/>
+          </a:prstGeom>
+          <a:solidFill>
+            <a:srgbClr val="404040"/>
+          </a:solidFill>
+          <a:ln>
+            <a:noFill/>
+          </a:ln>
+        </p:spPr>
+        <p:style>
+          <a:lnRef idx="2">
+            <a:schemeClr val="accent1">
+              <a:shade val="50000"/>
+            </a:schemeClr>
+          </a:lnRef>
+          <a:fillRef idx="1">
+            <a:schemeClr val="accent1"/>
+          </a:fillRef>
+          <a:effectRef idx="0">
+            <a:schemeClr val="accent1"/>
+          </a:effectRef>
+          <a:fontRef idx="minor">
+            <a:schemeClr val="lt1"/>
+          </a:fontRef>
+        </p:style>
+        <p:txBody>
+          <a:bodyPr rtlCol="0" anchor="ctr"/>
+          <a:lstStyle/>
+          <a:p>
+            <a:pPr marL="0" marR="0" lvl="0" indent="0" algn="ctr" defTabSz="914400" rtl="0" eaLnBrk="1" fontAlgn="auto" latinLnBrk="0" hangingPunct="1">
+              <a:lnSpc>
+                <a:spcPct val="100000"/>
+              </a:lnSpc>
+              <a:spcBef>
+                <a:spcPts val="0"/>
+              </a:spcBef>
+              <a:spcAft>
+                <a:spcPts val="0"/>
+              </a:spcAft>
+              <a:buClrTx/>
+              <a:buSzTx/>
+              <a:buFontTx/>
+              <a:buNone/>
+              <a:tabLst/>
+              <a:defRPr/>
+            </a:pPr>
+            <a:endParaRPr kumimoji="0" lang="en-US" sz="1800" b="0" i="0" u="none" strike="noStrike" kern="1200" cap="none" spc="0" normalizeH="0" baseline="0" noProof="0">
+              <a:ln>
+                <a:noFill/>
+              </a:ln>
+              <a:solidFill>
+                <a:prstClr val="white"/>
+              </a:solidFill>
+              <a:effectLst/>
+              <a:uLnTx/>
+              <a:uFillTx/>
+              <a:latin typeface="Calibri" panose="020F0502020204030204"/>
+              <a:ea typeface="+mn-ea"/>
+              <a:cs typeface="+mn-cs"/>
+            </a:endParaRPr>
+          </a:p>
+        </p:txBody>
+      </p:sp>
+      <p:sp>
+        <p:nvSpPr>
+          <p:cNvPr id="2" name="Title 1">
+            <a:extLst>
+              <a:ext uri="{FF2B5EF4-FFF2-40B4-BE49-F238E27FC236}">
+                <a16:creationId xmlns:a16="http://schemas.microsoft.com/office/drawing/2014/main" id="{D521B66B-EE88-4422-9A82-BB0F351DDFA4}"/>
+              </a:ext>
+            </a:extLst>
+          </p:cNvPr>
+          <p:cNvSpPr>
+            <a:spLocks noGrp="1"/>
+          </p:cNvSpPr>
+          <p:nvPr>
+            <p:ph type="title"/>
+          </p:nvPr>
+        </p:nvSpPr>
+        <p:spPr>
+          <a:xfrm>
+            <a:off x="4657256" y="2916520"/>
+            <a:ext cx="6465287" cy="2309364"/>
+          </a:xfrm>
+        </p:spPr>
+        <p:txBody>
+          <a:bodyPr vert="horz" lIns="91440" tIns="45720" rIns="91440" bIns="45720" rtlCol="0" anchor="b">
+            <a:normAutofit/>
+          </a:bodyPr>
+          <a:lstStyle/>
+          <a:p>
+            <a:r>
+              <a:rPr lang="en-US" sz="4800" kern="1200">
+                <a:solidFill>
+                  <a:srgbClr val="FFFFFF"/>
+                </a:solidFill>
+                <a:latin typeface="+mj-lt"/>
+                <a:ea typeface="+mj-ea"/>
+                <a:cs typeface="+mj-cs"/>
+              </a:rPr>
+              <a:t>Traditional Data sources</a:t>
+            </a:r>
+          </a:p>
+        </p:txBody>
+      </p:sp>
+      <p:cxnSp>
+        <p:nvCxnSpPr>
+          <p:cNvPr id="20" name="Straight Connector 19">
+            <a:extLst>
+              <a:ext uri="{FF2B5EF4-FFF2-40B4-BE49-F238E27FC236}">
+                <a16:creationId xmlns:a16="http://schemas.microsoft.com/office/drawing/2014/main" id="{982DC870-E8E5-4050-B10C-CC24FC67E50A}"/>
+              </a:ext>
+              <a:ext uri="{C183D7F6-B498-43B3-948B-1728B52AA6E4}">
+                <adec:decorative xmlns:adec="http://schemas.microsoft.com/office/drawing/2017/decorative" val="1"/>
+              </a:ext>
+            </a:extLst>
+          </p:cNvPr>
+          <p:cNvCxnSpPr>
+            <a:cxnSpLocks noGrp="1" noRot="1" noChangeAspect="1" noMove="1" noResize="1" noEditPoints="1" noAdjustHandles="1" noChangeArrowheads="1" noChangeShapeType="1"/>
+          </p:cNvCxnSpPr>
+          <p:nvPr>
+            <p:extLst>
+              <p:ext uri="{386F3935-93C4-4BCD-93E2-E3B085C9AB24}">
+                <p16:designElem xmlns:p16="http://schemas.microsoft.com/office/powerpoint/2015/main" val="1"/>
+              </p:ext>
+            </p:extLst>
+          </p:nvPr>
+        </p:nvCxnSpPr>
+        <p:spPr>
+          <a:xfrm flipH="1">
+            <a:off x="0" y="2285774"/>
+            <a:ext cx="12188952" cy="0"/>
+          </a:xfrm>
+          <a:prstGeom prst="line">
+            <a:avLst/>
+          </a:prstGeom>
+          <a:ln w="101600">
+            <a:solidFill>
+              <a:srgbClr val="404040"/>
+            </a:solidFill>
+          </a:ln>
+        </p:spPr>
+        <p:style>
+          <a:lnRef idx="1">
+            <a:schemeClr val="accent1"/>
+          </a:lnRef>
+          <a:fillRef idx="0">
+            <a:schemeClr val="accent1"/>
+          </a:fillRef>
+          <a:effectRef idx="0">
+            <a:schemeClr val="accent1"/>
+          </a:effectRef>
+          <a:fontRef idx="minor">
+            <a:schemeClr val="tx1"/>
+          </a:fontRef>
+        </p:style>
+      </p:cxnSp>
+      <p:cxnSp>
+        <p:nvCxnSpPr>
+          <p:cNvPr id="22" name="Straight Connector 21">
+            <a:extLst>
+              <a:ext uri="{FF2B5EF4-FFF2-40B4-BE49-F238E27FC236}">
+                <a16:creationId xmlns:a16="http://schemas.microsoft.com/office/drawing/2014/main" id="{FF76A74F-C283-4DED-BD4D-086753B7CB00}"/>
+              </a:ext>
+              <a:ext uri="{C183D7F6-B498-43B3-948B-1728B52AA6E4}">
+                <adec:decorative xmlns:adec="http://schemas.microsoft.com/office/drawing/2017/decorative" val="1"/>
+              </a:ext>
+            </a:extLst>
+          </p:cNvPr>
+          <p:cNvCxnSpPr>
+            <a:cxnSpLocks noGrp="1" noRot="1" noChangeAspect="1" noMove="1" noResize="1" noEditPoints="1" noAdjustHandles="1" noChangeArrowheads="1" noChangeShapeType="1"/>
+          </p:cNvCxnSpPr>
+          <p:nvPr>
+            <p:extLst>
+              <p:ext uri="{386F3935-93C4-4BCD-93E2-E3B085C9AB24}">
+                <p16:designElem xmlns:p16="http://schemas.microsoft.com/office/powerpoint/2015/main" val="1"/>
+              </p:ext>
+            </p:extLst>
+          </p:nvPr>
+        </p:nvCxnSpPr>
+        <p:spPr>
+          <a:xfrm flipH="1">
+            <a:off x="0" y="4571548"/>
+            <a:ext cx="4064320" cy="0"/>
+          </a:xfrm>
+          <a:prstGeom prst="line">
+            <a:avLst/>
+          </a:prstGeom>
+          <a:ln w="101600">
+            <a:solidFill>
+              <a:srgbClr val="404040"/>
+            </a:solidFill>
+          </a:ln>
+        </p:spPr>
+        <p:style>
+          <a:lnRef idx="1">
+            <a:schemeClr val="accent1"/>
+          </a:lnRef>
+          <a:fillRef idx="0">
+            <a:schemeClr val="accent1"/>
+          </a:fillRef>
+          <a:effectRef idx="0">
+            <a:schemeClr val="accent1"/>
+          </a:effectRef>
+          <a:fontRef idx="minor">
+            <a:schemeClr val="tx1"/>
+          </a:fontRef>
+        </p:style>
+      </p:cxnSp>
+      <p:cxnSp>
+        <p:nvCxnSpPr>
+          <p:cNvPr id="24" name="Straight Connector 23">
+            <a:extLst>
+              <a:ext uri="{FF2B5EF4-FFF2-40B4-BE49-F238E27FC236}">
+                <a16:creationId xmlns:a16="http://schemas.microsoft.com/office/drawing/2014/main" id="{3B2791FB-B2F7-4BBE-B8D8-74C37FF9E85C}"/>
+              </a:ext>
+              <a:ext uri="{C183D7F6-B498-43B3-948B-1728B52AA6E4}">
+                <adec:decorative xmlns:adec="http://schemas.microsoft.com/office/drawing/2017/decorative" val="1"/>
+              </a:ext>
+            </a:extLst>
+          </p:cNvPr>
+          <p:cNvCxnSpPr>
+            <a:cxnSpLocks noGrp="1" noRot="1" noChangeAspect="1" noMove="1" noResize="1" noEditPoints="1" noAdjustHandles="1" noChangeArrowheads="1" noChangeShapeType="1"/>
+          </p:cNvCxnSpPr>
+          <p:nvPr>
+            <p:extLst>
+              <p:ext uri="{386F3935-93C4-4BCD-93E2-E3B085C9AB24}">
+                <p16:designElem xmlns:p16="http://schemas.microsoft.com/office/powerpoint/2015/main" val="1"/>
+              </p:ext>
+            </p:extLst>
+          </p:nvPr>
+        </p:nvCxnSpPr>
+        <p:spPr>
+          <a:xfrm>
+            <a:off x="4064319" y="-680"/>
+            <a:ext cx="0" cy="6858003"/>
+          </a:xfrm>
+          <a:prstGeom prst="line">
+            <a:avLst/>
+          </a:prstGeom>
+          <a:ln w="101600">
+            <a:solidFill>
+              <a:srgbClr val="404040"/>
+            </a:solidFill>
+          </a:ln>
+        </p:spPr>
+        <p:style>
+          <a:lnRef idx="1">
+            <a:schemeClr val="accent1"/>
+          </a:lnRef>
+          <a:fillRef idx="0">
+            <a:schemeClr val="accent1"/>
+          </a:fillRef>
+          <a:effectRef idx="0">
+            <a:schemeClr val="accent1"/>
+          </a:effectRef>
+          <a:fontRef idx="minor">
+            <a:schemeClr val="tx1"/>
+          </a:fontRef>
+        </p:style>
+      </p:cxnSp>
+      <p:cxnSp>
+        <p:nvCxnSpPr>
+          <p:cNvPr id="26" name="Straight Connector 25">
+            <a:extLst>
+              <a:ext uri="{FF2B5EF4-FFF2-40B4-BE49-F238E27FC236}">
+                <a16:creationId xmlns:a16="http://schemas.microsoft.com/office/drawing/2014/main" id="{9891B5DE-6811-4844-BB18-472A3F360EE5}"/>
+              </a:ext>
+              <a:ext uri="{C183D7F6-B498-43B3-948B-1728B52AA6E4}">
+                <adec:decorative xmlns:adec="http://schemas.microsoft.com/office/drawing/2017/decorative" val="1"/>
+              </a:ext>
+            </a:extLst>
+          </p:cNvPr>
+          <p:cNvCxnSpPr>
+            <a:cxnSpLocks noGrp="1" noRot="1" noChangeAspect="1" noMove="1" noResize="1" noEditPoints="1" noAdjustHandles="1" noChangeArrowheads="1" noChangeShapeType="1"/>
+          </p:cNvCxnSpPr>
+          <p:nvPr>
+            <p:extLst>
+              <p:ext uri="{386F3935-93C4-4BCD-93E2-E3B085C9AB24}">
+                <p16:designElem xmlns:p16="http://schemas.microsoft.com/office/powerpoint/2015/main" val="1"/>
+              </p:ext>
+            </p:extLst>
+          </p:nvPr>
+        </p:nvCxnSpPr>
+        <p:spPr>
+          <a:xfrm>
+            <a:off x="8020742" y="-680"/>
+            <a:ext cx="0" cy="2240280"/>
+          </a:xfrm>
+          <a:prstGeom prst="line">
+            <a:avLst/>
+          </a:prstGeom>
+          <a:ln w="101600">
+            <a:solidFill>
+              <a:srgbClr val="404040"/>
+            </a:solidFill>
+          </a:ln>
+        </p:spPr>
+        <p:style>
+          <a:lnRef idx="1">
+            <a:schemeClr val="accent1"/>
+          </a:lnRef>
+          <a:fillRef idx="0">
+            <a:schemeClr val="accent1"/>
+          </a:fillRef>
+          <a:effectRef idx="0">
+            <a:schemeClr val="accent1"/>
+          </a:effectRef>
+          <a:fontRef idx="minor">
+            <a:schemeClr val="tx1"/>
+          </a:fontRef>
+        </p:style>
+      </p:cxnSp>
+      <p:cxnSp>
+        <p:nvCxnSpPr>
+          <p:cNvPr id="28" name="Straight Connector 27">
+            <a:extLst>
+              <a:ext uri="{FF2B5EF4-FFF2-40B4-BE49-F238E27FC236}">
+                <a16:creationId xmlns:a16="http://schemas.microsoft.com/office/drawing/2014/main" id="{77A9CA3A-7216-41E0-B3CD-058077FD396D}"/>
+              </a:ext>
+              <a:ext uri="{C183D7F6-B498-43B3-948B-1728B52AA6E4}">
+                <adec:decorative xmlns:adec="http://schemas.microsoft.com/office/drawing/2017/decorative" val="1"/>
+              </a:ext>
+            </a:extLst>
+          </p:cNvPr>
+          <p:cNvCxnSpPr>
+            <a:cxnSpLocks noGrp="1" noRot="1" noChangeAspect="1" noMove="1" noResize="1" noEditPoints="1" noAdjustHandles="1" noChangeArrowheads="1" noChangeShapeType="1"/>
+          </p:cNvCxnSpPr>
+          <p:nvPr>
+            <p:extLst>
+              <p:ext uri="{386F3935-93C4-4BCD-93E2-E3B085C9AB24}">
+                <p16:designElem xmlns:p16="http://schemas.microsoft.com/office/powerpoint/2015/main" val="1"/>
+              </p:ext>
+            </p:extLst>
+          </p:nvPr>
+        </p:nvCxnSpPr>
+        <p:spPr>
+          <a:xfrm>
+            <a:off x="4746931" y="5336249"/>
+            <a:ext cx="5486400" cy="0"/>
+          </a:xfrm>
+          <a:prstGeom prst="line">
+            <a:avLst/>
+          </a:prstGeom>
+          <a:ln w="15875">
+            <a:solidFill>
+              <a:srgbClr val="FFFFFF">
+                <a:alpha val="75000"/>
+              </a:srgbClr>
+            </a:solidFill>
+          </a:ln>
+        </p:spPr>
+        <p:style>
+          <a:lnRef idx="1">
+            <a:schemeClr val="accent1"/>
+          </a:lnRef>
+          <a:fillRef idx="0">
+            <a:schemeClr val="accent1"/>
+          </a:fillRef>
+          <a:effectRef idx="0">
+            <a:schemeClr val="accent1"/>
+          </a:effectRef>
+          <a:fontRef idx="minor">
+            <a:schemeClr val="tx1"/>
+          </a:fontRef>
+        </p:style>
+      </p:cxnSp>
+    </p:spTree>
+    <p:extLst>
+      <p:ext uri="{BB962C8B-B14F-4D97-AF65-F5344CB8AC3E}">
+        <p14:creationId xmlns:p14="http://schemas.microsoft.com/office/powerpoint/2010/main" val="4084664270"/>
       </p:ext>
     </p:extLst>
   </p:cSld>
@@ -8451,9 +9677,634 @@
 </p:sld>
 </file>
 
-<file path=ppt/slides/slide5.xml><?xml version="1.0" encoding="utf-8"?>
+<file path=ppt/slides/slide6.xml><?xml version="1.0" encoding="utf-8"?>
 <p:sld xmlns:a="http://schemas.openxmlformats.org/drawingml/2006/main" xmlns:r="http://schemas.openxmlformats.org/officeDocument/2006/relationships" xmlns:p="http://schemas.openxmlformats.org/presentationml/2006/main">
   <p:cSld>
+    <p:bg>
+      <p:bgPr>
+        <a:solidFill>
+          <a:schemeClr val="bg1"/>
+        </a:solidFill>
+        <a:effectLst/>
+      </p:bgPr>
+    </p:bg>
+    <p:spTree>
+      <p:nvGrpSpPr>
+        <p:cNvPr id="1" name=""/>
+        <p:cNvGrpSpPr/>
+        <p:nvPr/>
+      </p:nvGrpSpPr>
+      <p:grpSpPr>
+        <a:xfrm>
+          <a:off x="0" y="0"/>
+          <a:ext cx="0" cy="0"/>
+          <a:chOff x="0" y="0"/>
+          <a:chExt cx="0" cy="0"/>
+        </a:xfrm>
+      </p:grpSpPr>
+      <p:pic>
+        <p:nvPicPr>
+          <p:cNvPr id="5" name="Picture 4" descr="A close up of a logo&#10;&#10;Description automatically generated">
+            <a:extLst>
+              <a:ext uri="{FF2B5EF4-FFF2-40B4-BE49-F238E27FC236}">
+                <a16:creationId xmlns:a16="http://schemas.microsoft.com/office/drawing/2014/main" id="{D8480CB1-1AD1-4163-A2FA-9160BB298840}"/>
+              </a:ext>
+            </a:extLst>
+          </p:cNvPr>
+          <p:cNvPicPr>
+            <a:picLocks noChangeAspect="1"/>
+          </p:cNvPicPr>
+          <p:nvPr/>
+        </p:nvPicPr>
+        <p:blipFill>
+          <a:blip r:embed="rId2">
+            <a:extLst>
+              <a:ext uri="{28A0092B-C50C-407E-A947-70E740481C1C}">
+                <a14:useLocalDpi xmlns:a14="http://schemas.microsoft.com/office/drawing/2010/main" val="0"/>
+              </a:ext>
+            </a:extLst>
+          </a:blip>
+          <a:stretch>
+            <a:fillRect/>
+          </a:stretch>
+        </p:blipFill>
+        <p:spPr>
+          <a:xfrm>
+            <a:off x="1237684" y="346167"/>
+            <a:ext cx="1588946" cy="1588946"/>
+          </a:xfrm>
+          <a:prstGeom prst="rect">
+            <a:avLst/>
+          </a:prstGeom>
+        </p:spPr>
+      </p:pic>
+      <p:pic>
+        <p:nvPicPr>
+          <p:cNvPr id="9" name="Picture 8" descr="A drawing of a face&#10;&#10;Description automatically generated">
+            <a:extLst>
+              <a:ext uri="{FF2B5EF4-FFF2-40B4-BE49-F238E27FC236}">
+                <a16:creationId xmlns:a16="http://schemas.microsoft.com/office/drawing/2014/main" id="{C592CE3D-EAF7-4328-9E62-A86BE023F104}"/>
+              </a:ext>
+            </a:extLst>
+          </p:cNvPr>
+          <p:cNvPicPr>
+            <a:picLocks noChangeAspect="1"/>
+          </p:cNvPicPr>
+          <p:nvPr/>
+        </p:nvPicPr>
+        <p:blipFill>
+          <a:blip r:embed="rId3">
+            <a:extLst>
+              <a:ext uri="{28A0092B-C50C-407E-A947-70E740481C1C}">
+                <a14:useLocalDpi xmlns:a14="http://schemas.microsoft.com/office/drawing/2010/main" val="0"/>
+              </a:ext>
+            </a:extLst>
+          </a:blip>
+          <a:stretch>
+            <a:fillRect/>
+          </a:stretch>
+        </p:blipFill>
+        <p:spPr>
+          <a:xfrm>
+            <a:off x="4953107" y="346167"/>
+            <a:ext cx="2113234" cy="1547944"/>
+          </a:xfrm>
+          <a:prstGeom prst="rect">
+            <a:avLst/>
+          </a:prstGeom>
+        </p:spPr>
+      </p:pic>
+      <p:pic>
+        <p:nvPicPr>
+          <p:cNvPr id="7" name="Picture 6" descr="A picture containing drawing, food&#10;&#10;Description automatically generated">
+            <a:extLst>
+              <a:ext uri="{FF2B5EF4-FFF2-40B4-BE49-F238E27FC236}">
+                <a16:creationId xmlns:a16="http://schemas.microsoft.com/office/drawing/2014/main" id="{9BD9AAAE-3359-4D7B-BA95-E26F0BEA3471}"/>
+              </a:ext>
+            </a:extLst>
+          </p:cNvPr>
+          <p:cNvPicPr>
+            <a:picLocks noChangeAspect="1"/>
+          </p:cNvPicPr>
+          <p:nvPr/>
+        </p:nvPicPr>
+        <p:blipFill>
+          <a:blip r:embed="rId4">
+            <a:extLst>
+              <a:ext uri="{28A0092B-C50C-407E-A947-70E740481C1C}">
+                <a14:useLocalDpi xmlns:a14="http://schemas.microsoft.com/office/drawing/2010/main" val="0"/>
+              </a:ext>
+            </a:extLst>
+          </a:blip>
+          <a:stretch>
+            <a:fillRect/>
+          </a:stretch>
+        </p:blipFill>
+        <p:spPr>
+          <a:xfrm>
+            <a:off x="8724901" y="346167"/>
+            <a:ext cx="2751907" cy="1547948"/>
+          </a:xfrm>
+          <a:prstGeom prst="rect">
+            <a:avLst/>
+          </a:prstGeom>
+        </p:spPr>
+      </p:pic>
+      <p:pic>
+        <p:nvPicPr>
+          <p:cNvPr id="11" name="Picture 10" descr="A picture containing drawing&#10;&#10;Description automatically generated">
+            <a:extLst>
+              <a:ext uri="{FF2B5EF4-FFF2-40B4-BE49-F238E27FC236}">
+                <a16:creationId xmlns:a16="http://schemas.microsoft.com/office/drawing/2014/main" id="{6A99D200-7D06-4EF1-AA8E-207980F138E7}"/>
+              </a:ext>
+            </a:extLst>
+          </p:cNvPr>
+          <p:cNvPicPr>
+            <a:picLocks noChangeAspect="1"/>
+          </p:cNvPicPr>
+          <p:nvPr/>
+        </p:nvPicPr>
+        <p:blipFill>
+          <a:blip r:embed="rId5">
+            <a:extLst>
+              <a:ext uri="{28A0092B-C50C-407E-A947-70E740481C1C}">
+                <a14:useLocalDpi xmlns:a14="http://schemas.microsoft.com/office/drawing/2010/main" val="0"/>
+              </a:ext>
+            </a:extLst>
+          </a:blip>
+          <a:stretch>
+            <a:fillRect/>
+          </a:stretch>
+        </p:blipFill>
+        <p:spPr>
+          <a:xfrm>
+            <a:off x="1237689" y="2639045"/>
+            <a:ext cx="1588934" cy="1588934"/>
+          </a:xfrm>
+          <a:prstGeom prst="rect">
+            <a:avLst/>
+          </a:prstGeom>
+        </p:spPr>
+      </p:pic>
+      <p:pic>
+        <p:nvPicPr>
+          <p:cNvPr id="13" name="Picture 12" descr="A close up of a logo&#10;&#10;Description automatically generated">
+            <a:extLst>
+              <a:ext uri="{FF2B5EF4-FFF2-40B4-BE49-F238E27FC236}">
+                <a16:creationId xmlns:a16="http://schemas.microsoft.com/office/drawing/2014/main" id="{22F41666-89CB-4E67-9CD9-4C231E7C0C07}"/>
+              </a:ext>
+            </a:extLst>
+          </p:cNvPr>
+          <p:cNvPicPr>
+            <a:picLocks noChangeAspect="1"/>
+          </p:cNvPicPr>
+          <p:nvPr/>
+        </p:nvPicPr>
+        <p:blipFill>
+          <a:blip r:embed="rId6">
+            <a:extLst>
+              <a:ext uri="{28A0092B-C50C-407E-A947-70E740481C1C}">
+                <a14:useLocalDpi xmlns:a14="http://schemas.microsoft.com/office/drawing/2010/main" val="0"/>
+              </a:ext>
+            </a:extLst>
+          </a:blip>
+          <a:stretch>
+            <a:fillRect/>
+          </a:stretch>
+        </p:blipFill>
+        <p:spPr>
+          <a:xfrm>
+            <a:off x="1239242" y="4930536"/>
+            <a:ext cx="1582664" cy="1582664"/>
+          </a:xfrm>
+          <a:prstGeom prst="rect">
+            <a:avLst/>
+          </a:prstGeom>
+        </p:spPr>
+      </p:pic>
+      <p:sp>
+        <p:nvSpPr>
+          <p:cNvPr id="18" name="Rectangle 17">
+            <a:extLst>
+              <a:ext uri="{FF2B5EF4-FFF2-40B4-BE49-F238E27FC236}">
+                <a16:creationId xmlns:a16="http://schemas.microsoft.com/office/drawing/2014/main" id="{A5A17FC0-D416-4C8B-A9E6-5924D352B986}"/>
+              </a:ext>
+              <a:ext uri="{C183D7F6-B498-43B3-948B-1728B52AA6E4}">
+                <adec:decorative xmlns:adec="http://schemas.microsoft.com/office/drawing/2017/decorative" val="1"/>
+              </a:ext>
+            </a:extLst>
+          </p:cNvPr>
+          <p:cNvSpPr>
+            <a:spLocks noGrp="1" noRot="1" noChangeAspect="1" noMove="1" noResize="1" noEditPoints="1" noAdjustHandles="1" noChangeArrowheads="1" noChangeShapeType="1" noTextEdit="1"/>
+          </p:cNvSpPr>
+          <p:nvPr>
+            <p:extLst>
+              <p:ext uri="{386F3935-93C4-4BCD-93E2-E3B085C9AB24}">
+                <p16:designElem xmlns:p16="http://schemas.microsoft.com/office/powerpoint/2015/main" val="1"/>
+              </p:ext>
+            </p:extLst>
+          </p:nvPr>
+        </p:nvSpPr>
+        <p:spPr>
+          <a:xfrm>
+            <a:off x="4067495" y="2300641"/>
+            <a:ext cx="8124506" cy="4557360"/>
+          </a:xfrm>
+          <a:prstGeom prst="rect">
+            <a:avLst/>
+          </a:prstGeom>
+          <a:solidFill>
+            <a:srgbClr val="404040"/>
+          </a:solidFill>
+          <a:ln>
+            <a:noFill/>
+          </a:ln>
+        </p:spPr>
+        <p:style>
+          <a:lnRef idx="2">
+            <a:schemeClr val="accent1">
+              <a:shade val="50000"/>
+            </a:schemeClr>
+          </a:lnRef>
+          <a:fillRef idx="1">
+            <a:schemeClr val="accent1"/>
+          </a:fillRef>
+          <a:effectRef idx="0">
+            <a:schemeClr val="accent1"/>
+          </a:effectRef>
+          <a:fontRef idx="minor">
+            <a:schemeClr val="lt1"/>
+          </a:fontRef>
+        </p:style>
+        <p:txBody>
+          <a:bodyPr rtlCol="0" anchor="ctr"/>
+          <a:lstStyle/>
+          <a:p>
+            <a:pPr marL="0" marR="0" lvl="0" indent="0" algn="ctr" defTabSz="914400" rtl="0" eaLnBrk="1" fontAlgn="auto" latinLnBrk="0" hangingPunct="1">
+              <a:lnSpc>
+                <a:spcPct val="100000"/>
+              </a:lnSpc>
+              <a:spcBef>
+                <a:spcPts val="0"/>
+              </a:spcBef>
+              <a:spcAft>
+                <a:spcPts val="0"/>
+              </a:spcAft>
+              <a:buClrTx/>
+              <a:buSzTx/>
+              <a:buFontTx/>
+              <a:buNone/>
+              <a:tabLst/>
+              <a:defRPr/>
+            </a:pPr>
+            <a:endParaRPr kumimoji="0" lang="en-US" sz="1800" b="0" i="0" u="none" strike="noStrike" kern="1200" cap="none" spc="0" normalizeH="0" baseline="0" noProof="0">
+              <a:ln>
+                <a:noFill/>
+              </a:ln>
+              <a:solidFill>
+                <a:prstClr val="white"/>
+              </a:solidFill>
+              <a:effectLst/>
+              <a:uLnTx/>
+              <a:uFillTx/>
+              <a:latin typeface="Calibri" panose="020F0502020204030204"/>
+              <a:ea typeface="+mn-ea"/>
+              <a:cs typeface="+mn-cs"/>
+            </a:endParaRPr>
+          </a:p>
+        </p:txBody>
+      </p:sp>
+      <p:sp>
+        <p:nvSpPr>
+          <p:cNvPr id="2" name="Title 1">
+            <a:extLst>
+              <a:ext uri="{FF2B5EF4-FFF2-40B4-BE49-F238E27FC236}">
+                <a16:creationId xmlns:a16="http://schemas.microsoft.com/office/drawing/2014/main" id="{9FE6A85E-7756-48D7-8E9A-504E33AE89E2}"/>
+              </a:ext>
+            </a:extLst>
+          </p:cNvPr>
+          <p:cNvSpPr>
+            <a:spLocks noGrp="1"/>
+          </p:cNvSpPr>
+          <p:nvPr>
+            <p:ph type="title"/>
+          </p:nvPr>
+        </p:nvSpPr>
+        <p:spPr>
+          <a:xfrm>
+            <a:off x="4657256" y="2916520"/>
+            <a:ext cx="6465287" cy="2309364"/>
+          </a:xfrm>
+        </p:spPr>
+        <p:txBody>
+          <a:bodyPr vert="horz" lIns="91440" tIns="45720" rIns="91440" bIns="45720" rtlCol="0" anchor="b">
+            <a:normAutofit/>
+          </a:bodyPr>
+          <a:lstStyle/>
+          <a:p>
+            <a:r>
+              <a:rPr lang="en-US" sz="4800" kern="1200">
+                <a:solidFill>
+                  <a:srgbClr val="FFFFFF"/>
+                </a:solidFill>
+                <a:latin typeface="+mj-lt"/>
+                <a:ea typeface="+mj-ea"/>
+                <a:cs typeface="+mj-cs"/>
+              </a:rPr>
+              <a:t>Modern Data Sources</a:t>
+            </a:r>
+          </a:p>
+        </p:txBody>
+      </p:sp>
+      <p:cxnSp>
+        <p:nvCxnSpPr>
+          <p:cNvPr id="20" name="Straight Connector 19">
+            <a:extLst>
+              <a:ext uri="{FF2B5EF4-FFF2-40B4-BE49-F238E27FC236}">
+                <a16:creationId xmlns:a16="http://schemas.microsoft.com/office/drawing/2014/main" id="{982DC870-E8E5-4050-B10C-CC24FC67E50A}"/>
+              </a:ext>
+              <a:ext uri="{C183D7F6-B498-43B3-948B-1728B52AA6E4}">
+                <adec:decorative xmlns:adec="http://schemas.microsoft.com/office/drawing/2017/decorative" val="1"/>
+              </a:ext>
+            </a:extLst>
+          </p:cNvPr>
+          <p:cNvCxnSpPr>
+            <a:cxnSpLocks noGrp="1" noRot="1" noChangeAspect="1" noMove="1" noResize="1" noEditPoints="1" noAdjustHandles="1" noChangeArrowheads="1" noChangeShapeType="1"/>
+          </p:cNvCxnSpPr>
+          <p:nvPr>
+            <p:extLst>
+              <p:ext uri="{386F3935-93C4-4BCD-93E2-E3B085C9AB24}">
+                <p16:designElem xmlns:p16="http://schemas.microsoft.com/office/powerpoint/2015/main" val="1"/>
+              </p:ext>
+            </p:extLst>
+          </p:nvPr>
+        </p:nvCxnSpPr>
+        <p:spPr>
+          <a:xfrm flipH="1">
+            <a:off x="0" y="2285774"/>
+            <a:ext cx="12188952" cy="0"/>
+          </a:xfrm>
+          <a:prstGeom prst="line">
+            <a:avLst/>
+          </a:prstGeom>
+          <a:ln w="101600">
+            <a:solidFill>
+              <a:srgbClr val="404040"/>
+            </a:solidFill>
+          </a:ln>
+        </p:spPr>
+        <p:style>
+          <a:lnRef idx="1">
+            <a:schemeClr val="accent1"/>
+          </a:lnRef>
+          <a:fillRef idx="0">
+            <a:schemeClr val="accent1"/>
+          </a:fillRef>
+          <a:effectRef idx="0">
+            <a:schemeClr val="accent1"/>
+          </a:effectRef>
+          <a:fontRef idx="minor">
+            <a:schemeClr val="tx1"/>
+          </a:fontRef>
+        </p:style>
+      </p:cxnSp>
+      <p:cxnSp>
+        <p:nvCxnSpPr>
+          <p:cNvPr id="22" name="Straight Connector 21">
+            <a:extLst>
+              <a:ext uri="{FF2B5EF4-FFF2-40B4-BE49-F238E27FC236}">
+                <a16:creationId xmlns:a16="http://schemas.microsoft.com/office/drawing/2014/main" id="{FF76A74F-C283-4DED-BD4D-086753B7CB00}"/>
+              </a:ext>
+              <a:ext uri="{C183D7F6-B498-43B3-948B-1728B52AA6E4}">
+                <adec:decorative xmlns:adec="http://schemas.microsoft.com/office/drawing/2017/decorative" val="1"/>
+              </a:ext>
+            </a:extLst>
+          </p:cNvPr>
+          <p:cNvCxnSpPr>
+            <a:cxnSpLocks noGrp="1" noRot="1" noChangeAspect="1" noMove="1" noResize="1" noEditPoints="1" noAdjustHandles="1" noChangeArrowheads="1" noChangeShapeType="1"/>
+          </p:cNvCxnSpPr>
+          <p:nvPr>
+            <p:extLst>
+              <p:ext uri="{386F3935-93C4-4BCD-93E2-E3B085C9AB24}">
+                <p16:designElem xmlns:p16="http://schemas.microsoft.com/office/powerpoint/2015/main" val="1"/>
+              </p:ext>
+            </p:extLst>
+          </p:nvPr>
+        </p:nvCxnSpPr>
+        <p:spPr>
+          <a:xfrm flipH="1">
+            <a:off x="0" y="4571548"/>
+            <a:ext cx="4064320" cy="0"/>
+          </a:xfrm>
+          <a:prstGeom prst="line">
+            <a:avLst/>
+          </a:prstGeom>
+          <a:ln w="101600">
+            <a:solidFill>
+              <a:srgbClr val="404040"/>
+            </a:solidFill>
+          </a:ln>
+        </p:spPr>
+        <p:style>
+          <a:lnRef idx="1">
+            <a:schemeClr val="accent1"/>
+          </a:lnRef>
+          <a:fillRef idx="0">
+            <a:schemeClr val="accent1"/>
+          </a:fillRef>
+          <a:effectRef idx="0">
+            <a:schemeClr val="accent1"/>
+          </a:effectRef>
+          <a:fontRef idx="minor">
+            <a:schemeClr val="tx1"/>
+          </a:fontRef>
+        </p:style>
+      </p:cxnSp>
+      <p:cxnSp>
+        <p:nvCxnSpPr>
+          <p:cNvPr id="24" name="Straight Connector 23">
+            <a:extLst>
+              <a:ext uri="{FF2B5EF4-FFF2-40B4-BE49-F238E27FC236}">
+                <a16:creationId xmlns:a16="http://schemas.microsoft.com/office/drawing/2014/main" id="{3B2791FB-B2F7-4BBE-B8D8-74C37FF9E85C}"/>
+              </a:ext>
+              <a:ext uri="{C183D7F6-B498-43B3-948B-1728B52AA6E4}">
+                <adec:decorative xmlns:adec="http://schemas.microsoft.com/office/drawing/2017/decorative" val="1"/>
+              </a:ext>
+            </a:extLst>
+          </p:cNvPr>
+          <p:cNvCxnSpPr>
+            <a:cxnSpLocks noGrp="1" noRot="1" noChangeAspect="1" noMove="1" noResize="1" noEditPoints="1" noAdjustHandles="1" noChangeArrowheads="1" noChangeShapeType="1"/>
+          </p:cNvCxnSpPr>
+          <p:nvPr>
+            <p:extLst>
+              <p:ext uri="{386F3935-93C4-4BCD-93E2-E3B085C9AB24}">
+                <p16:designElem xmlns:p16="http://schemas.microsoft.com/office/powerpoint/2015/main" val="1"/>
+              </p:ext>
+            </p:extLst>
+          </p:nvPr>
+        </p:nvCxnSpPr>
+        <p:spPr>
+          <a:xfrm>
+            <a:off x="4064319" y="-680"/>
+            <a:ext cx="0" cy="6858003"/>
+          </a:xfrm>
+          <a:prstGeom prst="line">
+            <a:avLst/>
+          </a:prstGeom>
+          <a:ln w="101600">
+            <a:solidFill>
+              <a:srgbClr val="404040"/>
+            </a:solidFill>
+          </a:ln>
+        </p:spPr>
+        <p:style>
+          <a:lnRef idx="1">
+            <a:schemeClr val="accent1"/>
+          </a:lnRef>
+          <a:fillRef idx="0">
+            <a:schemeClr val="accent1"/>
+          </a:fillRef>
+          <a:effectRef idx="0">
+            <a:schemeClr val="accent1"/>
+          </a:effectRef>
+          <a:fontRef idx="minor">
+            <a:schemeClr val="tx1"/>
+          </a:fontRef>
+        </p:style>
+      </p:cxnSp>
+      <p:cxnSp>
+        <p:nvCxnSpPr>
+          <p:cNvPr id="26" name="Straight Connector 25">
+            <a:extLst>
+              <a:ext uri="{FF2B5EF4-FFF2-40B4-BE49-F238E27FC236}">
+                <a16:creationId xmlns:a16="http://schemas.microsoft.com/office/drawing/2014/main" id="{9891B5DE-6811-4844-BB18-472A3F360EE5}"/>
+              </a:ext>
+              <a:ext uri="{C183D7F6-B498-43B3-948B-1728B52AA6E4}">
+                <adec:decorative xmlns:adec="http://schemas.microsoft.com/office/drawing/2017/decorative" val="1"/>
+              </a:ext>
+            </a:extLst>
+          </p:cNvPr>
+          <p:cNvCxnSpPr>
+            <a:cxnSpLocks noGrp="1" noRot="1" noChangeAspect="1" noMove="1" noResize="1" noEditPoints="1" noAdjustHandles="1" noChangeArrowheads="1" noChangeShapeType="1"/>
+          </p:cNvCxnSpPr>
+          <p:nvPr>
+            <p:extLst>
+              <p:ext uri="{386F3935-93C4-4BCD-93E2-E3B085C9AB24}">
+                <p16:designElem xmlns:p16="http://schemas.microsoft.com/office/powerpoint/2015/main" val="1"/>
+              </p:ext>
+            </p:extLst>
+          </p:nvPr>
+        </p:nvCxnSpPr>
+        <p:spPr>
+          <a:xfrm>
+            <a:off x="8020742" y="-680"/>
+            <a:ext cx="0" cy="2240280"/>
+          </a:xfrm>
+          <a:prstGeom prst="line">
+            <a:avLst/>
+          </a:prstGeom>
+          <a:ln w="101600">
+            <a:solidFill>
+              <a:srgbClr val="404040"/>
+            </a:solidFill>
+          </a:ln>
+        </p:spPr>
+        <p:style>
+          <a:lnRef idx="1">
+            <a:schemeClr val="accent1"/>
+          </a:lnRef>
+          <a:fillRef idx="0">
+            <a:schemeClr val="accent1"/>
+          </a:fillRef>
+          <a:effectRef idx="0">
+            <a:schemeClr val="accent1"/>
+          </a:effectRef>
+          <a:fontRef idx="minor">
+            <a:schemeClr val="tx1"/>
+          </a:fontRef>
+        </p:style>
+      </p:cxnSp>
+      <p:cxnSp>
+        <p:nvCxnSpPr>
+          <p:cNvPr id="28" name="Straight Connector 27">
+            <a:extLst>
+              <a:ext uri="{FF2B5EF4-FFF2-40B4-BE49-F238E27FC236}">
+                <a16:creationId xmlns:a16="http://schemas.microsoft.com/office/drawing/2014/main" id="{77A9CA3A-7216-41E0-B3CD-058077FD396D}"/>
+              </a:ext>
+              <a:ext uri="{C183D7F6-B498-43B3-948B-1728B52AA6E4}">
+                <adec:decorative xmlns:adec="http://schemas.microsoft.com/office/drawing/2017/decorative" val="1"/>
+              </a:ext>
+            </a:extLst>
+          </p:cNvPr>
+          <p:cNvCxnSpPr>
+            <a:cxnSpLocks noGrp="1" noRot="1" noChangeAspect="1" noMove="1" noResize="1" noEditPoints="1" noAdjustHandles="1" noChangeArrowheads="1" noChangeShapeType="1"/>
+          </p:cNvCxnSpPr>
+          <p:nvPr>
+            <p:extLst>
+              <p:ext uri="{386F3935-93C4-4BCD-93E2-E3B085C9AB24}">
+                <p16:designElem xmlns:p16="http://schemas.microsoft.com/office/powerpoint/2015/main" val="1"/>
+              </p:ext>
+            </p:extLst>
+          </p:nvPr>
+        </p:nvCxnSpPr>
+        <p:spPr>
+          <a:xfrm>
+            <a:off x="4746931" y="5336249"/>
+            <a:ext cx="5486400" cy="0"/>
+          </a:xfrm>
+          <a:prstGeom prst="line">
+            <a:avLst/>
+          </a:prstGeom>
+          <a:ln w="15875">
+            <a:solidFill>
+              <a:srgbClr val="FFFFFF">
+                <a:alpha val="75000"/>
+              </a:srgbClr>
+            </a:solidFill>
+          </a:ln>
+        </p:spPr>
+        <p:style>
+          <a:lnRef idx="1">
+            <a:schemeClr val="accent1"/>
+          </a:lnRef>
+          <a:fillRef idx="0">
+            <a:schemeClr val="accent1"/>
+          </a:fillRef>
+          <a:effectRef idx="0">
+            <a:schemeClr val="accent1"/>
+          </a:effectRef>
+          <a:fontRef idx="minor">
+            <a:schemeClr val="tx1"/>
+          </a:fontRef>
+        </p:style>
+      </p:cxnSp>
+    </p:spTree>
+    <p:extLst>
+      <p:ext uri="{BB962C8B-B14F-4D97-AF65-F5344CB8AC3E}">
+        <p14:creationId xmlns:p14="http://schemas.microsoft.com/office/powerpoint/2010/main" val="3044277010"/>
+      </p:ext>
+    </p:extLst>
+  </p:cSld>
+  <p:clrMapOvr>
+    <a:masterClrMapping/>
+  </p:clrMapOvr>
+</p:sld>
+</file>
+
+<file path=ppt/slides/slide7.xml><?xml version="1.0" encoding="utf-8"?>
+<p:sld xmlns:a="http://schemas.openxmlformats.org/drawingml/2006/main" xmlns:r="http://schemas.openxmlformats.org/officeDocument/2006/relationships" xmlns:p="http://schemas.openxmlformats.org/presentationml/2006/main">
+  <p:cSld>
+    <p:bg>
+      <p:bgPr>
+        <a:solidFill>
+          <a:schemeClr val="bg1">
+            <a:tint val="95000"/>
+            <a:satMod val="170000"/>
+          </a:schemeClr>
+        </a:solidFill>
+        <a:effectLst/>
+      </p:bgPr>
+    </p:bg>
     <p:spTree>
       <p:nvGrpSpPr>
         <p:cNvPr id="1" name=""/>
@@ -8484,13 +10335,20 @@
             <p:ph type="title"/>
           </p:nvPr>
         </p:nvSpPr>
-        <p:spPr/>
+        <p:spPr>
+          <a:xfrm>
+            <a:off x="762001" y="803325"/>
+            <a:ext cx="5314536" cy="1325563"/>
+          </a:xfrm>
+        </p:spPr>
         <p:txBody>
-          <a:bodyPr/>
+          <a:bodyPr>
+            <a:normAutofit/>
+          </a:bodyPr>
           <a:lstStyle/>
           <a:p>
             <a:r>
-              <a:rPr lang="en-US" dirty="0"/>
+              <a:rPr lang="en-US" sz="4400"/>
               <a:t>Characteristics of an audit – People</a:t>
             </a:r>
           </a:p>
@@ -8512,66 +10370,346 @@
             <p:ph idx="1"/>
           </p:nvPr>
         </p:nvSpPr>
-        <p:spPr/>
+        <p:spPr>
+          <a:xfrm>
+            <a:off x="762000" y="2279018"/>
+            <a:ext cx="5314543" cy="3375920"/>
+          </a:xfrm>
+        </p:spPr>
         <p:txBody>
-          <a:bodyPr>
+          <a:bodyPr anchor="t">
             <a:normAutofit/>
           </a:bodyPr>
           <a:lstStyle/>
           <a:p>
             <a:r>
-              <a:rPr lang="en-US" dirty="0"/>
+              <a:rPr lang="en-US" sz="1800"/>
               <a:t>People</a:t>
             </a:r>
           </a:p>
           <a:p>
             <a:pPr lvl="1"/>
             <a:r>
-              <a:rPr lang="en-US" dirty="0"/>
+              <a:rPr lang="en-US" sz="1800"/>
               <a:t>Collaboration</a:t>
             </a:r>
           </a:p>
           <a:p>
             <a:pPr lvl="1"/>
             <a:r>
-              <a:rPr lang="en-US" dirty="0"/>
+              <a:rPr lang="en-US" sz="1800"/>
               <a:t>Experiments</a:t>
             </a:r>
           </a:p>
           <a:p>
             <a:pPr lvl="1"/>
             <a:r>
-              <a:rPr lang="en-US" dirty="0"/>
+              <a:rPr lang="en-US" sz="1800"/>
               <a:t>Documentation</a:t>
             </a:r>
           </a:p>
           <a:p>
             <a:pPr lvl="1"/>
             <a:r>
-              <a:rPr lang="en-US" dirty="0"/>
+              <a:rPr lang="en-US" sz="1800"/>
               <a:t>Version Control</a:t>
             </a:r>
           </a:p>
           <a:p>
             <a:pPr lvl="1"/>
             <a:r>
-              <a:rPr lang="en-US" dirty="0"/>
+              <a:rPr lang="en-US" sz="1800"/>
               <a:t>Skillsets</a:t>
             </a:r>
           </a:p>
           <a:p>
             <a:pPr lvl="1"/>
             <a:r>
-              <a:rPr lang="en-US" dirty="0"/>
+              <a:rPr lang="en-US" sz="1800"/>
               <a:t>Geography</a:t>
             </a:r>
           </a:p>
           <a:p>
             <a:pPr lvl="1"/>
-            <a:endParaRPr lang="en-US" dirty="0"/>
+            <a:endParaRPr lang="en-US" sz="1800"/>
           </a:p>
         </p:txBody>
       </p:sp>
+      <p:sp>
+        <p:nvSpPr>
+          <p:cNvPr id="9" name="Freeform: Shape 8">
+            <a:extLst>
+              <a:ext uri="{FF2B5EF4-FFF2-40B4-BE49-F238E27FC236}">
+                <a16:creationId xmlns:a16="http://schemas.microsoft.com/office/drawing/2014/main" id="{CF62D2A7-8207-488C-9F46-316BA81A16C8}"/>
+              </a:ext>
+              <a:ext uri="{C183D7F6-B498-43B3-948B-1728B52AA6E4}">
+                <adec:decorative xmlns:adec="http://schemas.microsoft.com/office/drawing/2017/decorative" val="1"/>
+              </a:ext>
+            </a:extLst>
+          </p:cNvPr>
+          <p:cNvSpPr>
+            <a:spLocks noGrp="1" noRot="1" noChangeAspect="1" noMove="1" noResize="1" noEditPoints="1" noAdjustHandles="1" noChangeArrowheads="1" noChangeShapeType="1" noTextEdit="1"/>
+          </p:cNvSpPr>
+          <p:nvPr>
+            <p:extLst>
+              <p:ext uri="{386F3935-93C4-4BCD-93E2-E3B085C9AB24}">
+                <p16:designElem xmlns:p16="http://schemas.microsoft.com/office/powerpoint/2015/main" val="1"/>
+              </p:ext>
+            </p:extLst>
+          </p:nvPr>
+        </p:nvSpPr>
+        <p:spPr>
+          <a:xfrm flipH="1">
+            <a:off x="6582780" y="-2008"/>
+            <a:ext cx="5609220" cy="5840278"/>
+          </a:xfrm>
+          <a:custGeom>
+            <a:avLst/>
+            <a:gdLst>
+              <a:gd name="connsiteX0" fmla="*/ 0 w 5609220"/>
+              <a:gd name="connsiteY0" fmla="*/ 0 h 5840278"/>
+              <a:gd name="connsiteX1" fmla="*/ 4637091 w 5609220"/>
+              <a:gd name="connsiteY1" fmla="*/ 0 h 5840278"/>
+              <a:gd name="connsiteX2" fmla="*/ 4822569 w 5609220"/>
+              <a:gd name="connsiteY2" fmla="*/ 204077 h 5840278"/>
+              <a:gd name="connsiteX3" fmla="*/ 5609220 w 5609220"/>
+              <a:gd name="connsiteY3" fmla="*/ 2395363 h 5840278"/>
+              <a:gd name="connsiteX4" fmla="*/ 2164305 w 5609220"/>
+              <a:gd name="connsiteY4" fmla="*/ 5840278 h 5840278"/>
+              <a:gd name="connsiteX5" fmla="*/ 238220 w 5609220"/>
+              <a:gd name="connsiteY5" fmla="*/ 5251941 h 5840278"/>
+              <a:gd name="connsiteX6" fmla="*/ 0 w 5609220"/>
+              <a:gd name="connsiteY6" fmla="*/ 5073803 h 5840278"/>
+            </a:gdLst>
+            <a:ahLst/>
+            <a:cxnLst>
+              <a:cxn ang="0">
+                <a:pos x="connsiteX0" y="connsiteY0"/>
+              </a:cxn>
+              <a:cxn ang="0">
+                <a:pos x="connsiteX1" y="connsiteY1"/>
+              </a:cxn>
+              <a:cxn ang="0">
+                <a:pos x="connsiteX2" y="connsiteY2"/>
+              </a:cxn>
+              <a:cxn ang="0">
+                <a:pos x="connsiteX3" y="connsiteY3"/>
+              </a:cxn>
+              <a:cxn ang="0">
+                <a:pos x="connsiteX4" y="connsiteY4"/>
+              </a:cxn>
+              <a:cxn ang="0">
+                <a:pos x="connsiteX5" y="connsiteY5"/>
+              </a:cxn>
+              <a:cxn ang="0">
+                <a:pos x="connsiteX6" y="connsiteY6"/>
+              </a:cxn>
+            </a:cxnLst>
+            <a:rect l="l" t="t" r="r" b="b"/>
+            <a:pathLst>
+              <a:path w="5609220" h="5840278">
+                <a:moveTo>
+                  <a:pt x="0" y="0"/>
+                </a:moveTo>
+                <a:lnTo>
+                  <a:pt x="4637091" y="0"/>
+                </a:lnTo>
+                <a:lnTo>
+                  <a:pt x="4822569" y="204077"/>
+                </a:lnTo>
+                <a:cubicBezTo>
+                  <a:pt x="5314007" y="799562"/>
+                  <a:pt x="5609220" y="1562987"/>
+                  <a:pt x="5609220" y="2395363"/>
+                </a:cubicBezTo>
+                <a:cubicBezTo>
+                  <a:pt x="5609220" y="4297937"/>
+                  <a:pt x="4066879" y="5840278"/>
+                  <a:pt x="2164305" y="5840278"/>
+                </a:cubicBezTo>
+                <a:cubicBezTo>
+                  <a:pt x="1450840" y="5840278"/>
+                  <a:pt x="788032" y="5623387"/>
+                  <a:pt x="238220" y="5251941"/>
+                </a:cubicBezTo>
+                <a:lnTo>
+                  <a:pt x="0" y="5073803"/>
+                </a:lnTo>
+                <a:close/>
+              </a:path>
+            </a:pathLst>
+          </a:custGeom>
+          <a:solidFill>
+            <a:srgbClr val="FFFFFF">
+              <a:alpha val="80000"/>
+            </a:srgbClr>
+          </a:solidFill>
+          <a:ln>
+            <a:noFill/>
+          </a:ln>
+        </p:spPr>
+        <p:style>
+          <a:lnRef idx="2">
+            <a:schemeClr val="accent1">
+              <a:shade val="50000"/>
+            </a:schemeClr>
+          </a:lnRef>
+          <a:fillRef idx="1">
+            <a:schemeClr val="accent1"/>
+          </a:fillRef>
+          <a:effectRef idx="0">
+            <a:schemeClr val="accent1"/>
+          </a:effectRef>
+          <a:fontRef idx="minor">
+            <a:schemeClr val="lt1"/>
+          </a:fontRef>
+        </p:style>
+        <p:txBody>
+          <a:bodyPr rtlCol="0" anchor="ctr"/>
+          <a:lstStyle/>
+          <a:p>
+            <a:pPr marL="0" marR="0" lvl="0" indent="0" algn="ctr" defTabSz="914400" rtl="0" eaLnBrk="1" fontAlgn="auto" latinLnBrk="0" hangingPunct="1">
+              <a:lnSpc>
+                <a:spcPct val="100000"/>
+              </a:lnSpc>
+              <a:spcBef>
+                <a:spcPts val="0"/>
+              </a:spcBef>
+              <a:spcAft>
+                <a:spcPts val="0"/>
+              </a:spcAft>
+              <a:buClrTx/>
+              <a:buSzTx/>
+              <a:buFontTx/>
+              <a:buNone/>
+              <a:tabLst/>
+              <a:defRPr/>
+            </a:pPr>
+            <a:endParaRPr kumimoji="0" lang="en-US" sz="1800" b="0" i="0" u="none" strike="noStrike" kern="1200" cap="none" spc="0" normalizeH="0" baseline="0" noProof="0">
+              <a:ln>
+                <a:noFill/>
+              </a:ln>
+              <a:solidFill>
+                <a:prstClr val="white"/>
+              </a:solidFill>
+              <a:effectLst/>
+              <a:uLnTx/>
+              <a:uFillTx/>
+              <a:latin typeface="Calibri" panose="020F0502020204030204"/>
+              <a:ea typeface="+mn-ea"/>
+              <a:cs typeface="+mn-cs"/>
+            </a:endParaRPr>
+          </a:p>
+        </p:txBody>
+      </p:sp>
+      <p:pic>
+        <p:nvPicPr>
+          <p:cNvPr id="4" name="Picture 3" descr="A person in a suit and tie&#10;&#10;Description automatically generated">
+            <a:extLst>
+              <a:ext uri="{FF2B5EF4-FFF2-40B4-BE49-F238E27FC236}">
+                <a16:creationId xmlns:a16="http://schemas.microsoft.com/office/drawing/2014/main" id="{4704F5E9-2667-4F16-AFFF-B0F9414D5EE6}"/>
+              </a:ext>
+            </a:extLst>
+          </p:cNvPr>
+          <p:cNvPicPr>
+            <a:picLocks noChangeAspect="1"/>
+          </p:cNvPicPr>
+          <p:nvPr/>
+        </p:nvPicPr>
+        <p:blipFill rotWithShape="1">
+          <a:blip r:embed="rId2">
+            <a:extLst>
+              <a:ext uri="{28A0092B-C50C-407E-A947-70E740481C1C}">
+                <a14:useLocalDpi xmlns:a14="http://schemas.microsoft.com/office/drawing/2010/main" val="0"/>
+              </a:ext>
+            </a:extLst>
+          </a:blip>
+          <a:srcRect t="7838" r="1" b="16044"/>
+          <a:stretch/>
+        </p:blipFill>
+        <p:spPr>
+          <a:xfrm>
+            <a:off x="6750141" y="-2"/>
+            <a:ext cx="5441859" cy="5654940"/>
+          </a:xfrm>
+          <a:custGeom>
+            <a:avLst/>
+            <a:gdLst>
+              <a:gd name="connsiteX0" fmla="*/ 1041368 w 5441859"/>
+              <a:gd name="connsiteY0" fmla="*/ 0 h 5654940"/>
+              <a:gd name="connsiteX1" fmla="*/ 5441859 w 5441859"/>
+              <a:gd name="connsiteY1" fmla="*/ 0 h 5654940"/>
+              <a:gd name="connsiteX2" fmla="*/ 5441859 w 5441859"/>
+              <a:gd name="connsiteY2" fmla="*/ 4820612 h 5654940"/>
+              <a:gd name="connsiteX3" fmla="*/ 5285166 w 5441859"/>
+              <a:gd name="connsiteY3" fmla="*/ 4957981 h 5654940"/>
+              <a:gd name="connsiteX4" fmla="*/ 3267719 w 5441859"/>
+              <a:gd name="connsiteY4" fmla="*/ 5654940 h 5654940"/>
+              <a:gd name="connsiteX5" fmla="*/ 0 w 5441859"/>
+              <a:gd name="connsiteY5" fmla="*/ 2387221 h 5654940"/>
+              <a:gd name="connsiteX6" fmla="*/ 957093 w 5441859"/>
+              <a:gd name="connsiteY6" fmla="*/ 76595 h 5654940"/>
+            </a:gdLst>
+            <a:ahLst/>
+            <a:cxnLst>
+              <a:cxn ang="0">
+                <a:pos x="connsiteX0" y="connsiteY0"/>
+              </a:cxn>
+              <a:cxn ang="0">
+                <a:pos x="connsiteX1" y="connsiteY1"/>
+              </a:cxn>
+              <a:cxn ang="0">
+                <a:pos x="connsiteX2" y="connsiteY2"/>
+              </a:cxn>
+              <a:cxn ang="0">
+                <a:pos x="connsiteX3" y="connsiteY3"/>
+              </a:cxn>
+              <a:cxn ang="0">
+                <a:pos x="connsiteX4" y="connsiteY4"/>
+              </a:cxn>
+              <a:cxn ang="0">
+                <a:pos x="connsiteX5" y="connsiteY5"/>
+              </a:cxn>
+              <a:cxn ang="0">
+                <a:pos x="connsiteX6" y="connsiteY6"/>
+              </a:cxn>
+            </a:cxnLst>
+            <a:rect l="l" t="t" r="r" b="b"/>
+            <a:pathLst>
+              <a:path w="5441859" h="5654940">
+                <a:moveTo>
+                  <a:pt x="1041368" y="0"/>
+                </a:moveTo>
+                <a:lnTo>
+                  <a:pt x="5441859" y="0"/>
+                </a:lnTo>
+                <a:lnTo>
+                  <a:pt x="5441859" y="4820612"/>
+                </a:lnTo>
+                <a:lnTo>
+                  <a:pt x="5285166" y="4957981"/>
+                </a:lnTo>
+                <a:cubicBezTo>
+                  <a:pt x="4729628" y="5394557"/>
+                  <a:pt x="4029081" y="5654940"/>
+                  <a:pt x="3267719" y="5654940"/>
+                </a:cubicBezTo>
+                <a:cubicBezTo>
+                  <a:pt x="1463008" y="5654940"/>
+                  <a:pt x="0" y="4191932"/>
+                  <a:pt x="0" y="2387221"/>
+                </a:cubicBezTo>
+                <a:cubicBezTo>
+                  <a:pt x="0" y="1484866"/>
+                  <a:pt x="365752" y="667936"/>
+                  <a:pt x="957093" y="76595"/>
+                </a:cubicBezTo>
+                <a:close/>
+              </a:path>
+            </a:pathLst>
+          </a:custGeom>
+        </p:spPr>
+      </p:pic>
     </p:spTree>
     <p:extLst>
       <p:ext uri="{BB962C8B-B14F-4D97-AF65-F5344CB8AC3E}">
@@ -8580,14 +10718,25 @@
     </p:extLst>
   </p:cSld>
   <p:clrMapOvr>
-    <a:masterClrMapping/>
+    <a:overrideClrMapping bg1="dk1" tx1="lt1" bg2="dk2" tx2="lt2" accent1="accent1" accent2="accent2" accent3="accent3" accent4="accent4" accent5="accent5" accent6="accent6" hlink="hlink" folHlink="folHlink"/>
   </p:clrMapOvr>
 </p:sld>
 </file>
 
-<file path=ppt/slides/slide6.xml><?xml version="1.0" encoding="utf-8"?>
+<file path=ppt/slides/slide8.xml><?xml version="1.0" encoding="utf-8"?>
 <p:sld xmlns:a="http://schemas.openxmlformats.org/drawingml/2006/main" xmlns:r="http://schemas.openxmlformats.org/officeDocument/2006/relationships" xmlns:p="http://schemas.openxmlformats.org/presentationml/2006/main">
   <p:cSld>
+    <p:bg>
+      <p:bgPr>
+        <a:solidFill>
+          <a:schemeClr val="bg1">
+            <a:tint val="95000"/>
+            <a:satMod val="170000"/>
+          </a:schemeClr>
+        </a:solidFill>
+        <a:effectLst/>
+      </p:bgPr>
+    </p:bg>
     <p:spTree>
       <p:nvGrpSpPr>
         <p:cNvPr id="1" name=""/>
@@ -8618,13 +10767,20 @@
             <p:ph type="title"/>
           </p:nvPr>
         </p:nvSpPr>
-        <p:spPr/>
+        <p:spPr>
+          <a:xfrm>
+            <a:off x="801099" y="1396289"/>
+            <a:ext cx="5006336" cy="1325563"/>
+          </a:xfrm>
+        </p:spPr>
         <p:txBody>
-          <a:bodyPr/>
+          <a:bodyPr>
+            <a:normAutofit/>
+          </a:bodyPr>
           <a:lstStyle/>
           <a:p>
             <a:r>
-              <a:rPr lang="en-US" dirty="0"/>
+              <a:rPr lang="en-US" sz="4400"/>
               <a:t>Characteristics of an audit - Technology</a:t>
             </a:r>
           </a:p>
@@ -8646,66 +10802,344 @@
             <p:ph idx="1"/>
           </p:nvPr>
         </p:nvSpPr>
-        <p:spPr/>
+        <p:spPr>
+          <a:xfrm>
+            <a:off x="805543" y="2871982"/>
+            <a:ext cx="5006336" cy="3181684"/>
+          </a:xfrm>
+        </p:spPr>
         <p:txBody>
-          <a:bodyPr>
+          <a:bodyPr anchor="t">
             <a:normAutofit/>
           </a:bodyPr>
           <a:lstStyle/>
           <a:p>
             <a:r>
-              <a:rPr lang="en-US" dirty="0"/>
+              <a:rPr lang="en-US" sz="1800"/>
               <a:t>Technology</a:t>
             </a:r>
           </a:p>
           <a:p>
             <a:pPr lvl="1"/>
             <a:r>
-              <a:rPr lang="en-US" dirty="0"/>
+              <a:rPr lang="en-US" sz="1800"/>
               <a:t>Economically viable</a:t>
             </a:r>
           </a:p>
           <a:p>
             <a:pPr lvl="1"/>
             <a:r>
-              <a:rPr lang="en-US" dirty="0"/>
+              <a:rPr lang="en-US" sz="1800"/>
               <a:t>Current</a:t>
             </a:r>
           </a:p>
           <a:p>
             <a:pPr lvl="1"/>
             <a:r>
-              <a:rPr lang="en-US" dirty="0"/>
+              <a:rPr lang="en-US" sz="1800"/>
               <a:t>Scalable</a:t>
             </a:r>
           </a:p>
           <a:p>
             <a:pPr lvl="1"/>
             <a:r>
-              <a:rPr lang="en-US" dirty="0"/>
+              <a:rPr lang="en-US" sz="1800"/>
               <a:t>Available (anytime, anywhere)</a:t>
             </a:r>
           </a:p>
           <a:p>
             <a:pPr lvl="1"/>
             <a:r>
-              <a:rPr lang="en-US" dirty="0"/>
+              <a:rPr lang="en-US" sz="1800"/>
               <a:t>Secure</a:t>
             </a:r>
           </a:p>
           <a:p>
             <a:pPr lvl="1"/>
             <a:r>
-              <a:rPr lang="en-US" dirty="0"/>
+              <a:rPr lang="en-US" sz="1800"/>
               <a:t>Agnostic or very close to agnostic</a:t>
             </a:r>
           </a:p>
           <a:p>
             <a:pPr lvl="1"/>
-            <a:endParaRPr lang="en-US" dirty="0"/>
+            <a:endParaRPr lang="en-US" sz="1800"/>
           </a:p>
         </p:txBody>
       </p:sp>
+      <p:sp>
+        <p:nvSpPr>
+          <p:cNvPr id="9" name="Freeform: Shape 8">
+            <a:extLst>
+              <a:ext uri="{FF2B5EF4-FFF2-40B4-BE49-F238E27FC236}">
+                <a16:creationId xmlns:a16="http://schemas.microsoft.com/office/drawing/2014/main" id="{4F74D28C-3268-4E35-8EE1-D92CB4A85A7D}"/>
+              </a:ext>
+              <a:ext uri="{C183D7F6-B498-43B3-948B-1728B52AA6E4}">
+                <adec:decorative xmlns:adec="http://schemas.microsoft.com/office/drawing/2017/decorative" val="1"/>
+              </a:ext>
+            </a:extLst>
+          </p:cNvPr>
+          <p:cNvSpPr>
+            <a:spLocks noGrp="1" noRot="1" noChangeAspect="1" noMove="1" noResize="1" noEditPoints="1" noAdjustHandles="1" noChangeArrowheads="1" noChangeShapeType="1" noTextEdit="1"/>
+          </p:cNvSpPr>
+          <p:nvPr>
+            <p:extLst>
+              <p:ext uri="{386F3935-93C4-4BCD-93E2-E3B085C9AB24}">
+                <p16:designElem xmlns:p16="http://schemas.microsoft.com/office/powerpoint/2015/main" val="1"/>
+              </p:ext>
+            </p:extLst>
+          </p:nvPr>
+        </p:nvSpPr>
+        <p:spPr>
+          <a:xfrm>
+            <a:off x="6019218" y="0"/>
+            <a:ext cx="6172782" cy="6858000"/>
+          </a:xfrm>
+          <a:custGeom>
+            <a:avLst/>
+            <a:gdLst>
+              <a:gd name="connsiteX0" fmla="*/ 6172782 w 6172782"/>
+              <a:gd name="connsiteY0" fmla="*/ 0 h 6858000"/>
+              <a:gd name="connsiteX1" fmla="*/ 69075 w 6172782"/>
+              <a:gd name="connsiteY1" fmla="*/ 0 h 6858000"/>
+              <a:gd name="connsiteX2" fmla="*/ 35131 w 6172782"/>
+              <a:gd name="connsiteY2" fmla="*/ 267128 h 6858000"/>
+              <a:gd name="connsiteX3" fmla="*/ 0 w 6172782"/>
+              <a:gd name="connsiteY3" fmla="*/ 962845 h 6858000"/>
+              <a:gd name="connsiteX4" fmla="*/ 3276103 w 6172782"/>
+              <a:gd name="connsiteY4" fmla="*/ 6782205 h 6858000"/>
+              <a:gd name="connsiteX5" fmla="*/ 3407923 w 6172782"/>
+              <a:gd name="connsiteY5" fmla="*/ 6858000 h 6858000"/>
+              <a:gd name="connsiteX6" fmla="*/ 6172782 w 6172782"/>
+              <a:gd name="connsiteY6" fmla="*/ 6858000 h 6858000"/>
+            </a:gdLst>
+            <a:ahLst/>
+            <a:cxnLst>
+              <a:cxn ang="0">
+                <a:pos x="connsiteX0" y="connsiteY0"/>
+              </a:cxn>
+              <a:cxn ang="0">
+                <a:pos x="connsiteX1" y="connsiteY1"/>
+              </a:cxn>
+              <a:cxn ang="0">
+                <a:pos x="connsiteX2" y="connsiteY2"/>
+              </a:cxn>
+              <a:cxn ang="0">
+                <a:pos x="connsiteX3" y="connsiteY3"/>
+              </a:cxn>
+              <a:cxn ang="0">
+                <a:pos x="connsiteX4" y="connsiteY4"/>
+              </a:cxn>
+              <a:cxn ang="0">
+                <a:pos x="connsiteX5" y="connsiteY5"/>
+              </a:cxn>
+              <a:cxn ang="0">
+                <a:pos x="connsiteX6" y="connsiteY6"/>
+              </a:cxn>
+            </a:cxnLst>
+            <a:rect l="l" t="t" r="r" b="b"/>
+            <a:pathLst>
+              <a:path w="6172782" h="6858000">
+                <a:moveTo>
+                  <a:pt x="6172782" y="0"/>
+                </a:moveTo>
+                <a:lnTo>
+                  <a:pt x="69075" y="0"/>
+                </a:lnTo>
+                <a:lnTo>
+                  <a:pt x="35131" y="267128"/>
+                </a:lnTo>
+                <a:cubicBezTo>
+                  <a:pt x="11901" y="495874"/>
+                  <a:pt x="0" y="727970"/>
+                  <a:pt x="0" y="962845"/>
+                </a:cubicBezTo>
+                <a:cubicBezTo>
+                  <a:pt x="0" y="3429034"/>
+                  <a:pt x="1312002" y="5588789"/>
+                  <a:pt x="3276103" y="6782205"/>
+                </a:cubicBezTo>
+                <a:lnTo>
+                  <a:pt x="3407923" y="6858000"/>
+                </a:lnTo>
+                <a:lnTo>
+                  <a:pt x="6172782" y="6858000"/>
+                </a:lnTo>
+                <a:close/>
+              </a:path>
+            </a:pathLst>
+          </a:custGeom>
+          <a:solidFill>
+            <a:srgbClr val="FFFFFF">
+              <a:alpha val="80000"/>
+            </a:srgbClr>
+          </a:solidFill>
+          <a:ln>
+            <a:noFill/>
+          </a:ln>
+        </p:spPr>
+        <p:style>
+          <a:lnRef idx="2">
+            <a:schemeClr val="accent1">
+              <a:shade val="50000"/>
+            </a:schemeClr>
+          </a:lnRef>
+          <a:fillRef idx="1">
+            <a:schemeClr val="accent1"/>
+          </a:fillRef>
+          <a:effectRef idx="0">
+            <a:schemeClr val="accent1"/>
+          </a:effectRef>
+          <a:fontRef idx="minor">
+            <a:schemeClr val="lt1"/>
+          </a:fontRef>
+        </p:style>
+        <p:txBody>
+          <a:bodyPr wrap="square" rtlCol="0" anchor="ctr">
+            <a:noAutofit/>
+          </a:bodyPr>
+          <a:lstStyle/>
+          <a:p>
+            <a:pPr marL="0" marR="0" lvl="0" indent="0" algn="ctr" defTabSz="914400" rtl="0" eaLnBrk="1" fontAlgn="auto" latinLnBrk="0" hangingPunct="1">
+              <a:lnSpc>
+                <a:spcPct val="100000"/>
+              </a:lnSpc>
+              <a:spcBef>
+                <a:spcPts val="0"/>
+              </a:spcBef>
+              <a:spcAft>
+                <a:spcPts val="0"/>
+              </a:spcAft>
+              <a:buClrTx/>
+              <a:buSzTx/>
+              <a:buFontTx/>
+              <a:buNone/>
+              <a:tabLst/>
+              <a:defRPr/>
+            </a:pPr>
+            <a:endParaRPr kumimoji="0" lang="en-US" sz="1800" b="0" i="0" u="none" strike="noStrike" kern="1200" cap="none" spc="0" normalizeH="0" baseline="0" noProof="0">
+              <a:ln>
+                <a:noFill/>
+              </a:ln>
+              <a:solidFill>
+                <a:prstClr val="white"/>
+              </a:solidFill>
+              <a:effectLst/>
+              <a:uLnTx/>
+              <a:uFillTx/>
+              <a:latin typeface="Calibri" panose="020F0502020204030204"/>
+              <a:ea typeface="+mn-ea"/>
+              <a:cs typeface="+mn-cs"/>
+            </a:endParaRPr>
+          </a:p>
+        </p:txBody>
+      </p:sp>
+      <p:pic>
+        <p:nvPicPr>
+          <p:cNvPr id="4" name="Picture 3" descr="A close up of a device&#10;&#10;Description automatically generated">
+            <a:extLst>
+              <a:ext uri="{FF2B5EF4-FFF2-40B4-BE49-F238E27FC236}">
+                <a16:creationId xmlns:a16="http://schemas.microsoft.com/office/drawing/2014/main" id="{A653E419-2D72-4FF3-A76F-E15DC7318833}"/>
+              </a:ext>
+            </a:extLst>
+          </p:cNvPr>
+          <p:cNvPicPr>
+            <a:picLocks noChangeAspect="1"/>
+          </p:cNvPicPr>
+          <p:nvPr/>
+        </p:nvPicPr>
+        <p:blipFill rotWithShape="1">
+          <a:blip r:embed="rId2">
+            <a:extLst>
+              <a:ext uri="{28A0092B-C50C-407E-A947-70E740481C1C}">
+                <a14:useLocalDpi xmlns:a14="http://schemas.microsoft.com/office/drawing/2010/main" val="0"/>
+              </a:ext>
+            </a:extLst>
+          </a:blip>
+          <a:srcRect l="22274" r="20410" b="1"/>
+          <a:stretch/>
+        </p:blipFill>
+        <p:spPr>
+          <a:xfrm>
+            <a:off x="6167846" y="10"/>
+            <a:ext cx="6024154" cy="6857990"/>
+          </a:xfrm>
+          <a:custGeom>
+            <a:avLst/>
+            <a:gdLst>
+              <a:gd name="connsiteX0" fmla="*/ 70374 w 6024154"/>
+              <a:gd name="connsiteY0" fmla="*/ 0 h 6858000"/>
+              <a:gd name="connsiteX1" fmla="*/ 6024154 w 6024154"/>
+              <a:gd name="connsiteY1" fmla="*/ 0 h 6858000"/>
+              <a:gd name="connsiteX2" fmla="*/ 6024154 w 6024154"/>
+              <a:gd name="connsiteY2" fmla="*/ 6858000 h 6858000"/>
+              <a:gd name="connsiteX3" fmla="*/ 3587167 w 6024154"/>
+              <a:gd name="connsiteY3" fmla="*/ 6858000 h 6858000"/>
+              <a:gd name="connsiteX4" fmla="*/ 3474220 w 6024154"/>
+              <a:gd name="connsiteY4" fmla="*/ 6800152 h 6858000"/>
+              <a:gd name="connsiteX5" fmla="*/ 0 w 6024154"/>
+              <a:gd name="connsiteY5" fmla="*/ 962844 h 6858000"/>
+              <a:gd name="connsiteX6" fmla="*/ 34274 w 6024154"/>
+              <a:gd name="connsiteY6" fmla="*/ 284091 h 6858000"/>
+            </a:gdLst>
+            <a:ahLst/>
+            <a:cxnLst>
+              <a:cxn ang="0">
+                <a:pos x="connsiteX0" y="connsiteY0"/>
+              </a:cxn>
+              <a:cxn ang="0">
+                <a:pos x="connsiteX1" y="connsiteY1"/>
+              </a:cxn>
+              <a:cxn ang="0">
+                <a:pos x="connsiteX2" y="connsiteY2"/>
+              </a:cxn>
+              <a:cxn ang="0">
+                <a:pos x="connsiteX3" y="connsiteY3"/>
+              </a:cxn>
+              <a:cxn ang="0">
+                <a:pos x="connsiteX4" y="connsiteY4"/>
+              </a:cxn>
+              <a:cxn ang="0">
+                <a:pos x="connsiteX5" y="connsiteY5"/>
+              </a:cxn>
+              <a:cxn ang="0">
+                <a:pos x="connsiteX6" y="connsiteY6"/>
+              </a:cxn>
+            </a:cxnLst>
+            <a:rect l="l" t="t" r="r" b="b"/>
+            <a:pathLst>
+              <a:path w="6024154" h="6858000">
+                <a:moveTo>
+                  <a:pt x="70374" y="0"/>
+                </a:moveTo>
+                <a:lnTo>
+                  <a:pt x="6024154" y="0"/>
+                </a:lnTo>
+                <a:lnTo>
+                  <a:pt x="6024154" y="6858000"/>
+                </a:lnTo>
+                <a:lnTo>
+                  <a:pt x="3587167" y="6858000"/>
+                </a:lnTo>
+                <a:lnTo>
+                  <a:pt x="3474220" y="6800152"/>
+                </a:lnTo>
+                <a:cubicBezTo>
+                  <a:pt x="1404818" y="5675986"/>
+                  <a:pt x="0" y="3483472"/>
+                  <a:pt x="0" y="962844"/>
+                </a:cubicBezTo>
+                <a:cubicBezTo>
+                  <a:pt x="0" y="733696"/>
+                  <a:pt x="11610" y="507260"/>
+                  <a:pt x="34274" y="284091"/>
+                </a:cubicBezTo>
+                <a:close/>
+              </a:path>
+            </a:pathLst>
+          </a:custGeom>
+        </p:spPr>
+      </p:pic>
     </p:spTree>
     <p:extLst>
       <p:ext uri="{BB962C8B-B14F-4D97-AF65-F5344CB8AC3E}">
@@ -8714,12 +11148,12 @@
     </p:extLst>
   </p:cSld>
   <p:clrMapOvr>
-    <a:masterClrMapping/>
+    <a:overrideClrMapping bg1="dk1" tx1="lt1" bg2="dk2" tx2="lt2" accent1="accent1" accent2="accent2" accent3="accent3" accent4="accent4" accent5="accent5" accent6="accent6" hlink="hlink" folHlink="folHlink"/>
   </p:clrMapOvr>
 </p:sld>
 </file>
 
-<file path=ppt/slides/slide7.xml><?xml version="1.0" encoding="utf-8"?>
+<file path=ppt/slides/slide9.xml><?xml version="1.0" encoding="utf-8"?>
 <p:sld xmlns:a="http://schemas.openxmlformats.org/drawingml/2006/main" xmlns:r="http://schemas.openxmlformats.org/officeDocument/2006/relationships" xmlns:p="http://schemas.openxmlformats.org/presentationml/2006/main">
   <p:cSld>
     <p:bg>
@@ -8746,10 +11180,172 @@
       </p:grpSpPr>
       <p:sp>
         <p:nvSpPr>
+          <p:cNvPr id="10" name="Rectangle 9">
+            <a:extLst>
+              <a:ext uri="{FF2B5EF4-FFF2-40B4-BE49-F238E27FC236}">
+                <a16:creationId xmlns:a16="http://schemas.microsoft.com/office/drawing/2014/main" id="{6753252F-4873-4F63-801D-CC719279A7D5}"/>
+              </a:ext>
+              <a:ext uri="{C183D7F6-B498-43B3-948B-1728B52AA6E4}">
+                <adec:decorative xmlns:adec="http://schemas.microsoft.com/office/drawing/2017/decorative" val="1"/>
+              </a:ext>
+            </a:extLst>
+          </p:cNvPr>
+          <p:cNvSpPr>
+            <a:spLocks noGrp="1" noRot="1" noChangeAspect="1" noMove="1" noResize="1" noEditPoints="1" noAdjustHandles="1" noChangeArrowheads="1" noChangeShapeType="1" noTextEdit="1"/>
+          </p:cNvSpPr>
+          <p:nvPr>
+            <p:extLst>
+              <p:ext uri="{386F3935-93C4-4BCD-93E2-E3B085C9AB24}">
+                <p16:designElem xmlns:p16="http://schemas.microsoft.com/office/powerpoint/2015/main" val="1"/>
+              </p:ext>
+            </p:extLst>
+          </p:nvPr>
+        </p:nvSpPr>
+        <p:spPr>
+          <a:xfrm>
+            <a:off x="0" y="0"/>
+            <a:ext cx="12192000" cy="6858000"/>
+          </a:xfrm>
+          <a:prstGeom prst="rect">
+            <a:avLst/>
+          </a:prstGeom>
+          <a:solidFill>
+            <a:srgbClr val="FFFFFF"/>
+          </a:solidFill>
+          <a:ln>
+            <a:noFill/>
+          </a:ln>
+        </p:spPr>
+        <p:style>
+          <a:lnRef idx="2">
+            <a:schemeClr val="accent1">
+              <a:shade val="50000"/>
+            </a:schemeClr>
+          </a:lnRef>
+          <a:fillRef idx="1">
+            <a:schemeClr val="accent1"/>
+          </a:fillRef>
+          <a:effectRef idx="0">
+            <a:schemeClr val="accent1"/>
+          </a:effectRef>
+          <a:fontRef idx="minor">
+            <a:schemeClr val="lt1"/>
+          </a:fontRef>
+        </p:style>
+        <p:txBody>
+          <a:bodyPr rtlCol="0" anchor="ctr"/>
+          <a:lstStyle/>
+          <a:p>
+            <a:pPr algn="ctr"/>
+            <a:endParaRPr lang="en-US"/>
+          </a:p>
+        </p:txBody>
+      </p:sp>
+      <p:sp>
+        <p:nvSpPr>
+          <p:cNvPr id="15" name="Rectangle 11">
+            <a:extLst>
+              <a:ext uri="{FF2B5EF4-FFF2-40B4-BE49-F238E27FC236}">
+                <a16:creationId xmlns:a16="http://schemas.microsoft.com/office/drawing/2014/main" id="{047C8CCB-F95D-4249-92DD-651249D3535A}"/>
+              </a:ext>
+              <a:ext uri="{C183D7F6-B498-43B3-948B-1728B52AA6E4}">
+                <adec:decorative xmlns:adec="http://schemas.microsoft.com/office/drawing/2017/decorative" val="1"/>
+              </a:ext>
+            </a:extLst>
+          </p:cNvPr>
+          <p:cNvSpPr>
+            <a:spLocks noGrp="1" noRot="1" noChangeAspect="1" noMove="1" noResize="1" noEditPoints="1" noAdjustHandles="1" noChangeArrowheads="1" noChangeShapeType="1" noTextEdit="1"/>
+          </p:cNvSpPr>
+          <p:nvPr>
+            <p:extLst>
+              <p:ext uri="{386F3935-93C4-4BCD-93E2-E3B085C9AB24}">
+                <p16:designElem xmlns:p16="http://schemas.microsoft.com/office/powerpoint/2015/main" val="1"/>
+              </p:ext>
+            </p:extLst>
+          </p:nvPr>
+        </p:nvSpPr>
+        <p:spPr>
+          <a:xfrm>
+            <a:off x="0" y="0"/>
+            <a:ext cx="2013557" cy="6858000"/>
+          </a:xfrm>
+          <a:prstGeom prst="rect">
+            <a:avLst/>
+          </a:prstGeom>
+          <a:solidFill>
+            <a:srgbClr val="435D7B"/>
+          </a:solidFill>
+          <a:ln>
+            <a:noFill/>
+          </a:ln>
+        </p:spPr>
+        <p:style>
+          <a:lnRef idx="2">
+            <a:schemeClr val="accent1">
+              <a:shade val="50000"/>
+            </a:schemeClr>
+          </a:lnRef>
+          <a:fillRef idx="1">
+            <a:schemeClr val="accent1"/>
+          </a:fillRef>
+          <a:effectRef idx="0">
+            <a:schemeClr val="accent1"/>
+          </a:effectRef>
+          <a:fontRef idx="minor">
+            <a:schemeClr val="lt1"/>
+          </a:fontRef>
+        </p:style>
+        <p:txBody>
+          <a:bodyPr rtlCol="0" anchor="ctr"/>
+          <a:lstStyle/>
+          <a:p>
+            <a:pPr algn="ctr"/>
+            <a:endParaRPr lang="en-US"/>
+          </a:p>
+        </p:txBody>
+      </p:sp>
+      <p:pic>
+        <p:nvPicPr>
+          <p:cNvPr id="5" name="Picture 4" descr="A close up of a sign&#10;&#10;Description automatically generated">
+            <a:extLst>
+              <a:ext uri="{FF2B5EF4-FFF2-40B4-BE49-F238E27FC236}">
+                <a16:creationId xmlns:a16="http://schemas.microsoft.com/office/drawing/2014/main" id="{F947E86C-78B3-4201-971E-8DBC568110F1}"/>
+              </a:ext>
+            </a:extLst>
+          </p:cNvPr>
+          <p:cNvPicPr>
+            <a:picLocks noChangeAspect="1"/>
+          </p:cNvPicPr>
+          <p:nvPr/>
+        </p:nvPicPr>
+        <p:blipFill>
+          <a:blip r:embed="rId2">
+            <a:extLst>
+              <a:ext uri="{28A0092B-C50C-407E-A947-70E740481C1C}">
+                <a14:useLocalDpi xmlns:a14="http://schemas.microsoft.com/office/drawing/2010/main" val="0"/>
+              </a:ext>
+            </a:extLst>
+          </a:blip>
+          <a:stretch>
+            <a:fillRect/>
+          </a:stretch>
+        </p:blipFill>
+        <p:spPr>
+          <a:xfrm>
+            <a:off x="3058511" y="258862"/>
+            <a:ext cx="7677806" cy="6340275"/>
+          </a:xfrm>
+          <a:prstGeom prst="rect">
+            <a:avLst/>
+          </a:prstGeom>
+        </p:spPr>
+      </p:pic>
+      <p:sp>
+        <p:nvSpPr>
           <p:cNvPr id="2" name="Title 1">
             <a:extLst>
               <a:ext uri="{FF2B5EF4-FFF2-40B4-BE49-F238E27FC236}">
-                <a16:creationId xmlns:a16="http://schemas.microsoft.com/office/drawing/2014/main" id="{CFF222A1-21C4-491E-8B5A-84BD5FC9650A}"/>
+                <a16:creationId xmlns:a16="http://schemas.microsoft.com/office/drawing/2014/main" id="{9EB47BE4-BD7C-4F3D-B3B2-4C772A90373B}"/>
               </a:ext>
             </a:extLst>
           </p:cNvPr>
@@ -8762,208 +11358,38 @@
         </p:nvSpPr>
         <p:spPr>
           <a:xfrm>
-            <a:off x="838200" y="365125"/>
-            <a:ext cx="10515600" cy="1325563"/>
+            <a:off x="640080" y="2074363"/>
+            <a:ext cx="2752354" cy="2709275"/>
           </a:xfrm>
+          <a:prstGeom prst="ellipse">
+            <a:avLst/>
+          </a:prstGeom>
+          <a:solidFill>
+            <a:srgbClr val="262626"/>
+          </a:solidFill>
+          <a:ln w="174625" cmpd="thinThick">
+            <a:solidFill>
+              <a:srgbClr val="262626"/>
+            </a:solidFill>
+          </a:ln>
         </p:spPr>
         <p:txBody>
-          <a:bodyPr>
+          <a:bodyPr vert="horz" lIns="91440" tIns="45720" rIns="91440" bIns="45720" rtlCol="0" anchor="ctr">
             <a:normAutofit/>
           </a:bodyPr>
           <a:lstStyle/>
           <a:p>
+            <a:pPr algn="ctr"/>
             <a:r>
-              <a:rPr lang="en-US" sz="4400"/>
-              <a:t>Challenges</a:t>
-            </a:r>
-          </a:p>
-        </p:txBody>
-      </p:sp>
-      <p:graphicFrame>
-        <p:nvGraphicFramePr>
-          <p:cNvPr id="5" name="Content Placeholder 2">
-            <a:extLst>
-              <a:ext uri="{FF2B5EF4-FFF2-40B4-BE49-F238E27FC236}">
-                <a16:creationId xmlns:a16="http://schemas.microsoft.com/office/drawing/2014/main" id="{FBAA01D9-B8D2-4CD3-9AEA-A7D30AB8FB9E}"/>
-              </a:ext>
-            </a:extLst>
-          </p:cNvPr>
-          <p:cNvGraphicFramePr>
-            <a:graphicFrameLocks noGrp="1"/>
-          </p:cNvGraphicFramePr>
-          <p:nvPr>
-            <p:ph idx="1"/>
-            <p:extLst>
-              <p:ext uri="{D42A27DB-BD31-4B8C-83A1-F6EECF244321}">
-                <p14:modId xmlns:p14="http://schemas.microsoft.com/office/powerpoint/2010/main" val="1218156641"/>
-              </p:ext>
-            </p:extLst>
-          </p:nvPr>
-        </p:nvGraphicFramePr>
-        <p:xfrm>
-          <a:off x="838200" y="1825625"/>
-          <a:ext cx="10515600" cy="4351338"/>
-        </p:xfrm>
-        <a:graphic>
-          <a:graphicData uri="http://schemas.openxmlformats.org/drawingml/2006/diagram">
-            <dgm:relIds xmlns:dgm="http://schemas.openxmlformats.org/drawingml/2006/diagram" xmlns:r="http://schemas.openxmlformats.org/officeDocument/2006/relationships" r:dm="rId2" r:lo="rId3" r:qs="rId4" r:cs="rId5"/>
-          </a:graphicData>
-        </a:graphic>
-      </p:graphicFrame>
-    </p:spTree>
-    <p:extLst>
-      <p:ext uri="{BB962C8B-B14F-4D97-AF65-F5344CB8AC3E}">
-        <p14:creationId xmlns:p14="http://schemas.microsoft.com/office/powerpoint/2010/main" val="2904601802"/>
-      </p:ext>
-    </p:extLst>
-  </p:cSld>
-  <p:clrMapOvr>
-    <a:masterClrMapping/>
-  </p:clrMapOvr>
-</p:sld>
-</file>
-
-<file path=ppt/slides/slide8.xml><?xml version="1.0" encoding="utf-8"?>
-<p:sld xmlns:a="http://schemas.openxmlformats.org/drawingml/2006/main" xmlns:r="http://schemas.openxmlformats.org/officeDocument/2006/relationships" xmlns:p="http://schemas.openxmlformats.org/presentationml/2006/main">
-  <p:cSld>
-    <p:spTree>
-      <p:nvGrpSpPr>
-        <p:cNvPr id="1" name=""/>
-        <p:cNvGrpSpPr/>
-        <p:nvPr/>
-      </p:nvGrpSpPr>
-      <p:grpSpPr>
-        <a:xfrm>
-          <a:off x="0" y="0"/>
-          <a:ext cx="0" cy="0"/>
-          <a:chOff x="0" y="0"/>
-          <a:chExt cx="0" cy="0"/>
-        </a:xfrm>
-      </p:grpSpPr>
-      <p:sp>
-        <p:nvSpPr>
-          <p:cNvPr id="2" name="Title 1">
-            <a:extLst>
-              <a:ext uri="{FF2B5EF4-FFF2-40B4-BE49-F238E27FC236}">
-                <a16:creationId xmlns:a16="http://schemas.microsoft.com/office/drawing/2014/main" id="{E41BF7D0-C727-4307-B974-A212A7B68AB8}"/>
-              </a:ext>
-            </a:extLst>
-          </p:cNvPr>
-          <p:cNvSpPr>
-            <a:spLocks noGrp="1"/>
-          </p:cNvSpPr>
-          <p:nvPr>
-            <p:ph type="title"/>
-          </p:nvPr>
-        </p:nvSpPr>
-        <p:spPr/>
-        <p:txBody>
-          <a:bodyPr/>
-          <a:lstStyle/>
-          <a:p>
-            <a:r>
-              <a:rPr lang="en-US" dirty="0"/>
-              <a:t>High-level view: Big Data project</a:t>
-            </a:r>
-          </a:p>
-        </p:txBody>
-      </p:sp>
-    </p:spTree>
-    <p:extLst>
-      <p:ext uri="{BB962C8B-B14F-4D97-AF65-F5344CB8AC3E}">
-        <p14:creationId xmlns:p14="http://schemas.microsoft.com/office/powerpoint/2010/main" val="2645257687"/>
-      </p:ext>
-    </p:extLst>
-  </p:cSld>
-  <p:clrMapOvr>
-    <a:masterClrMapping/>
-  </p:clrMapOvr>
-</p:sld>
-</file>
-
-<file path=ppt/slides/slide9.xml><?xml version="1.0" encoding="utf-8"?>
-<p:sld xmlns:a="http://schemas.openxmlformats.org/drawingml/2006/main" xmlns:r="http://schemas.openxmlformats.org/officeDocument/2006/relationships" xmlns:p="http://schemas.openxmlformats.org/presentationml/2006/main">
-  <p:cSld>
-    <p:spTree>
-      <p:nvGrpSpPr>
-        <p:cNvPr id="1" name=""/>
-        <p:cNvGrpSpPr/>
-        <p:nvPr/>
-      </p:nvGrpSpPr>
-      <p:grpSpPr>
-        <a:xfrm>
-          <a:off x="0" y="0"/>
-          <a:ext cx="0" cy="0"/>
-          <a:chOff x="0" y="0"/>
-          <a:chExt cx="0" cy="0"/>
-        </a:xfrm>
-      </p:grpSpPr>
-      <p:sp>
-        <p:nvSpPr>
-          <p:cNvPr id="2" name="Title 1">
-            <a:extLst>
-              <a:ext uri="{FF2B5EF4-FFF2-40B4-BE49-F238E27FC236}">
-                <a16:creationId xmlns:a16="http://schemas.microsoft.com/office/drawing/2014/main" id="{9EB47BE4-BD7C-4F3D-B3B2-4C772A90373B}"/>
-              </a:ext>
-            </a:extLst>
-          </p:cNvPr>
-          <p:cNvSpPr>
-            <a:spLocks noGrp="1"/>
-          </p:cNvSpPr>
-          <p:nvPr>
-            <p:ph type="title"/>
-          </p:nvPr>
-        </p:nvSpPr>
-        <p:spPr/>
-        <p:txBody>
-          <a:bodyPr/>
-          <a:lstStyle/>
-          <a:p>
-            <a:r>
-              <a:rPr lang="en-US" dirty="0"/>
-              <a:t>New tools and techniques</a:t>
-            </a:r>
-          </a:p>
-        </p:txBody>
-      </p:sp>
-      <p:sp>
-        <p:nvSpPr>
-          <p:cNvPr id="3" name="Content Placeholder 2">
-            <a:extLst>
-              <a:ext uri="{FF2B5EF4-FFF2-40B4-BE49-F238E27FC236}">
-                <a16:creationId xmlns:a16="http://schemas.microsoft.com/office/drawing/2014/main" id="{61EBB655-33DD-4B62-94FE-955BA5E184FF}"/>
-              </a:ext>
-            </a:extLst>
-          </p:cNvPr>
-          <p:cNvSpPr>
-            <a:spLocks noGrp="1"/>
-          </p:cNvSpPr>
-          <p:nvPr>
-            <p:ph idx="1"/>
-          </p:nvPr>
-        </p:nvSpPr>
-        <p:spPr/>
-        <p:txBody>
-          <a:bodyPr/>
-          <a:lstStyle/>
-          <a:p>
-            <a:r>
-              <a:rPr lang="en-US" dirty="0"/>
-              <a:t>Collaborative Data Science as approach to auditing</a:t>
-            </a:r>
-          </a:p>
-          <a:p>
-            <a:pPr lvl="1"/>
-            <a:r>
-              <a:rPr lang="en-US" dirty="0"/>
-              <a:t>Fraud detection using Databricks</a:t>
-            </a:r>
-          </a:p>
-          <a:p>
-            <a:pPr lvl="1"/>
-            <a:r>
-              <a:rPr lang="en-US" dirty="0"/>
-              <a:t>Revision and access control of Notebooks with Git</a:t>
+              <a:rPr lang="en-US" sz="2600" kern="1200">
+                <a:solidFill>
+                  <a:srgbClr val="FFFFFF"/>
+                </a:solidFill>
+                <a:latin typeface="+mj-lt"/>
+                <a:ea typeface="+mj-ea"/>
+                <a:cs typeface="+mj-cs"/>
+              </a:rPr>
+              <a:t>Scenario based discussion</a:t>
             </a:r>
           </a:p>
         </p:txBody>

--- a/slides/Presentation for Auditors.pptx
+++ b/slides/Presentation for Auditors.pptx
@@ -11,11 +11,14 @@
     <p:sldId id="264" r:id="rId5"/>
     <p:sldId id="266" r:id="rId6"/>
     <p:sldId id="267" r:id="rId7"/>
-    <p:sldId id="263" r:id="rId8"/>
-    <p:sldId id="262" r:id="rId9"/>
-    <p:sldId id="258" r:id="rId10"/>
-    <p:sldId id="259" r:id="rId11"/>
-    <p:sldId id="260" r:id="rId12"/>
+    <p:sldId id="270" r:id="rId8"/>
+    <p:sldId id="263" r:id="rId9"/>
+    <p:sldId id="262" r:id="rId10"/>
+    <p:sldId id="258" r:id="rId11"/>
+    <p:sldId id="268" r:id="rId12"/>
+    <p:sldId id="269" r:id="rId13"/>
+    <p:sldId id="259" r:id="rId14"/>
+    <p:sldId id="260" r:id="rId15"/>
   </p:sldIdLst>
   <p:sldSz cx="12192000" cy="6858000"/>
   <p:notesSz cx="6858000" cy="9144000"/>
@@ -125,9 +128,12 @@
             <p14:sldId id="264"/>
             <p14:sldId id="266"/>
             <p14:sldId id="267"/>
+            <p14:sldId id="270"/>
             <p14:sldId id="263"/>
             <p14:sldId id="262"/>
             <p14:sldId id="258"/>
+            <p14:sldId id="268"/>
+            <p14:sldId id="269"/>
           </p14:sldIdLst>
         </p14:section>
         <p14:section name="Work in progress slides" id="{9A69C85F-1E3D-4567-A245-B358795D5B2C}">
@@ -7715,6 +7721,510 @@
       </p:grpSpPr>
       <p:sp>
         <p:nvSpPr>
+          <p:cNvPr id="10" name="Rectangle 9">
+            <a:extLst>
+              <a:ext uri="{FF2B5EF4-FFF2-40B4-BE49-F238E27FC236}">
+                <a16:creationId xmlns:a16="http://schemas.microsoft.com/office/drawing/2014/main" id="{6753252F-4873-4F63-801D-CC719279A7D5}"/>
+              </a:ext>
+              <a:ext uri="{C183D7F6-B498-43B3-948B-1728B52AA6E4}">
+                <adec:decorative xmlns:adec="http://schemas.microsoft.com/office/drawing/2017/decorative" val="1"/>
+              </a:ext>
+            </a:extLst>
+          </p:cNvPr>
+          <p:cNvSpPr>
+            <a:spLocks noGrp="1" noRot="1" noChangeAspect="1" noMove="1" noResize="1" noEditPoints="1" noAdjustHandles="1" noChangeArrowheads="1" noChangeShapeType="1" noTextEdit="1"/>
+          </p:cNvSpPr>
+          <p:nvPr>
+            <p:extLst>
+              <p:ext uri="{386F3935-93C4-4BCD-93E2-E3B085C9AB24}">
+                <p16:designElem xmlns:p16="http://schemas.microsoft.com/office/powerpoint/2015/main" val="1"/>
+              </p:ext>
+            </p:extLst>
+          </p:nvPr>
+        </p:nvSpPr>
+        <p:spPr>
+          <a:xfrm>
+            <a:off x="0" y="0"/>
+            <a:ext cx="12192000" cy="6858000"/>
+          </a:xfrm>
+          <a:prstGeom prst="rect">
+            <a:avLst/>
+          </a:prstGeom>
+          <a:solidFill>
+            <a:srgbClr val="FFFFFF"/>
+          </a:solidFill>
+          <a:ln>
+            <a:noFill/>
+          </a:ln>
+        </p:spPr>
+        <p:style>
+          <a:lnRef idx="2">
+            <a:schemeClr val="accent1">
+              <a:shade val="50000"/>
+            </a:schemeClr>
+          </a:lnRef>
+          <a:fillRef idx="1">
+            <a:schemeClr val="accent1"/>
+          </a:fillRef>
+          <a:effectRef idx="0">
+            <a:schemeClr val="accent1"/>
+          </a:effectRef>
+          <a:fontRef idx="minor">
+            <a:schemeClr val="lt1"/>
+          </a:fontRef>
+        </p:style>
+        <p:txBody>
+          <a:bodyPr rtlCol="0" anchor="ctr"/>
+          <a:lstStyle/>
+          <a:p>
+            <a:pPr algn="ctr"/>
+            <a:endParaRPr lang="en-US"/>
+          </a:p>
+        </p:txBody>
+      </p:sp>
+      <p:sp>
+        <p:nvSpPr>
+          <p:cNvPr id="15" name="Rectangle 11">
+            <a:extLst>
+              <a:ext uri="{FF2B5EF4-FFF2-40B4-BE49-F238E27FC236}">
+                <a16:creationId xmlns:a16="http://schemas.microsoft.com/office/drawing/2014/main" id="{047C8CCB-F95D-4249-92DD-651249D3535A}"/>
+              </a:ext>
+              <a:ext uri="{C183D7F6-B498-43B3-948B-1728B52AA6E4}">
+                <adec:decorative xmlns:adec="http://schemas.microsoft.com/office/drawing/2017/decorative" val="1"/>
+              </a:ext>
+            </a:extLst>
+          </p:cNvPr>
+          <p:cNvSpPr>
+            <a:spLocks noGrp="1" noRot="1" noChangeAspect="1" noMove="1" noResize="1" noEditPoints="1" noAdjustHandles="1" noChangeArrowheads="1" noChangeShapeType="1" noTextEdit="1"/>
+          </p:cNvSpPr>
+          <p:nvPr>
+            <p:extLst>
+              <p:ext uri="{386F3935-93C4-4BCD-93E2-E3B085C9AB24}">
+                <p16:designElem xmlns:p16="http://schemas.microsoft.com/office/powerpoint/2015/main" val="1"/>
+              </p:ext>
+            </p:extLst>
+          </p:nvPr>
+        </p:nvSpPr>
+        <p:spPr>
+          <a:xfrm>
+            <a:off x="0" y="0"/>
+            <a:ext cx="2013557" cy="6858000"/>
+          </a:xfrm>
+          <a:prstGeom prst="rect">
+            <a:avLst/>
+          </a:prstGeom>
+          <a:solidFill>
+            <a:srgbClr val="435D7B"/>
+          </a:solidFill>
+          <a:ln>
+            <a:noFill/>
+          </a:ln>
+        </p:spPr>
+        <p:style>
+          <a:lnRef idx="2">
+            <a:schemeClr val="accent1">
+              <a:shade val="50000"/>
+            </a:schemeClr>
+          </a:lnRef>
+          <a:fillRef idx="1">
+            <a:schemeClr val="accent1"/>
+          </a:fillRef>
+          <a:effectRef idx="0">
+            <a:schemeClr val="accent1"/>
+          </a:effectRef>
+          <a:fontRef idx="minor">
+            <a:schemeClr val="lt1"/>
+          </a:fontRef>
+        </p:style>
+        <p:txBody>
+          <a:bodyPr rtlCol="0" anchor="ctr"/>
+          <a:lstStyle/>
+          <a:p>
+            <a:pPr algn="ctr"/>
+            <a:endParaRPr lang="en-US"/>
+          </a:p>
+        </p:txBody>
+      </p:sp>
+      <p:pic>
+        <p:nvPicPr>
+          <p:cNvPr id="5" name="Picture 4" descr="A close up of a sign&#10;&#10;Description automatically generated">
+            <a:extLst>
+              <a:ext uri="{FF2B5EF4-FFF2-40B4-BE49-F238E27FC236}">
+                <a16:creationId xmlns:a16="http://schemas.microsoft.com/office/drawing/2014/main" id="{F947E86C-78B3-4201-971E-8DBC568110F1}"/>
+              </a:ext>
+            </a:extLst>
+          </p:cNvPr>
+          <p:cNvPicPr>
+            <a:picLocks noChangeAspect="1"/>
+          </p:cNvPicPr>
+          <p:nvPr/>
+        </p:nvPicPr>
+        <p:blipFill>
+          <a:blip r:embed="rId2">
+            <a:extLst>
+              <a:ext uri="{28A0092B-C50C-407E-A947-70E740481C1C}">
+                <a14:useLocalDpi xmlns:a14="http://schemas.microsoft.com/office/drawing/2010/main" val="0"/>
+              </a:ext>
+            </a:extLst>
+          </a:blip>
+          <a:stretch>
+            <a:fillRect/>
+          </a:stretch>
+        </p:blipFill>
+        <p:spPr>
+          <a:xfrm>
+            <a:off x="3058511" y="258862"/>
+            <a:ext cx="7677806" cy="6340275"/>
+          </a:xfrm>
+          <a:prstGeom prst="rect">
+            <a:avLst/>
+          </a:prstGeom>
+        </p:spPr>
+      </p:pic>
+      <p:sp>
+        <p:nvSpPr>
+          <p:cNvPr id="2" name="Title 1">
+            <a:extLst>
+              <a:ext uri="{FF2B5EF4-FFF2-40B4-BE49-F238E27FC236}">
+                <a16:creationId xmlns:a16="http://schemas.microsoft.com/office/drawing/2014/main" id="{9EB47BE4-BD7C-4F3D-B3B2-4C772A90373B}"/>
+              </a:ext>
+            </a:extLst>
+          </p:cNvPr>
+          <p:cNvSpPr>
+            <a:spLocks noGrp="1"/>
+          </p:cNvSpPr>
+          <p:nvPr>
+            <p:ph type="title"/>
+          </p:nvPr>
+        </p:nvSpPr>
+        <p:spPr>
+          <a:xfrm>
+            <a:off x="640080" y="2074363"/>
+            <a:ext cx="2752354" cy="2709275"/>
+          </a:xfrm>
+          <a:prstGeom prst="ellipse">
+            <a:avLst/>
+          </a:prstGeom>
+          <a:solidFill>
+            <a:srgbClr val="262626"/>
+          </a:solidFill>
+          <a:ln w="174625" cmpd="thinThick">
+            <a:solidFill>
+              <a:srgbClr val="262626"/>
+            </a:solidFill>
+          </a:ln>
+        </p:spPr>
+        <p:txBody>
+          <a:bodyPr vert="horz" lIns="91440" tIns="45720" rIns="91440" bIns="45720" rtlCol="0" anchor="ctr">
+            <a:normAutofit/>
+          </a:bodyPr>
+          <a:lstStyle/>
+          <a:p>
+            <a:pPr algn="ctr"/>
+            <a:r>
+              <a:rPr lang="en-US" sz="2600" kern="1200">
+                <a:solidFill>
+                  <a:srgbClr val="FFFFFF"/>
+                </a:solidFill>
+                <a:latin typeface="+mj-lt"/>
+                <a:ea typeface="+mj-ea"/>
+                <a:cs typeface="+mj-cs"/>
+              </a:rPr>
+              <a:t>Scenario based discussion</a:t>
+            </a:r>
+          </a:p>
+        </p:txBody>
+      </p:sp>
+    </p:spTree>
+    <p:extLst>
+      <p:ext uri="{BB962C8B-B14F-4D97-AF65-F5344CB8AC3E}">
+        <p14:creationId xmlns:p14="http://schemas.microsoft.com/office/powerpoint/2010/main" val="2364114090"/>
+      </p:ext>
+    </p:extLst>
+  </p:cSld>
+  <p:clrMapOvr>
+    <a:masterClrMapping/>
+  </p:clrMapOvr>
+</p:sld>
+</file>
+
+<file path=ppt/slides/slide11.xml><?xml version="1.0" encoding="utf-8"?>
+<p:sld xmlns:a="http://schemas.openxmlformats.org/drawingml/2006/main" xmlns:r="http://schemas.openxmlformats.org/officeDocument/2006/relationships" xmlns:p="http://schemas.openxmlformats.org/presentationml/2006/main">
+  <p:cSld>
+    <p:spTree>
+      <p:nvGrpSpPr>
+        <p:cNvPr id="1" name=""/>
+        <p:cNvGrpSpPr/>
+        <p:nvPr/>
+      </p:nvGrpSpPr>
+      <p:grpSpPr>
+        <a:xfrm>
+          <a:off x="0" y="0"/>
+          <a:ext cx="0" cy="0"/>
+          <a:chOff x="0" y="0"/>
+          <a:chExt cx="0" cy="0"/>
+        </a:xfrm>
+      </p:grpSpPr>
+      <p:sp>
+        <p:nvSpPr>
+          <p:cNvPr id="2" name="Title 1">
+            <a:extLst>
+              <a:ext uri="{FF2B5EF4-FFF2-40B4-BE49-F238E27FC236}">
+                <a16:creationId xmlns:a16="http://schemas.microsoft.com/office/drawing/2014/main" id="{2B5CBB85-1AB0-4A2B-8281-35F4860834F9}"/>
+              </a:ext>
+            </a:extLst>
+          </p:cNvPr>
+          <p:cNvSpPr>
+            <a:spLocks noGrp="1"/>
+          </p:cNvSpPr>
+          <p:nvPr>
+            <p:ph type="title"/>
+          </p:nvPr>
+        </p:nvSpPr>
+        <p:spPr/>
+        <p:txBody>
+          <a:bodyPr/>
+          <a:lstStyle/>
+          <a:p>
+            <a:r>
+              <a:rPr lang="en-US" dirty="0"/>
+              <a:t>Resources</a:t>
+            </a:r>
+          </a:p>
+        </p:txBody>
+      </p:sp>
+      <p:sp>
+        <p:nvSpPr>
+          <p:cNvPr id="3" name="Content Placeholder 2">
+            <a:extLst>
+              <a:ext uri="{FF2B5EF4-FFF2-40B4-BE49-F238E27FC236}">
+                <a16:creationId xmlns:a16="http://schemas.microsoft.com/office/drawing/2014/main" id="{BB5EBC91-F5E0-4A53-BF27-72ED1A19B837}"/>
+              </a:ext>
+            </a:extLst>
+          </p:cNvPr>
+          <p:cNvSpPr>
+            <a:spLocks noGrp="1"/>
+          </p:cNvSpPr>
+          <p:nvPr>
+            <p:ph idx="1"/>
+          </p:nvPr>
+        </p:nvSpPr>
+        <p:spPr/>
+        <p:txBody>
+          <a:bodyPr/>
+          <a:lstStyle/>
+          <a:p>
+            <a:r>
+              <a:rPr lang="en-US" dirty="0">
+                <a:hlinkClick r:id="rId2"/>
+              </a:rPr>
+              <a:t>Microsoft Learn</a:t>
+            </a:r>
+            <a:endParaRPr lang="en-US" dirty="0"/>
+          </a:p>
+          <a:p>
+            <a:r>
+              <a:rPr lang="en-US" dirty="0"/>
+              <a:t>AZ-900: Azure Fundamentals</a:t>
+            </a:r>
+          </a:p>
+          <a:p>
+            <a:r>
+              <a:rPr lang="en-US" dirty="0"/>
+              <a:t>DP-200/DP201: Data Engineering and Data Architecture</a:t>
+            </a:r>
+          </a:p>
+          <a:p>
+            <a:r>
+              <a:rPr lang="en-US" dirty="0"/>
+              <a:t>AZ-400: Azure DevOps</a:t>
+            </a:r>
+          </a:p>
+          <a:p>
+            <a:r>
+              <a:rPr lang="en-US" dirty="0"/>
+              <a:t>AI-100: Introduction to Artificial Intelligence and Machine Learning</a:t>
+            </a:r>
+          </a:p>
+          <a:p>
+            <a:r>
+              <a:rPr lang="en-US" dirty="0">
+                <a:hlinkClick r:id="rId3"/>
+              </a:rPr>
+              <a:t>Cloud Skills Challenge Contest</a:t>
+            </a:r>
+            <a:endParaRPr lang="en-US" dirty="0"/>
+          </a:p>
+        </p:txBody>
+      </p:sp>
+    </p:spTree>
+    <p:extLst>
+      <p:ext uri="{BB962C8B-B14F-4D97-AF65-F5344CB8AC3E}">
+        <p14:creationId xmlns:p14="http://schemas.microsoft.com/office/powerpoint/2010/main" val="1508845797"/>
+      </p:ext>
+    </p:extLst>
+  </p:cSld>
+  <p:clrMapOvr>
+    <a:masterClrMapping/>
+  </p:clrMapOvr>
+</p:sld>
+</file>
+
+<file path=ppt/slides/slide12.xml><?xml version="1.0" encoding="utf-8"?>
+<p:sld xmlns:a="http://schemas.openxmlformats.org/drawingml/2006/main" xmlns:r="http://schemas.openxmlformats.org/officeDocument/2006/relationships" xmlns:p="http://schemas.openxmlformats.org/presentationml/2006/main">
+  <p:cSld>
+    <p:spTree>
+      <p:nvGrpSpPr>
+        <p:cNvPr id="1" name=""/>
+        <p:cNvGrpSpPr/>
+        <p:nvPr/>
+      </p:nvGrpSpPr>
+      <p:grpSpPr>
+        <a:xfrm>
+          <a:off x="0" y="0"/>
+          <a:ext cx="0" cy="0"/>
+          <a:chOff x="0" y="0"/>
+          <a:chExt cx="0" cy="0"/>
+        </a:xfrm>
+      </p:grpSpPr>
+      <p:sp>
+        <p:nvSpPr>
+          <p:cNvPr id="2" name="Title 1">
+            <a:extLst>
+              <a:ext uri="{FF2B5EF4-FFF2-40B4-BE49-F238E27FC236}">
+                <a16:creationId xmlns:a16="http://schemas.microsoft.com/office/drawing/2014/main" id="{40E9E3E6-F907-45BB-8551-83F93D10CE59}"/>
+              </a:ext>
+            </a:extLst>
+          </p:cNvPr>
+          <p:cNvSpPr>
+            <a:spLocks noGrp="1"/>
+          </p:cNvSpPr>
+          <p:nvPr>
+            <p:ph type="title"/>
+          </p:nvPr>
+        </p:nvSpPr>
+        <p:spPr/>
+        <p:txBody>
+          <a:bodyPr/>
+          <a:lstStyle/>
+          <a:p>
+            <a:r>
+              <a:rPr lang="en-US" dirty="0"/>
+              <a:t>References</a:t>
+            </a:r>
+          </a:p>
+        </p:txBody>
+      </p:sp>
+      <p:sp>
+        <p:nvSpPr>
+          <p:cNvPr id="3" name="Content Placeholder 2">
+            <a:extLst>
+              <a:ext uri="{FF2B5EF4-FFF2-40B4-BE49-F238E27FC236}">
+                <a16:creationId xmlns:a16="http://schemas.microsoft.com/office/drawing/2014/main" id="{82A008E8-E498-48EF-BA37-8E75081A0FA2}"/>
+              </a:ext>
+            </a:extLst>
+          </p:cNvPr>
+          <p:cNvSpPr>
+            <a:spLocks noGrp="1"/>
+          </p:cNvSpPr>
+          <p:nvPr>
+            <p:ph idx="1"/>
+          </p:nvPr>
+        </p:nvSpPr>
+        <p:spPr/>
+        <p:txBody>
+          <a:bodyPr/>
+          <a:lstStyle/>
+          <a:p>
+            <a:r>
+              <a:rPr lang="en-US" dirty="0">
+                <a:hlinkClick r:id="rId2"/>
+              </a:rPr>
+              <a:t>Real-time fraud detection using </a:t>
+            </a:r>
+            <a:r>
+              <a:rPr lang="en-US" dirty="0" err="1">
+                <a:hlinkClick r:id="rId2"/>
+              </a:rPr>
+              <a:t>CosmosDB</a:t>
+            </a:r>
+            <a:r>
+              <a:rPr lang="en-US" dirty="0">
+                <a:hlinkClick r:id="rId2"/>
+              </a:rPr>
+              <a:t> to analyze streaming data</a:t>
+            </a:r>
+            <a:endParaRPr lang="en-US" dirty="0"/>
+          </a:p>
+          <a:p>
+            <a:r>
+              <a:rPr lang="en-US" dirty="0">
+                <a:hlinkClick r:id="rId3"/>
+              </a:rPr>
+              <a:t>Anomaly Detection using Azure ML Studio</a:t>
+            </a:r>
+            <a:endParaRPr lang="en-US" dirty="0"/>
+          </a:p>
+          <a:p>
+            <a:r>
+              <a:rPr lang="en-US" dirty="0">
+                <a:hlinkClick r:id="rId4"/>
+              </a:rPr>
+              <a:t>Real-time fraud detection on Azure (additional use cases)</a:t>
+            </a:r>
+            <a:endParaRPr lang="en-US" dirty="0"/>
+          </a:p>
+          <a:p>
+            <a:r>
+              <a:rPr lang="en-US" dirty="0">
+                <a:hlinkClick r:id="rId5"/>
+              </a:rPr>
+              <a:t>Introduction to Azure Machine Learning</a:t>
+            </a:r>
+            <a:endParaRPr lang="en-US" dirty="0"/>
+          </a:p>
+        </p:txBody>
+      </p:sp>
+    </p:spTree>
+    <p:extLst>
+      <p:ext uri="{BB962C8B-B14F-4D97-AF65-F5344CB8AC3E}">
+        <p14:creationId xmlns:p14="http://schemas.microsoft.com/office/powerpoint/2010/main" val="3881233414"/>
+      </p:ext>
+    </p:extLst>
+  </p:cSld>
+  <p:clrMapOvr>
+    <a:masterClrMapping/>
+  </p:clrMapOvr>
+</p:sld>
+</file>
+
+<file path=ppt/slides/slide13.xml><?xml version="1.0" encoding="utf-8"?>
+<p:sld xmlns:a="http://schemas.openxmlformats.org/drawingml/2006/main" xmlns:r="http://schemas.openxmlformats.org/officeDocument/2006/relationships" xmlns:p="http://schemas.openxmlformats.org/presentationml/2006/main">
+  <p:cSld>
+    <p:bg>
+      <p:bgPr>
+        <a:solidFill>
+          <a:schemeClr val="bg1"/>
+        </a:solidFill>
+        <a:effectLst/>
+      </p:bgPr>
+    </p:bg>
+    <p:spTree>
+      <p:nvGrpSpPr>
+        <p:cNvPr id="1" name=""/>
+        <p:cNvGrpSpPr/>
+        <p:nvPr/>
+      </p:nvGrpSpPr>
+      <p:grpSpPr>
+        <a:xfrm>
+          <a:off x="0" y="0"/>
+          <a:ext cx="0" cy="0"/>
+          <a:chOff x="0" y="0"/>
+          <a:chExt cx="0" cy="0"/>
+        </a:xfrm>
+      </p:grpSpPr>
+      <p:sp>
+        <p:nvSpPr>
           <p:cNvPr id="2" name="Title 1">
             <a:extLst>
               <a:ext uri="{FF2B5EF4-FFF2-40B4-BE49-F238E27FC236}">
@@ -7792,7 +8302,7 @@
 </p:sld>
 </file>
 
-<file path=ppt/slides/slide11.xml><?xml version="1.0" encoding="utf-8"?>
+<file path=ppt/slides/slide14.xml><?xml version="1.0" encoding="utf-8"?>
 <p:sld xmlns:a="http://schemas.openxmlformats.org/drawingml/2006/main" xmlns:r="http://schemas.openxmlformats.org/officeDocument/2006/relationships" xmlns:p="http://schemas.openxmlformats.org/presentationml/2006/main">
   <p:cSld>
     <p:spTree>
@@ -8686,7 +9196,7 @@
         </p:nvSpPr>
         <p:spPr>
           <a:xfrm>
-            <a:off x="801099" y="1396289"/>
+            <a:off x="606027" y="2603297"/>
             <a:ext cx="5006336" cy="1325563"/>
           </a:xfrm>
         </p:spPr>
@@ -8697,83 +9207,9 @@
           <a:lstStyle/>
           <a:p>
             <a:r>
-              <a:rPr lang="en-US" sz="4400"/>
+              <a:rPr lang="en-US" sz="4400" dirty="0"/>
               <a:t>Characteristics of an audit - Data</a:t>
             </a:r>
-          </a:p>
-        </p:txBody>
-      </p:sp>
-      <p:sp>
-        <p:nvSpPr>
-          <p:cNvPr id="3" name="Content Placeholder 2">
-            <a:extLst>
-              <a:ext uri="{FF2B5EF4-FFF2-40B4-BE49-F238E27FC236}">
-                <a16:creationId xmlns:a16="http://schemas.microsoft.com/office/drawing/2014/main" id="{171144AD-97D3-4090-AF58-BBDC406F5082}"/>
-              </a:ext>
-            </a:extLst>
-          </p:cNvPr>
-          <p:cNvSpPr>
-            <a:spLocks noGrp="1"/>
-          </p:cNvSpPr>
-          <p:nvPr>
-            <p:ph idx="1"/>
-          </p:nvPr>
-        </p:nvSpPr>
-        <p:spPr>
-          <a:xfrm>
-            <a:off x="805543" y="2871982"/>
-            <a:ext cx="5006336" cy="3181684"/>
-          </a:xfrm>
-        </p:spPr>
-        <p:txBody>
-          <a:bodyPr anchor="t">
-            <a:normAutofit/>
-          </a:bodyPr>
-          <a:lstStyle/>
-          <a:p>
-            <a:r>
-              <a:rPr lang="en-US" sz="1800"/>
-              <a:t>Data</a:t>
-            </a:r>
-          </a:p>
-          <a:p>
-            <a:pPr lvl="1"/>
-            <a:r>
-              <a:rPr lang="en-US" sz="1800"/>
-              <a:t>Size</a:t>
-            </a:r>
-          </a:p>
-          <a:p>
-            <a:pPr lvl="1"/>
-            <a:r>
-              <a:rPr lang="en-US" sz="1800"/>
-              <a:t>Cleanliness</a:t>
-            </a:r>
-          </a:p>
-          <a:p>
-            <a:pPr lvl="1"/>
-            <a:r>
-              <a:rPr lang="en-US" sz="1800"/>
-              <a:t>Transfers</a:t>
-            </a:r>
-          </a:p>
-          <a:p>
-            <a:pPr lvl="1"/>
-            <a:r>
-              <a:rPr lang="en-US" sz="1800"/>
-              <a:t>Updates</a:t>
-            </a:r>
-          </a:p>
-          <a:p>
-            <a:pPr lvl="1"/>
-            <a:r>
-              <a:rPr lang="en-US" sz="1800"/>
-              <a:t>Scalability</a:t>
-            </a:r>
-          </a:p>
-          <a:p>
-            <a:pPr lvl="1"/>
-            <a:endParaRPr lang="en-US" sz="1800"/>
           </a:p>
         </p:txBody>
       </p:sp>
@@ -10297,6 +10733,764 @@
     <p:bg>
       <p:bgPr>
         <a:solidFill>
+          <a:schemeClr val="bg1"/>
+        </a:solidFill>
+        <a:effectLst/>
+      </p:bgPr>
+    </p:bg>
+    <p:spTree>
+      <p:nvGrpSpPr>
+        <p:cNvPr id="1" name=""/>
+        <p:cNvGrpSpPr/>
+        <p:nvPr/>
+      </p:nvGrpSpPr>
+      <p:grpSpPr>
+        <a:xfrm>
+          <a:off x="0" y="0"/>
+          <a:ext cx="0" cy="0"/>
+          <a:chOff x="0" y="0"/>
+          <a:chExt cx="0" cy="0"/>
+        </a:xfrm>
+      </p:grpSpPr>
+      <p:pic>
+        <p:nvPicPr>
+          <p:cNvPr id="13" name="Picture 12" descr="A picture containing drawing&#10;&#10;Description automatically generated">
+            <a:extLst>
+              <a:ext uri="{FF2B5EF4-FFF2-40B4-BE49-F238E27FC236}">
+                <a16:creationId xmlns:a16="http://schemas.microsoft.com/office/drawing/2014/main" id="{BD2B3DDF-F271-492B-88A1-0922668A3119}"/>
+              </a:ext>
+            </a:extLst>
+          </p:cNvPr>
+          <p:cNvPicPr>
+            <a:picLocks noChangeAspect="1"/>
+          </p:cNvPicPr>
+          <p:nvPr/>
+        </p:nvPicPr>
+        <p:blipFill>
+          <a:blip r:embed="rId2">
+            <a:extLst>
+              <a:ext uri="{28A0092B-C50C-407E-A947-70E740481C1C}">
+                <a14:useLocalDpi xmlns:a14="http://schemas.microsoft.com/office/drawing/2010/main" val="0"/>
+              </a:ext>
+            </a:extLst>
+          </a:blip>
+          <a:stretch>
+            <a:fillRect/>
+          </a:stretch>
+        </p:blipFill>
+        <p:spPr>
+          <a:xfrm>
+            <a:off x="1237684" y="346167"/>
+            <a:ext cx="1588946" cy="1588946"/>
+          </a:xfrm>
+          <a:prstGeom prst="rect">
+            <a:avLst/>
+          </a:prstGeom>
+        </p:spPr>
+      </p:pic>
+      <p:pic>
+        <p:nvPicPr>
+          <p:cNvPr id="9" name="Picture 8" descr="A close up of text on a black background&#10;&#10;Description automatically generated">
+            <a:extLst>
+              <a:ext uri="{FF2B5EF4-FFF2-40B4-BE49-F238E27FC236}">
+                <a16:creationId xmlns:a16="http://schemas.microsoft.com/office/drawing/2014/main" id="{613662FC-8133-462B-AB02-5A15D66864A2}"/>
+              </a:ext>
+            </a:extLst>
+          </p:cNvPr>
+          <p:cNvPicPr>
+            <a:picLocks noChangeAspect="1"/>
+          </p:cNvPicPr>
+          <p:nvPr/>
+        </p:nvPicPr>
+        <p:blipFill>
+          <a:blip r:embed="rId3">
+            <a:extLst>
+              <a:ext uri="{28A0092B-C50C-407E-A947-70E740481C1C}">
+                <a14:useLocalDpi xmlns:a14="http://schemas.microsoft.com/office/drawing/2010/main" val="0"/>
+              </a:ext>
+            </a:extLst>
+          </a:blip>
+          <a:stretch>
+            <a:fillRect/>
+          </a:stretch>
+        </p:blipFill>
+        <p:spPr>
+          <a:xfrm>
+            <a:off x="4633774" y="346167"/>
+            <a:ext cx="2751900" cy="1547944"/>
+          </a:xfrm>
+          <a:prstGeom prst="rect">
+            <a:avLst/>
+          </a:prstGeom>
+        </p:spPr>
+      </p:pic>
+      <p:pic>
+        <p:nvPicPr>
+          <p:cNvPr id="7" name="Picture 6" descr="A picture containing object, indoor, looking, sitting&#10;&#10;Description automatically generated">
+            <a:extLst>
+              <a:ext uri="{FF2B5EF4-FFF2-40B4-BE49-F238E27FC236}">
+                <a16:creationId xmlns:a16="http://schemas.microsoft.com/office/drawing/2014/main" id="{82963959-DEC8-4191-85B9-860A13B45C9D}"/>
+              </a:ext>
+            </a:extLst>
+          </p:cNvPr>
+          <p:cNvPicPr>
+            <a:picLocks noChangeAspect="1"/>
+          </p:cNvPicPr>
+          <p:nvPr/>
+        </p:nvPicPr>
+        <p:blipFill>
+          <a:blip r:embed="rId4">
+            <a:extLst>
+              <a:ext uri="{28A0092B-C50C-407E-A947-70E740481C1C}">
+                <a14:useLocalDpi xmlns:a14="http://schemas.microsoft.com/office/drawing/2010/main" val="0"/>
+              </a:ext>
+            </a:extLst>
+          </a:blip>
+          <a:stretch>
+            <a:fillRect/>
+          </a:stretch>
+        </p:blipFill>
+        <p:spPr>
+          <a:xfrm>
+            <a:off x="8724901" y="346167"/>
+            <a:ext cx="2751907" cy="1547948"/>
+          </a:xfrm>
+          <a:prstGeom prst="rect">
+            <a:avLst/>
+          </a:prstGeom>
+        </p:spPr>
+      </p:pic>
+      <p:pic>
+        <p:nvPicPr>
+          <p:cNvPr id="11" name="Picture 10" descr="A picture containing text&#10;&#10;Description automatically generated">
+            <a:extLst>
+              <a:ext uri="{FF2B5EF4-FFF2-40B4-BE49-F238E27FC236}">
+                <a16:creationId xmlns:a16="http://schemas.microsoft.com/office/drawing/2014/main" id="{3CA7A38E-601A-45C6-B0CC-73F3FF2F5EE6}"/>
+              </a:ext>
+            </a:extLst>
+          </p:cNvPr>
+          <p:cNvPicPr>
+            <a:picLocks noChangeAspect="1"/>
+          </p:cNvPicPr>
+          <p:nvPr/>
+        </p:nvPicPr>
+        <p:blipFill>
+          <a:blip r:embed="rId5">
+            <a:extLst>
+              <a:ext uri="{28A0092B-C50C-407E-A947-70E740481C1C}">
+                <a14:useLocalDpi xmlns:a14="http://schemas.microsoft.com/office/drawing/2010/main" val="0"/>
+              </a:ext>
+            </a:extLst>
+          </a:blip>
+          <a:stretch>
+            <a:fillRect/>
+          </a:stretch>
+        </p:blipFill>
+        <p:spPr>
+          <a:xfrm>
+            <a:off x="969324" y="2639045"/>
+            <a:ext cx="2125663" cy="1588934"/>
+          </a:xfrm>
+          <a:prstGeom prst="rect">
+            <a:avLst/>
+          </a:prstGeom>
+        </p:spPr>
+      </p:pic>
+      <p:pic>
+        <p:nvPicPr>
+          <p:cNvPr id="5" name="Picture 4" descr="A picture containing refrigerator&#10;&#10;Description automatically generated">
+            <a:extLst>
+              <a:ext uri="{FF2B5EF4-FFF2-40B4-BE49-F238E27FC236}">
+                <a16:creationId xmlns:a16="http://schemas.microsoft.com/office/drawing/2014/main" id="{117BAB31-0AB1-446B-ADEA-B890A7519C2E}"/>
+              </a:ext>
+            </a:extLst>
+          </p:cNvPr>
+          <p:cNvPicPr>
+            <a:picLocks noChangeAspect="1"/>
+          </p:cNvPicPr>
+          <p:nvPr/>
+        </p:nvPicPr>
+        <p:blipFill>
+          <a:blip r:embed="rId6">
+            <a:extLst>
+              <a:ext uri="{28A0092B-C50C-407E-A947-70E740481C1C}">
+                <a14:useLocalDpi xmlns:a14="http://schemas.microsoft.com/office/drawing/2010/main" val="0"/>
+              </a:ext>
+            </a:extLst>
+          </a:blip>
+          <a:stretch>
+            <a:fillRect/>
+          </a:stretch>
+        </p:blipFill>
+        <p:spPr>
+          <a:xfrm>
+            <a:off x="912084" y="4930536"/>
+            <a:ext cx="2236980" cy="1582664"/>
+          </a:xfrm>
+          <a:prstGeom prst="rect">
+            <a:avLst/>
+          </a:prstGeom>
+        </p:spPr>
+      </p:pic>
+      <p:sp>
+        <p:nvSpPr>
+          <p:cNvPr id="18" name="Rectangle 17">
+            <a:extLst>
+              <a:ext uri="{FF2B5EF4-FFF2-40B4-BE49-F238E27FC236}">
+                <a16:creationId xmlns:a16="http://schemas.microsoft.com/office/drawing/2014/main" id="{A5A17FC0-D416-4C8B-A9E6-5924D352B986}"/>
+              </a:ext>
+              <a:ext uri="{C183D7F6-B498-43B3-948B-1728B52AA6E4}">
+                <adec:decorative xmlns:adec="http://schemas.microsoft.com/office/drawing/2017/decorative" val="1"/>
+              </a:ext>
+            </a:extLst>
+          </p:cNvPr>
+          <p:cNvSpPr>
+            <a:spLocks noGrp="1" noRot="1" noChangeAspect="1" noMove="1" noResize="1" noEditPoints="1" noAdjustHandles="1" noChangeArrowheads="1" noChangeShapeType="1" noTextEdit="1"/>
+          </p:cNvSpPr>
+          <p:nvPr>
+            <p:extLst>
+              <p:ext uri="{386F3935-93C4-4BCD-93E2-E3B085C9AB24}">
+                <p16:designElem xmlns:p16="http://schemas.microsoft.com/office/powerpoint/2015/main" val="1"/>
+              </p:ext>
+            </p:extLst>
+          </p:nvPr>
+        </p:nvSpPr>
+        <p:spPr>
+          <a:xfrm>
+            <a:off x="4067495" y="2300641"/>
+            <a:ext cx="8124506" cy="4557360"/>
+          </a:xfrm>
+          <a:prstGeom prst="rect">
+            <a:avLst/>
+          </a:prstGeom>
+          <a:solidFill>
+            <a:srgbClr val="404040"/>
+          </a:solidFill>
+          <a:ln>
+            <a:noFill/>
+          </a:ln>
+        </p:spPr>
+        <p:style>
+          <a:lnRef idx="2">
+            <a:schemeClr val="accent1">
+              <a:shade val="50000"/>
+            </a:schemeClr>
+          </a:lnRef>
+          <a:fillRef idx="1">
+            <a:schemeClr val="accent1"/>
+          </a:fillRef>
+          <a:effectRef idx="0">
+            <a:schemeClr val="accent1"/>
+          </a:effectRef>
+          <a:fontRef idx="minor">
+            <a:schemeClr val="lt1"/>
+          </a:fontRef>
+        </p:style>
+        <p:txBody>
+          <a:bodyPr rtlCol="0" anchor="ctr"/>
+          <a:lstStyle/>
+          <a:p>
+            <a:pPr marL="0" marR="0" lvl="0" indent="0" algn="ctr" defTabSz="914400" rtl="0" eaLnBrk="1" fontAlgn="auto" latinLnBrk="0" hangingPunct="1">
+              <a:lnSpc>
+                <a:spcPct val="100000"/>
+              </a:lnSpc>
+              <a:spcBef>
+                <a:spcPts val="0"/>
+              </a:spcBef>
+              <a:spcAft>
+                <a:spcPts val="0"/>
+              </a:spcAft>
+              <a:buClrTx/>
+              <a:buSzTx/>
+              <a:buFontTx/>
+              <a:buNone/>
+              <a:tabLst/>
+              <a:defRPr/>
+            </a:pPr>
+            <a:endParaRPr kumimoji="0" lang="en-US" sz="1800" b="0" i="0" u="none" strike="noStrike" kern="1200" cap="none" spc="0" normalizeH="0" baseline="0" noProof="0">
+              <a:ln>
+                <a:noFill/>
+              </a:ln>
+              <a:solidFill>
+                <a:prstClr val="white"/>
+              </a:solidFill>
+              <a:effectLst/>
+              <a:uLnTx/>
+              <a:uFillTx/>
+              <a:latin typeface="Calibri" panose="020F0502020204030204"/>
+              <a:ea typeface="+mn-ea"/>
+              <a:cs typeface="+mn-cs"/>
+            </a:endParaRPr>
+          </a:p>
+        </p:txBody>
+      </p:sp>
+      <p:sp>
+        <p:nvSpPr>
+          <p:cNvPr id="2" name="Title 1">
+            <a:extLst>
+              <a:ext uri="{FF2B5EF4-FFF2-40B4-BE49-F238E27FC236}">
+                <a16:creationId xmlns:a16="http://schemas.microsoft.com/office/drawing/2014/main" id="{6B646C67-F099-427D-AE07-1B21234CC1B4}"/>
+              </a:ext>
+            </a:extLst>
+          </p:cNvPr>
+          <p:cNvSpPr>
+            <a:spLocks noGrp="1"/>
+          </p:cNvSpPr>
+          <p:nvPr>
+            <p:ph type="title"/>
+          </p:nvPr>
+        </p:nvSpPr>
+        <p:spPr>
+          <a:xfrm>
+            <a:off x="4657256" y="2916520"/>
+            <a:ext cx="6465287" cy="2309364"/>
+          </a:xfrm>
+        </p:spPr>
+        <p:txBody>
+          <a:bodyPr vert="horz" lIns="91440" tIns="45720" rIns="91440" bIns="45720" rtlCol="0" anchor="b">
+            <a:normAutofit/>
+          </a:bodyPr>
+          <a:lstStyle/>
+          <a:p>
+            <a:r>
+              <a:rPr lang="en-US" sz="4800" kern="1200">
+                <a:solidFill>
+                  <a:srgbClr val="FFFFFF"/>
+                </a:solidFill>
+                <a:latin typeface="+mj-lt"/>
+                <a:ea typeface="+mj-ea"/>
+                <a:cs typeface="+mj-cs"/>
+              </a:rPr>
+              <a:t>Emerging Data Types</a:t>
+            </a:r>
+          </a:p>
+        </p:txBody>
+      </p:sp>
+      <p:cxnSp>
+        <p:nvCxnSpPr>
+          <p:cNvPr id="20" name="Straight Connector 19">
+            <a:extLst>
+              <a:ext uri="{FF2B5EF4-FFF2-40B4-BE49-F238E27FC236}">
+                <a16:creationId xmlns:a16="http://schemas.microsoft.com/office/drawing/2014/main" id="{982DC870-E8E5-4050-B10C-CC24FC67E50A}"/>
+              </a:ext>
+              <a:ext uri="{C183D7F6-B498-43B3-948B-1728B52AA6E4}">
+                <adec:decorative xmlns:adec="http://schemas.microsoft.com/office/drawing/2017/decorative" val="1"/>
+              </a:ext>
+            </a:extLst>
+          </p:cNvPr>
+          <p:cNvCxnSpPr>
+            <a:cxnSpLocks noGrp="1" noRot="1" noChangeAspect="1" noMove="1" noResize="1" noEditPoints="1" noAdjustHandles="1" noChangeArrowheads="1" noChangeShapeType="1"/>
+          </p:cNvCxnSpPr>
+          <p:nvPr>
+            <p:extLst>
+              <p:ext uri="{386F3935-93C4-4BCD-93E2-E3B085C9AB24}">
+                <p16:designElem xmlns:p16="http://schemas.microsoft.com/office/powerpoint/2015/main" val="1"/>
+              </p:ext>
+            </p:extLst>
+          </p:nvPr>
+        </p:nvCxnSpPr>
+        <p:spPr>
+          <a:xfrm flipH="1">
+            <a:off x="0" y="2285774"/>
+            <a:ext cx="12188952" cy="0"/>
+          </a:xfrm>
+          <a:prstGeom prst="line">
+            <a:avLst/>
+          </a:prstGeom>
+          <a:ln w="101600">
+            <a:solidFill>
+              <a:srgbClr val="404040"/>
+            </a:solidFill>
+          </a:ln>
+        </p:spPr>
+        <p:style>
+          <a:lnRef idx="1">
+            <a:schemeClr val="accent1"/>
+          </a:lnRef>
+          <a:fillRef idx="0">
+            <a:schemeClr val="accent1"/>
+          </a:fillRef>
+          <a:effectRef idx="0">
+            <a:schemeClr val="accent1"/>
+          </a:effectRef>
+          <a:fontRef idx="minor">
+            <a:schemeClr val="tx1"/>
+          </a:fontRef>
+        </p:style>
+      </p:cxnSp>
+      <p:cxnSp>
+        <p:nvCxnSpPr>
+          <p:cNvPr id="22" name="Straight Connector 21">
+            <a:extLst>
+              <a:ext uri="{FF2B5EF4-FFF2-40B4-BE49-F238E27FC236}">
+                <a16:creationId xmlns:a16="http://schemas.microsoft.com/office/drawing/2014/main" id="{FF76A74F-C283-4DED-BD4D-086753B7CB00}"/>
+              </a:ext>
+              <a:ext uri="{C183D7F6-B498-43B3-948B-1728B52AA6E4}">
+                <adec:decorative xmlns:adec="http://schemas.microsoft.com/office/drawing/2017/decorative" val="1"/>
+              </a:ext>
+            </a:extLst>
+          </p:cNvPr>
+          <p:cNvCxnSpPr>
+            <a:cxnSpLocks noGrp="1" noRot="1" noChangeAspect="1" noMove="1" noResize="1" noEditPoints="1" noAdjustHandles="1" noChangeArrowheads="1" noChangeShapeType="1"/>
+          </p:cNvCxnSpPr>
+          <p:nvPr>
+            <p:extLst>
+              <p:ext uri="{386F3935-93C4-4BCD-93E2-E3B085C9AB24}">
+                <p16:designElem xmlns:p16="http://schemas.microsoft.com/office/powerpoint/2015/main" val="1"/>
+              </p:ext>
+            </p:extLst>
+          </p:nvPr>
+        </p:nvCxnSpPr>
+        <p:spPr>
+          <a:xfrm flipH="1">
+            <a:off x="0" y="4571548"/>
+            <a:ext cx="4064320" cy="0"/>
+          </a:xfrm>
+          <a:prstGeom prst="line">
+            <a:avLst/>
+          </a:prstGeom>
+          <a:ln w="101600">
+            <a:solidFill>
+              <a:srgbClr val="404040"/>
+            </a:solidFill>
+          </a:ln>
+        </p:spPr>
+        <p:style>
+          <a:lnRef idx="1">
+            <a:schemeClr val="accent1"/>
+          </a:lnRef>
+          <a:fillRef idx="0">
+            <a:schemeClr val="accent1"/>
+          </a:fillRef>
+          <a:effectRef idx="0">
+            <a:schemeClr val="accent1"/>
+          </a:effectRef>
+          <a:fontRef idx="minor">
+            <a:schemeClr val="tx1"/>
+          </a:fontRef>
+        </p:style>
+      </p:cxnSp>
+      <p:cxnSp>
+        <p:nvCxnSpPr>
+          <p:cNvPr id="24" name="Straight Connector 23">
+            <a:extLst>
+              <a:ext uri="{FF2B5EF4-FFF2-40B4-BE49-F238E27FC236}">
+                <a16:creationId xmlns:a16="http://schemas.microsoft.com/office/drawing/2014/main" id="{3B2791FB-B2F7-4BBE-B8D8-74C37FF9E85C}"/>
+              </a:ext>
+              <a:ext uri="{C183D7F6-B498-43B3-948B-1728B52AA6E4}">
+                <adec:decorative xmlns:adec="http://schemas.microsoft.com/office/drawing/2017/decorative" val="1"/>
+              </a:ext>
+            </a:extLst>
+          </p:cNvPr>
+          <p:cNvCxnSpPr>
+            <a:cxnSpLocks noGrp="1" noRot="1" noChangeAspect="1" noMove="1" noResize="1" noEditPoints="1" noAdjustHandles="1" noChangeArrowheads="1" noChangeShapeType="1"/>
+          </p:cNvCxnSpPr>
+          <p:nvPr>
+            <p:extLst>
+              <p:ext uri="{386F3935-93C4-4BCD-93E2-E3B085C9AB24}">
+                <p16:designElem xmlns:p16="http://schemas.microsoft.com/office/powerpoint/2015/main" val="1"/>
+              </p:ext>
+            </p:extLst>
+          </p:nvPr>
+        </p:nvCxnSpPr>
+        <p:spPr>
+          <a:xfrm>
+            <a:off x="4064319" y="-680"/>
+            <a:ext cx="0" cy="6858003"/>
+          </a:xfrm>
+          <a:prstGeom prst="line">
+            <a:avLst/>
+          </a:prstGeom>
+          <a:ln w="101600">
+            <a:solidFill>
+              <a:srgbClr val="404040"/>
+            </a:solidFill>
+          </a:ln>
+        </p:spPr>
+        <p:style>
+          <a:lnRef idx="1">
+            <a:schemeClr val="accent1"/>
+          </a:lnRef>
+          <a:fillRef idx="0">
+            <a:schemeClr val="accent1"/>
+          </a:fillRef>
+          <a:effectRef idx="0">
+            <a:schemeClr val="accent1"/>
+          </a:effectRef>
+          <a:fontRef idx="minor">
+            <a:schemeClr val="tx1"/>
+          </a:fontRef>
+        </p:style>
+      </p:cxnSp>
+      <p:cxnSp>
+        <p:nvCxnSpPr>
+          <p:cNvPr id="26" name="Straight Connector 25">
+            <a:extLst>
+              <a:ext uri="{FF2B5EF4-FFF2-40B4-BE49-F238E27FC236}">
+                <a16:creationId xmlns:a16="http://schemas.microsoft.com/office/drawing/2014/main" id="{9891B5DE-6811-4844-BB18-472A3F360EE5}"/>
+              </a:ext>
+              <a:ext uri="{C183D7F6-B498-43B3-948B-1728B52AA6E4}">
+                <adec:decorative xmlns:adec="http://schemas.microsoft.com/office/drawing/2017/decorative" val="1"/>
+              </a:ext>
+            </a:extLst>
+          </p:cNvPr>
+          <p:cNvCxnSpPr>
+            <a:cxnSpLocks noGrp="1" noRot="1" noChangeAspect="1" noMove="1" noResize="1" noEditPoints="1" noAdjustHandles="1" noChangeArrowheads="1" noChangeShapeType="1"/>
+          </p:cNvCxnSpPr>
+          <p:nvPr>
+            <p:extLst>
+              <p:ext uri="{386F3935-93C4-4BCD-93E2-E3B085C9AB24}">
+                <p16:designElem xmlns:p16="http://schemas.microsoft.com/office/powerpoint/2015/main" val="1"/>
+              </p:ext>
+            </p:extLst>
+          </p:nvPr>
+        </p:nvCxnSpPr>
+        <p:spPr>
+          <a:xfrm>
+            <a:off x="8020742" y="-680"/>
+            <a:ext cx="0" cy="2240280"/>
+          </a:xfrm>
+          <a:prstGeom prst="line">
+            <a:avLst/>
+          </a:prstGeom>
+          <a:ln w="101600">
+            <a:solidFill>
+              <a:srgbClr val="404040"/>
+            </a:solidFill>
+          </a:ln>
+        </p:spPr>
+        <p:style>
+          <a:lnRef idx="1">
+            <a:schemeClr val="accent1"/>
+          </a:lnRef>
+          <a:fillRef idx="0">
+            <a:schemeClr val="accent1"/>
+          </a:fillRef>
+          <a:effectRef idx="0">
+            <a:schemeClr val="accent1"/>
+          </a:effectRef>
+          <a:fontRef idx="minor">
+            <a:schemeClr val="tx1"/>
+          </a:fontRef>
+        </p:style>
+      </p:cxnSp>
+      <p:cxnSp>
+        <p:nvCxnSpPr>
+          <p:cNvPr id="28" name="Straight Connector 27">
+            <a:extLst>
+              <a:ext uri="{FF2B5EF4-FFF2-40B4-BE49-F238E27FC236}">
+                <a16:creationId xmlns:a16="http://schemas.microsoft.com/office/drawing/2014/main" id="{77A9CA3A-7216-41E0-B3CD-058077FD396D}"/>
+              </a:ext>
+              <a:ext uri="{C183D7F6-B498-43B3-948B-1728B52AA6E4}">
+                <adec:decorative xmlns:adec="http://schemas.microsoft.com/office/drawing/2017/decorative" val="1"/>
+              </a:ext>
+            </a:extLst>
+          </p:cNvPr>
+          <p:cNvCxnSpPr>
+            <a:cxnSpLocks noGrp="1" noRot="1" noChangeAspect="1" noMove="1" noResize="1" noEditPoints="1" noAdjustHandles="1" noChangeArrowheads="1" noChangeShapeType="1"/>
+          </p:cNvCxnSpPr>
+          <p:nvPr>
+            <p:extLst>
+              <p:ext uri="{386F3935-93C4-4BCD-93E2-E3B085C9AB24}">
+                <p16:designElem xmlns:p16="http://schemas.microsoft.com/office/powerpoint/2015/main" val="1"/>
+              </p:ext>
+            </p:extLst>
+          </p:nvPr>
+        </p:nvCxnSpPr>
+        <p:spPr>
+          <a:xfrm>
+            <a:off x="4746931" y="5336249"/>
+            <a:ext cx="5486400" cy="0"/>
+          </a:xfrm>
+          <a:prstGeom prst="line">
+            <a:avLst/>
+          </a:prstGeom>
+          <a:ln w="15875">
+            <a:solidFill>
+              <a:srgbClr val="FFFFFF">
+                <a:alpha val="75000"/>
+              </a:srgbClr>
+            </a:solidFill>
+          </a:ln>
+        </p:spPr>
+        <p:style>
+          <a:lnRef idx="1">
+            <a:schemeClr val="accent1"/>
+          </a:lnRef>
+          <a:fillRef idx="0">
+            <a:schemeClr val="accent1"/>
+          </a:fillRef>
+          <a:effectRef idx="0">
+            <a:schemeClr val="accent1"/>
+          </a:effectRef>
+          <a:fontRef idx="minor">
+            <a:schemeClr val="tx1"/>
+          </a:fontRef>
+        </p:style>
+      </p:cxnSp>
+      <p:sp>
+        <p:nvSpPr>
+          <p:cNvPr id="14" name="TextBox 13">
+            <a:extLst>
+              <a:ext uri="{FF2B5EF4-FFF2-40B4-BE49-F238E27FC236}">
+                <a16:creationId xmlns:a16="http://schemas.microsoft.com/office/drawing/2014/main" id="{5308B85A-E685-443C-9B1C-83CF6C1936C3}"/>
+              </a:ext>
+            </a:extLst>
+          </p:cNvPr>
+          <p:cNvSpPr txBox="1"/>
+          <p:nvPr/>
+        </p:nvSpPr>
+        <p:spPr>
+          <a:xfrm>
+            <a:off x="8585503" y="1798412"/>
+            <a:ext cx="3030701" cy="369332"/>
+          </a:xfrm>
+          <a:prstGeom prst="rect">
+            <a:avLst/>
+          </a:prstGeom>
+          <a:noFill/>
+        </p:spPr>
+        <p:txBody>
+          <a:bodyPr wrap="none" rtlCol="0">
+            <a:spAutoFit/>
+          </a:bodyPr>
+          <a:lstStyle/>
+          <a:p>
+            <a:r>
+              <a:rPr lang="en-US" dirty="0" err="1"/>
+              <a:t>Diarisation</a:t>
+            </a:r>
+            <a:r>
+              <a:rPr lang="en-US" dirty="0"/>
+              <a:t> and voice forensics</a:t>
+            </a:r>
+          </a:p>
+        </p:txBody>
+      </p:sp>
+      <p:sp>
+        <p:nvSpPr>
+          <p:cNvPr id="21" name="TextBox 20">
+            <a:extLst>
+              <a:ext uri="{FF2B5EF4-FFF2-40B4-BE49-F238E27FC236}">
+                <a16:creationId xmlns:a16="http://schemas.microsoft.com/office/drawing/2014/main" id="{221B001D-857F-4DBE-9FCC-E9835ECCB4D1}"/>
+              </a:ext>
+            </a:extLst>
+          </p:cNvPr>
+          <p:cNvSpPr txBox="1"/>
+          <p:nvPr/>
+        </p:nvSpPr>
+        <p:spPr>
+          <a:xfrm>
+            <a:off x="5645682" y="1782923"/>
+            <a:ext cx="728084" cy="369332"/>
+          </a:xfrm>
+          <a:prstGeom prst="rect">
+            <a:avLst/>
+          </a:prstGeom>
+          <a:noFill/>
+        </p:spPr>
+        <p:txBody>
+          <a:bodyPr wrap="none" rtlCol="0">
+            <a:spAutoFit/>
+          </a:bodyPr>
+          <a:lstStyle/>
+          <a:p>
+            <a:r>
+              <a:rPr lang="en-US" dirty="0"/>
+              <a:t>Video</a:t>
+            </a:r>
+          </a:p>
+        </p:txBody>
+      </p:sp>
+      <p:sp>
+        <p:nvSpPr>
+          <p:cNvPr id="23" name="TextBox 22">
+            <a:extLst>
+              <a:ext uri="{FF2B5EF4-FFF2-40B4-BE49-F238E27FC236}">
+                <a16:creationId xmlns:a16="http://schemas.microsoft.com/office/drawing/2014/main" id="{C6CC63C3-568E-421E-835A-CF644F7683F9}"/>
+              </a:ext>
+            </a:extLst>
+          </p:cNvPr>
+          <p:cNvSpPr txBox="1"/>
+          <p:nvPr/>
+        </p:nvSpPr>
+        <p:spPr>
+          <a:xfrm>
+            <a:off x="1613795" y="1798412"/>
+            <a:ext cx="736099" cy="369332"/>
+          </a:xfrm>
+          <a:prstGeom prst="rect">
+            <a:avLst/>
+          </a:prstGeom>
+          <a:noFill/>
+        </p:spPr>
+        <p:txBody>
+          <a:bodyPr wrap="none" rtlCol="0">
+            <a:spAutoFit/>
+          </a:bodyPr>
+          <a:lstStyle/>
+          <a:p>
+            <a:r>
+              <a:rPr lang="en-US" dirty="0"/>
+              <a:t>Audio</a:t>
+            </a:r>
+          </a:p>
+        </p:txBody>
+      </p:sp>
+      <p:sp>
+        <p:nvSpPr>
+          <p:cNvPr id="25" name="TextBox 24">
+            <a:extLst>
+              <a:ext uri="{FF2B5EF4-FFF2-40B4-BE49-F238E27FC236}">
+                <a16:creationId xmlns:a16="http://schemas.microsoft.com/office/drawing/2014/main" id="{7375D42C-488E-49AE-B925-AF0B83DA9864}"/>
+              </a:ext>
+            </a:extLst>
+          </p:cNvPr>
+          <p:cNvSpPr txBox="1"/>
+          <p:nvPr/>
+        </p:nvSpPr>
+        <p:spPr>
+          <a:xfrm>
+            <a:off x="1237684" y="4092726"/>
+            <a:ext cx="1606594" cy="369332"/>
+          </a:xfrm>
+          <a:prstGeom prst="rect">
+            <a:avLst/>
+          </a:prstGeom>
+          <a:noFill/>
+        </p:spPr>
+        <p:txBody>
+          <a:bodyPr wrap="none" rtlCol="0">
+            <a:spAutoFit/>
+          </a:bodyPr>
+          <a:lstStyle/>
+          <a:p>
+            <a:r>
+              <a:rPr lang="en-US" dirty="0"/>
+              <a:t>Streaming data</a:t>
+            </a:r>
+          </a:p>
+        </p:txBody>
+      </p:sp>
+    </p:spTree>
+    <p:extLst>
+      <p:ext uri="{BB962C8B-B14F-4D97-AF65-F5344CB8AC3E}">
+        <p14:creationId xmlns:p14="http://schemas.microsoft.com/office/powerpoint/2010/main" val="2144192018"/>
+      </p:ext>
+    </p:extLst>
+  </p:cSld>
+  <p:clrMapOvr>
+    <a:masterClrMapping/>
+  </p:clrMapOvr>
+</p:sld>
+</file>
+
+<file path=ppt/slides/slide8.xml><?xml version="1.0" encoding="utf-8"?>
+<p:sld xmlns:a="http://schemas.openxmlformats.org/drawingml/2006/main" xmlns:r="http://schemas.openxmlformats.org/officeDocument/2006/relationships" xmlns:p="http://schemas.openxmlformats.org/presentationml/2006/main">
+  <p:cSld>
+    <p:bg>
+      <p:bgPr>
+        <a:solidFill>
           <a:schemeClr val="bg1">
             <a:tint val="95000"/>
             <a:satMod val="170000"/>
@@ -10723,7 +11917,7 @@
 </p:sld>
 </file>
 
-<file path=ppt/slides/slide8.xml><?xml version="1.0" encoding="utf-8"?>
+<file path=ppt/slides/slide9.xml><?xml version="1.0" encoding="utf-8"?>
 <p:sld xmlns:a="http://schemas.openxmlformats.org/drawingml/2006/main" xmlns:r="http://schemas.openxmlformats.org/officeDocument/2006/relationships" xmlns:p="http://schemas.openxmlformats.org/presentationml/2006/main">
   <p:cSld>
     <p:bg>
@@ -11149,260 +12343,6 @@
   </p:cSld>
   <p:clrMapOvr>
     <a:overrideClrMapping bg1="dk1" tx1="lt1" bg2="dk2" tx2="lt2" accent1="accent1" accent2="accent2" accent3="accent3" accent4="accent4" accent5="accent5" accent6="accent6" hlink="hlink" folHlink="folHlink"/>
-  </p:clrMapOvr>
-</p:sld>
-</file>
-
-<file path=ppt/slides/slide9.xml><?xml version="1.0" encoding="utf-8"?>
-<p:sld xmlns:a="http://schemas.openxmlformats.org/drawingml/2006/main" xmlns:r="http://schemas.openxmlformats.org/officeDocument/2006/relationships" xmlns:p="http://schemas.openxmlformats.org/presentationml/2006/main">
-  <p:cSld>
-    <p:bg>
-      <p:bgPr>
-        <a:solidFill>
-          <a:schemeClr val="bg1"/>
-        </a:solidFill>
-        <a:effectLst/>
-      </p:bgPr>
-    </p:bg>
-    <p:spTree>
-      <p:nvGrpSpPr>
-        <p:cNvPr id="1" name=""/>
-        <p:cNvGrpSpPr/>
-        <p:nvPr/>
-      </p:nvGrpSpPr>
-      <p:grpSpPr>
-        <a:xfrm>
-          <a:off x="0" y="0"/>
-          <a:ext cx="0" cy="0"/>
-          <a:chOff x="0" y="0"/>
-          <a:chExt cx="0" cy="0"/>
-        </a:xfrm>
-      </p:grpSpPr>
-      <p:sp>
-        <p:nvSpPr>
-          <p:cNvPr id="10" name="Rectangle 9">
-            <a:extLst>
-              <a:ext uri="{FF2B5EF4-FFF2-40B4-BE49-F238E27FC236}">
-                <a16:creationId xmlns:a16="http://schemas.microsoft.com/office/drawing/2014/main" id="{6753252F-4873-4F63-801D-CC719279A7D5}"/>
-              </a:ext>
-              <a:ext uri="{C183D7F6-B498-43B3-948B-1728B52AA6E4}">
-                <adec:decorative xmlns:adec="http://schemas.microsoft.com/office/drawing/2017/decorative" val="1"/>
-              </a:ext>
-            </a:extLst>
-          </p:cNvPr>
-          <p:cNvSpPr>
-            <a:spLocks noGrp="1" noRot="1" noChangeAspect="1" noMove="1" noResize="1" noEditPoints="1" noAdjustHandles="1" noChangeArrowheads="1" noChangeShapeType="1" noTextEdit="1"/>
-          </p:cNvSpPr>
-          <p:nvPr>
-            <p:extLst>
-              <p:ext uri="{386F3935-93C4-4BCD-93E2-E3B085C9AB24}">
-                <p16:designElem xmlns:p16="http://schemas.microsoft.com/office/powerpoint/2015/main" val="1"/>
-              </p:ext>
-            </p:extLst>
-          </p:nvPr>
-        </p:nvSpPr>
-        <p:spPr>
-          <a:xfrm>
-            <a:off x="0" y="0"/>
-            <a:ext cx="12192000" cy="6858000"/>
-          </a:xfrm>
-          <a:prstGeom prst="rect">
-            <a:avLst/>
-          </a:prstGeom>
-          <a:solidFill>
-            <a:srgbClr val="FFFFFF"/>
-          </a:solidFill>
-          <a:ln>
-            <a:noFill/>
-          </a:ln>
-        </p:spPr>
-        <p:style>
-          <a:lnRef idx="2">
-            <a:schemeClr val="accent1">
-              <a:shade val="50000"/>
-            </a:schemeClr>
-          </a:lnRef>
-          <a:fillRef idx="1">
-            <a:schemeClr val="accent1"/>
-          </a:fillRef>
-          <a:effectRef idx="0">
-            <a:schemeClr val="accent1"/>
-          </a:effectRef>
-          <a:fontRef idx="minor">
-            <a:schemeClr val="lt1"/>
-          </a:fontRef>
-        </p:style>
-        <p:txBody>
-          <a:bodyPr rtlCol="0" anchor="ctr"/>
-          <a:lstStyle/>
-          <a:p>
-            <a:pPr algn="ctr"/>
-            <a:endParaRPr lang="en-US"/>
-          </a:p>
-        </p:txBody>
-      </p:sp>
-      <p:sp>
-        <p:nvSpPr>
-          <p:cNvPr id="15" name="Rectangle 11">
-            <a:extLst>
-              <a:ext uri="{FF2B5EF4-FFF2-40B4-BE49-F238E27FC236}">
-                <a16:creationId xmlns:a16="http://schemas.microsoft.com/office/drawing/2014/main" id="{047C8CCB-F95D-4249-92DD-651249D3535A}"/>
-              </a:ext>
-              <a:ext uri="{C183D7F6-B498-43B3-948B-1728B52AA6E4}">
-                <adec:decorative xmlns:adec="http://schemas.microsoft.com/office/drawing/2017/decorative" val="1"/>
-              </a:ext>
-            </a:extLst>
-          </p:cNvPr>
-          <p:cNvSpPr>
-            <a:spLocks noGrp="1" noRot="1" noChangeAspect="1" noMove="1" noResize="1" noEditPoints="1" noAdjustHandles="1" noChangeArrowheads="1" noChangeShapeType="1" noTextEdit="1"/>
-          </p:cNvSpPr>
-          <p:nvPr>
-            <p:extLst>
-              <p:ext uri="{386F3935-93C4-4BCD-93E2-E3B085C9AB24}">
-                <p16:designElem xmlns:p16="http://schemas.microsoft.com/office/powerpoint/2015/main" val="1"/>
-              </p:ext>
-            </p:extLst>
-          </p:nvPr>
-        </p:nvSpPr>
-        <p:spPr>
-          <a:xfrm>
-            <a:off x="0" y="0"/>
-            <a:ext cx="2013557" cy="6858000"/>
-          </a:xfrm>
-          <a:prstGeom prst="rect">
-            <a:avLst/>
-          </a:prstGeom>
-          <a:solidFill>
-            <a:srgbClr val="435D7B"/>
-          </a:solidFill>
-          <a:ln>
-            <a:noFill/>
-          </a:ln>
-        </p:spPr>
-        <p:style>
-          <a:lnRef idx="2">
-            <a:schemeClr val="accent1">
-              <a:shade val="50000"/>
-            </a:schemeClr>
-          </a:lnRef>
-          <a:fillRef idx="1">
-            <a:schemeClr val="accent1"/>
-          </a:fillRef>
-          <a:effectRef idx="0">
-            <a:schemeClr val="accent1"/>
-          </a:effectRef>
-          <a:fontRef idx="minor">
-            <a:schemeClr val="lt1"/>
-          </a:fontRef>
-        </p:style>
-        <p:txBody>
-          <a:bodyPr rtlCol="0" anchor="ctr"/>
-          <a:lstStyle/>
-          <a:p>
-            <a:pPr algn="ctr"/>
-            <a:endParaRPr lang="en-US"/>
-          </a:p>
-        </p:txBody>
-      </p:sp>
-      <p:pic>
-        <p:nvPicPr>
-          <p:cNvPr id="5" name="Picture 4" descr="A close up of a sign&#10;&#10;Description automatically generated">
-            <a:extLst>
-              <a:ext uri="{FF2B5EF4-FFF2-40B4-BE49-F238E27FC236}">
-                <a16:creationId xmlns:a16="http://schemas.microsoft.com/office/drawing/2014/main" id="{F947E86C-78B3-4201-971E-8DBC568110F1}"/>
-              </a:ext>
-            </a:extLst>
-          </p:cNvPr>
-          <p:cNvPicPr>
-            <a:picLocks noChangeAspect="1"/>
-          </p:cNvPicPr>
-          <p:nvPr/>
-        </p:nvPicPr>
-        <p:blipFill>
-          <a:blip r:embed="rId2">
-            <a:extLst>
-              <a:ext uri="{28A0092B-C50C-407E-A947-70E740481C1C}">
-                <a14:useLocalDpi xmlns:a14="http://schemas.microsoft.com/office/drawing/2010/main" val="0"/>
-              </a:ext>
-            </a:extLst>
-          </a:blip>
-          <a:stretch>
-            <a:fillRect/>
-          </a:stretch>
-        </p:blipFill>
-        <p:spPr>
-          <a:xfrm>
-            <a:off x="3058511" y="258862"/>
-            <a:ext cx="7677806" cy="6340275"/>
-          </a:xfrm>
-          <a:prstGeom prst="rect">
-            <a:avLst/>
-          </a:prstGeom>
-        </p:spPr>
-      </p:pic>
-      <p:sp>
-        <p:nvSpPr>
-          <p:cNvPr id="2" name="Title 1">
-            <a:extLst>
-              <a:ext uri="{FF2B5EF4-FFF2-40B4-BE49-F238E27FC236}">
-                <a16:creationId xmlns:a16="http://schemas.microsoft.com/office/drawing/2014/main" id="{9EB47BE4-BD7C-4F3D-B3B2-4C772A90373B}"/>
-              </a:ext>
-            </a:extLst>
-          </p:cNvPr>
-          <p:cNvSpPr>
-            <a:spLocks noGrp="1"/>
-          </p:cNvSpPr>
-          <p:nvPr>
-            <p:ph type="title"/>
-          </p:nvPr>
-        </p:nvSpPr>
-        <p:spPr>
-          <a:xfrm>
-            <a:off x="640080" y="2074363"/>
-            <a:ext cx="2752354" cy="2709275"/>
-          </a:xfrm>
-          <a:prstGeom prst="ellipse">
-            <a:avLst/>
-          </a:prstGeom>
-          <a:solidFill>
-            <a:srgbClr val="262626"/>
-          </a:solidFill>
-          <a:ln w="174625" cmpd="thinThick">
-            <a:solidFill>
-              <a:srgbClr val="262626"/>
-            </a:solidFill>
-          </a:ln>
-        </p:spPr>
-        <p:txBody>
-          <a:bodyPr vert="horz" lIns="91440" tIns="45720" rIns="91440" bIns="45720" rtlCol="0" anchor="ctr">
-            <a:normAutofit/>
-          </a:bodyPr>
-          <a:lstStyle/>
-          <a:p>
-            <a:pPr algn="ctr"/>
-            <a:r>
-              <a:rPr lang="en-US" sz="2600" kern="1200">
-                <a:solidFill>
-                  <a:srgbClr val="FFFFFF"/>
-                </a:solidFill>
-                <a:latin typeface="+mj-lt"/>
-                <a:ea typeface="+mj-ea"/>
-                <a:cs typeface="+mj-cs"/>
-              </a:rPr>
-              <a:t>Scenario based discussion</a:t>
-            </a:r>
-          </a:p>
-        </p:txBody>
-      </p:sp>
-    </p:spTree>
-    <p:extLst>
-      <p:ext uri="{BB962C8B-B14F-4D97-AF65-F5344CB8AC3E}">
-        <p14:creationId xmlns:p14="http://schemas.microsoft.com/office/powerpoint/2010/main" val="2364114090"/>
-      </p:ext>
-    </p:extLst>
-  </p:cSld>
-  <p:clrMapOvr>
-    <a:masterClrMapping/>
   </p:clrMapOvr>
 </p:sld>
 </file>
